--- a/eece3170/lectures/eece.3170_lec8_arith.pptx
+++ b/eece3170/lectures/eece.3170_lec8_arith.pptx
@@ -187,7 +187,7 @@
 <file path=ppt/revisionInfo.xml><?xml version="1.0" encoding="utf-8"?>
 <p1510:revInfo xmlns:a="http://schemas.openxmlformats.org/drawingml/2006/main" xmlns:r="http://schemas.openxmlformats.org/officeDocument/2006/relationships" xmlns:p1510="http://schemas.microsoft.com/office/powerpoint/2015/10/main">
   <p1510:revLst>
-    <p1510:client id="{4469804C-DA3F-49D9-959F-5F9ED4315F63}" v="11" dt="2019-09-23T15:24:38.299"/>
+    <p1510:client id="{4469804C-DA3F-49D9-959F-5F9ED4315F63}" v="12" dt="2019-09-25T14:52:47.758"/>
   </p1510:revLst>
 </p1510:revInfo>
 </file>
@@ -197,22 +197,37 @@
   <pc:docChgLst>
     <pc:chgData name="Geiger, Michael J" userId="13cae92b-b37c-450b-a449-82fcae19569d" providerId="ADAL" clId="{4469804C-DA3F-49D9-959F-5F9ED4315F63}"/>
     <pc:docChg chg="custSel modSld">
-      <pc:chgData name="Geiger, Michael J" userId="13cae92b-b37c-450b-a449-82fcae19569d" providerId="ADAL" clId="{4469804C-DA3F-49D9-959F-5F9ED4315F63}" dt="2019-09-23T15:24:38.299" v="153" actId="20577"/>
+      <pc:chgData name="Geiger, Michael J" userId="13cae92b-b37c-450b-a449-82fcae19569d" providerId="ADAL" clId="{4469804C-DA3F-49D9-959F-5F9ED4315F63}" dt="2019-09-25T14:52:56.970" v="228" actId="20577"/>
       <pc:docMkLst>
         <pc:docMk/>
       </pc:docMkLst>
       <pc:sldChg chg="modSp">
-        <pc:chgData name="Geiger, Michael J" userId="13cae92b-b37c-450b-a449-82fcae19569d" providerId="ADAL" clId="{4469804C-DA3F-49D9-959F-5F9ED4315F63}" dt="2019-09-23T15:02:17.359" v="142" actId="20577"/>
+        <pc:chgData name="Geiger, Michael J" userId="13cae92b-b37c-450b-a449-82fcae19569d" providerId="ADAL" clId="{4469804C-DA3F-49D9-959F-5F9ED4315F63}" dt="2019-09-25T14:51:49.218" v="198" actId="20577"/>
         <pc:sldMkLst>
           <pc:docMk/>
           <pc:sldMk cId="0" sldId="257"/>
         </pc:sldMkLst>
         <pc:spChg chg="mod">
-          <ac:chgData name="Geiger, Michael J" userId="13cae92b-b37c-450b-a449-82fcae19569d" providerId="ADAL" clId="{4469804C-DA3F-49D9-959F-5F9ED4315F63}" dt="2019-09-23T15:02:17.359" v="142" actId="20577"/>
+          <ac:chgData name="Geiger, Michael J" userId="13cae92b-b37c-450b-a449-82fcae19569d" providerId="ADAL" clId="{4469804C-DA3F-49D9-959F-5F9ED4315F63}" dt="2019-09-25T14:51:49.218" v="198" actId="20577"/>
           <ac:spMkLst>
             <pc:docMk/>
             <pc:sldMk cId="0" sldId="257"/>
             <ac:spMk id="4099" creationId="{00000000-0000-0000-0000-000000000000}"/>
+          </ac:spMkLst>
+        </pc:spChg>
+      </pc:sldChg>
+      <pc:sldChg chg="modSp">
+        <pc:chgData name="Geiger, Michael J" userId="13cae92b-b37c-450b-a449-82fcae19569d" providerId="ADAL" clId="{4469804C-DA3F-49D9-959F-5F9ED4315F63}" dt="2019-09-25T14:52:56.970" v="228" actId="20577"/>
+        <pc:sldMkLst>
+          <pc:docMk/>
+          <pc:sldMk cId="0" sldId="379"/>
+        </pc:sldMkLst>
+        <pc:spChg chg="mod">
+          <ac:chgData name="Geiger, Michael J" userId="13cae92b-b37c-450b-a449-82fcae19569d" providerId="ADAL" clId="{4469804C-DA3F-49D9-959F-5F9ED4315F63}" dt="2019-09-25T14:52:56.970" v="228" actId="20577"/>
+          <ac:spMkLst>
+            <pc:docMk/>
+            <pc:sldMk cId="0" sldId="379"/>
+            <ac:spMk id="19459" creationId="{00000000-0000-0000-0000-000000000000}"/>
           </ac:spMkLst>
         </pc:spChg>
       </pc:sldChg>
@@ -632,7 +647,7 @@
               </a14:hiddenFill>
             </a:ext>
             <a:ext uri="{FAA26D3D-D897-4be2-8F04-BA451C77F1D7}">
-              <ma14:placeholderFlag xmlns:ma14="http://schemas.microsoft.com/office/mac/drawingml/2011/main" xmlns="" val="1"/>
+              <ma14:placeholderFlag xmlns="" xmlns:ma14="http://schemas.microsoft.com/office/mac/drawingml/2011/main" val="1"/>
             </a:ext>
           </a:extLst>
         </p:spPr>
@@ -1164,7 +1179,7 @@
               </a14:hiddenLine>
             </a:ext>
             <a:ext uri="{FAA26D3D-D897-4be2-8F04-BA451C77F1D7}">
-              <ma14:placeholderFlag xmlns:ma14="http://schemas.microsoft.com/office/mac/drawingml/2011/main" xmlns="" val="1"/>
+              <ma14:placeholderFlag xmlns="" xmlns:ma14="http://schemas.microsoft.com/office/mac/drawingml/2011/main" val="1"/>
             </a:ext>
           </a:extLst>
         </p:spPr>
@@ -1357,7 +1372,7 @@
             <a:fld id="{F3403224-3FEA-AF49-99B7-763BE9E1FA7B}" type="datetime1">
               <a:rPr lang="en-US"/>
               <a:pPr/>
-              <a:t>9/23/2019</a:t>
+              <a:t>9/25/2019</a:t>
             </a:fld>
             <a:endParaRPr lang="en-US"/>
           </a:p>
@@ -1729,7 +1744,7 @@
               </a14:hiddenLine>
             </a:ext>
             <a:ext uri="{FAA26D3D-D897-4be2-8F04-BA451C77F1D7}">
-              <ma14:placeholderFlag xmlns:ma14="http://schemas.microsoft.com/office/mac/drawingml/2011/main" xmlns="" val="1"/>
+              <ma14:placeholderFlag xmlns="" xmlns:ma14="http://schemas.microsoft.com/office/mac/drawingml/2011/main" val="1"/>
             </a:ext>
           </a:extLst>
         </p:spPr>
@@ -1973,7 +1988,7 @@
           <a:p>
             <a:fld id="{AC86B2F5-2BF2-F34F-80B8-AEC71DD91775}" type="datetime1">
               <a:rPr lang="en-US" smtClean="0"/>
-              <a:t>9/23/2019</a:t>
+              <a:t>9/25/2019</a:t>
             </a:fld>
             <a:endParaRPr lang="en-US"/>
           </a:p>
@@ -2167,7 +2182,7 @@
           <a:p>
             <a:fld id="{1E06C935-7F71-3841-A557-D77B78A453B3}" type="datetime1">
               <a:rPr lang="en-US" smtClean="0"/>
-              <a:t>9/23/2019</a:t>
+              <a:t>9/25/2019</a:t>
             </a:fld>
             <a:endParaRPr lang="en-US"/>
           </a:p>
@@ -2370,7 +2385,7 @@
           <a:p>
             <a:fld id="{5AAD3E52-ACC4-9044-9831-3534F51E876F}" type="datetime1">
               <a:rPr lang="en-US" smtClean="0"/>
-              <a:t>9/23/2019</a:t>
+              <a:t>9/25/2019</a:t>
             </a:fld>
             <a:endParaRPr lang="en-US"/>
           </a:p>
@@ -2629,7 +2644,7 @@
           <a:p>
             <a:fld id="{1949AE78-7288-9E4E-AF70-64039C2A8E91}" type="datetime1">
               <a:rPr lang="en-US" smtClean="0"/>
-              <a:t>9/23/2019</a:t>
+              <a:t>9/25/2019</a:t>
             </a:fld>
             <a:endParaRPr lang="en-US"/>
           </a:p>
@@ -2888,7 +2903,7 @@
           <a:p>
             <a:fld id="{96540817-7FFC-5A40-9F97-3A9C5B8EDC04}" type="datetime1">
               <a:rPr lang="en-US" smtClean="0"/>
-              <a:t>9/23/2019</a:t>
+              <a:t>9/25/2019</a:t>
             </a:fld>
             <a:endParaRPr lang="en-US"/>
           </a:p>
@@ -3081,7 +3096,7 @@
           <a:p>
             <a:fld id="{2573D7E0-6EBB-B34F-A5C3-83BD44F48B23}" type="datetime1">
               <a:rPr lang="en-US" smtClean="0"/>
-              <a:t>9/23/2019</a:t>
+              <a:t>9/25/2019</a:t>
             </a:fld>
             <a:endParaRPr lang="en-US"/>
           </a:p>
@@ -3297,7 +3312,7 @@
           <a:p>
             <a:fld id="{4F05B1EA-65F6-1148-BF83-83E34551D712}" type="datetime1">
               <a:rPr lang="en-US" smtClean="0"/>
-              <a:t>9/23/2019</a:t>
+              <a:t>9/25/2019</a:t>
             </a:fld>
             <a:endParaRPr lang="en-US"/>
           </a:p>
@@ -3607,7 +3622,7 @@
           <a:p>
             <a:fld id="{23024264-7B1F-C845-8684-2DD5B9C91BBC}" type="datetime1">
               <a:rPr lang="en-US" smtClean="0"/>
-              <a:t>9/23/2019</a:t>
+              <a:t>9/25/2019</a:t>
             </a:fld>
             <a:endParaRPr lang="en-US"/>
           </a:p>
@@ -4056,7 +4071,7 @@
           <a:p>
             <a:fld id="{45539264-93EE-994A-A946-223CC8AB335F}" type="datetime1">
               <a:rPr lang="en-US" smtClean="0"/>
-              <a:t>9/23/2019</a:t>
+              <a:t>9/25/2019</a:t>
             </a:fld>
             <a:endParaRPr lang="en-US"/>
           </a:p>
@@ -4198,7 +4213,7 @@
           <a:p>
             <a:fld id="{EB892147-59B7-5145-A784-8E82336DFAAA}" type="datetime1">
               <a:rPr lang="en-US" smtClean="0"/>
-              <a:t>9/23/2019</a:t>
+              <a:t>9/25/2019</a:t>
             </a:fld>
             <a:endParaRPr lang="en-US"/>
           </a:p>
@@ -4318,7 +4333,7 @@
           <a:p>
             <a:fld id="{53037942-68E2-A044-9E1A-7B84069C2E86}" type="datetime1">
               <a:rPr lang="en-US" smtClean="0"/>
-              <a:t>9/23/2019</a:t>
+              <a:t>9/25/2019</a:t>
             </a:fld>
             <a:endParaRPr lang="en-US"/>
           </a:p>
@@ -4618,7 +4633,7 @@
           <a:p>
             <a:fld id="{C2D6E5C0-70B4-594B-9620-B3BC637FE74F}" type="datetime1">
               <a:rPr lang="en-US" smtClean="0"/>
-              <a:t>9/23/2019</a:t>
+              <a:t>9/25/2019</a:t>
             </a:fld>
             <a:endParaRPr lang="en-US"/>
           </a:p>
@@ -4896,7 +4911,7 @@
           <a:p>
             <a:fld id="{8348A134-62E4-D047-ACFE-8517545B5D77}" type="datetime1">
               <a:rPr lang="en-US" smtClean="0"/>
-              <a:t>9/23/2019</a:t>
+              <a:t>9/25/2019</a:t>
             </a:fld>
             <a:endParaRPr lang="en-US"/>
           </a:p>
@@ -5042,7 +5057,7 @@
               </a14:hiddenLine>
             </a:ext>
             <a:ext uri="{FAA26D3D-D897-4be2-8F04-BA451C77F1D7}">
-              <ma14:placeholderFlag xmlns:ma14="http://schemas.microsoft.com/office/mac/drawingml/2011/main" xmlns="" val="1"/>
+              <ma14:placeholderFlag xmlns="" xmlns:ma14="http://schemas.microsoft.com/office/mac/drawingml/2011/main" val="1"/>
             </a:ext>
           </a:extLst>
         </p:spPr>
@@ -5103,7 +5118,7 @@
               </a14:hiddenLine>
             </a:ext>
             <a:ext uri="{FAA26D3D-D897-4be2-8F04-BA451C77F1D7}">
-              <ma14:placeholderFlag xmlns:ma14="http://schemas.microsoft.com/office/mac/drawingml/2011/main" xmlns="" val="1"/>
+              <ma14:placeholderFlag xmlns="" xmlns:ma14="http://schemas.microsoft.com/office/mac/drawingml/2011/main" val="1"/>
             </a:ext>
           </a:extLst>
         </p:spPr>
@@ -5194,7 +5209,7 @@
           <a:p>
             <a:fld id="{5610F274-8C2D-E845-AE26-C963FA88C9A3}" type="datetime1">
               <a:rPr lang="en-US" smtClean="0"/>
-              <a:t>9/23/2019</a:t>
+              <a:t>9/25/2019</a:t>
             </a:fld>
             <a:endParaRPr lang="en-US"/>
           </a:p>
@@ -6507,7 +6522,7 @@
               <a:rPr lang="en-US" smtClean="0">
                 <a:latin typeface="Garamond" charset="0"/>
               </a:rPr>
-              <a:t>9/23/2019</a:t>
+              <a:t>9/25/2019</a:t>
             </a:fld>
             <a:endParaRPr lang="en-US">
               <a:latin typeface="Garamond" charset="0"/>
@@ -7344,7 +7359,7 @@
               <a:rPr lang="en-US" smtClean="0">
                 <a:latin typeface="Garamond" charset="0"/>
               </a:rPr>
-              <a:t>9/23/2019</a:t>
+              <a:t>9/25/2019</a:t>
             </a:fld>
             <a:endParaRPr lang="en-US">
               <a:latin typeface="Garamond" charset="0"/>
@@ -7855,17 +7870,17 @@
               <a:rPr lang="en-US" dirty="0">
                 <a:latin typeface="Arial" charset="0"/>
               </a:rPr>
-              <a:t>Multiplication and division</a:t>
-            </a:r>
-          </a:p>
-          <a:p>
-            <a:pPr lvl="1"/>
-            <a:r>
-              <a:rPr lang="en-US" dirty="0">
+              <a:t>Exam 1 Preview </a:t>
+            </a:r>
+            <a:r>
+              <a:rPr lang="en-US">
                 <a:latin typeface="Arial" charset="0"/>
               </a:rPr>
-              <a:t>Logical and shift instructions</a:t>
-            </a:r>
+              <a:t>(Friday, 9/27)</a:t>
+            </a:r>
+            <a:endParaRPr lang="en-US" dirty="0">
+              <a:latin typeface="Arial" charset="0"/>
+            </a:endParaRPr>
           </a:p>
           <a:p>
             <a:r>
@@ -7881,16 +7896,49 @@
               <a:rPr lang="en-US" dirty="0">
                 <a:latin typeface="Arial" charset="0"/>
               </a:rPr>
-              <a:t>HW 2 due 2:00 PM today</a:t>
+              <a:t>HW 2 due on Wednesday (9/25)</a:t>
             </a:r>
           </a:p>
           <a:p>
             <a:pPr lvl="1"/>
             <a:r>
-              <a:rPr lang="en-US">
+              <a:rPr lang="en-US" dirty="0">
                 <a:latin typeface="Arial" charset="0"/>
               </a:rPr>
-              <a:t>HW 3 to be posted; due 2:00 PM 9/28</a:t>
+              <a:t>Exam 1: Monday, 9/30</a:t>
+            </a:r>
+          </a:p>
+          <a:p>
+            <a:pPr lvl="2"/>
+            <a:r>
+              <a:rPr lang="en-US" dirty="0">
+                <a:latin typeface="Arial" charset="0"/>
+              </a:rPr>
+              <a:t>Will provide list of instructions</a:t>
+            </a:r>
+          </a:p>
+          <a:p>
+            <a:pPr lvl="2"/>
+            <a:r>
+              <a:rPr lang="en-US" dirty="0">
+                <a:latin typeface="Arial" charset="0"/>
+              </a:rPr>
+              <a:t>Will be allowed one, double-sided 8.5” x 11” note sheet</a:t>
+            </a:r>
+          </a:p>
+          <a:p>
+            <a:pPr lvl="2"/>
+            <a:r>
+              <a:rPr lang="en-US" u="sng" dirty="0">
+                <a:latin typeface="Arial" charset="0"/>
+              </a:rPr>
+              <a:t>Will be allowed calculator;</a:t>
+            </a:r>
+            <a:r>
+              <a:rPr lang="en-US" dirty="0">
+                <a:latin typeface="Arial" charset="0"/>
+              </a:rPr>
+              <a:t> no other electronic devices</a:t>
             </a:r>
           </a:p>
           <a:p>
@@ -8042,7 +8090,7 @@
               <a:rPr lang="en-US" smtClean="0">
                 <a:latin typeface="Garamond" charset="0"/>
               </a:rPr>
-              <a:t>9/23/2019</a:t>
+              <a:t>9/25/2019</a:t>
             </a:fld>
             <a:endParaRPr lang="en-US">
               <a:latin typeface="Garamond" charset="0"/>
@@ -8331,10 +8379,16 @@
           <a:p>
             <a:pPr lvl="2"/>
             <a:r>
+              <a:rPr lang="en-US" u="sng" dirty="0">
+                <a:latin typeface="Arial" charset="0"/>
+              </a:rPr>
+              <a:t>Will be allowed calculator;</a:t>
+            </a:r>
+            <a:r>
               <a:rPr lang="en-US" dirty="0">
                 <a:latin typeface="Arial" charset="0"/>
               </a:rPr>
-              <a:t>No electronic devices</a:t>
+              <a:t> no other electronic devices</a:t>
             </a:r>
           </a:p>
           <a:p>
@@ -8513,7 +8567,7 @@
               <a:rPr lang="en-US" smtClean="0">
                 <a:latin typeface="Garamond" charset="0"/>
               </a:rPr>
-              <a:t>9/23/2019</a:t>
+              <a:t>9/25/2019</a:t>
             </a:fld>
             <a:endParaRPr lang="en-US">
               <a:latin typeface="Garamond" charset="0"/>
@@ -8851,7 +8905,7 @@
           <a:p>
             <a:fld id="{F195D34D-1FC5-AB42-8B93-DA2B87763CE2}" type="datetime1">
               <a:rPr lang="en-US" smtClean="0"/>
-              <a:t>9/23/2019</a:t>
+              <a:t>9/25/2019</a:t>
             </a:fld>
             <a:endParaRPr lang="en-US"/>
           </a:p>
@@ -10027,7 +10081,7 @@
               <a:rPr lang="en-US" smtClean="0">
                 <a:latin typeface="Garamond" charset="0"/>
               </a:rPr>
-              <a:t>9/23/2019</a:t>
+              <a:t>9/25/2019</a:t>
             </a:fld>
             <a:endParaRPr lang="en-US">
               <a:latin typeface="Garamond" charset="0"/>
@@ -10612,7 +10666,7 @@
               <a:rPr lang="en-US" smtClean="0">
                 <a:latin typeface="Garamond" charset="0"/>
               </a:rPr>
-              <a:t>9/23/2019</a:t>
+              <a:t>9/25/2019</a:t>
             </a:fld>
             <a:endParaRPr lang="en-US">
               <a:latin typeface="Garamond" charset="0"/>
@@ -11072,7 +11126,7 @@
               <a:rPr lang="en-US" smtClean="0">
                 <a:latin typeface="Garamond" charset="0"/>
               </a:rPr>
-              <a:t>9/23/2019</a:t>
+              <a:t>9/25/2019</a:t>
             </a:fld>
             <a:endParaRPr lang="en-US">
               <a:latin typeface="Garamond" charset="0"/>
@@ -11505,7 +11559,7 @@
               <a:rPr lang="en-US" smtClean="0">
                 <a:latin typeface="Garamond" charset="0"/>
               </a:rPr>
-              <a:t>9/23/2019</a:t>
+              <a:t>9/25/2019</a:t>
             </a:fld>
             <a:endParaRPr lang="en-US">
               <a:latin typeface="Garamond" charset="0"/>
@@ -11964,7 +12018,7 @@
               <a:rPr lang="en-US" smtClean="0">
                 <a:latin typeface="Garamond" charset="0"/>
               </a:rPr>
-              <a:t>9/23/2019</a:t>
+              <a:t>9/25/2019</a:t>
             </a:fld>
             <a:endParaRPr lang="en-US">
               <a:latin typeface="Garamond" charset="0"/>
@@ -12480,7 +12534,7 @@
               <a:rPr lang="en-US" smtClean="0">
                 <a:latin typeface="Garamond" charset="0"/>
               </a:rPr>
-              <a:t>9/23/2019</a:t>
+              <a:t>9/25/2019</a:t>
             </a:fld>
             <a:endParaRPr lang="en-US">
               <a:latin typeface="Garamond" charset="0"/>

--- a/eece3170/lectures/eece.3170_lec8_arith.pptx
+++ b/eece3170/lectures/eece.3170_lec8_arith.pptx
@@ -5,10 +5,10 @@
     <p:sldMasterId id="2147483792" r:id="rId1"/>
   </p:sldMasterIdLst>
   <p:notesMasterIdLst>
-    <p:notesMasterId r:id="rId14"/>
+    <p:notesMasterId r:id="rId26"/>
   </p:notesMasterIdLst>
   <p:handoutMasterIdLst>
-    <p:handoutMasterId r:id="rId15"/>
+    <p:handoutMasterId r:id="rId27"/>
   </p:handoutMasterIdLst>
   <p:sldIdLst>
     <p:sldId id="256" r:id="rId2"/>
@@ -22,7 +22,19 @@
     <p:sldId id="466" r:id="rId10"/>
     <p:sldId id="467" r:id="rId11"/>
     <p:sldId id="468" r:id="rId12"/>
-    <p:sldId id="379" r:id="rId13"/>
+    <p:sldId id="506" r:id="rId13"/>
+    <p:sldId id="507" r:id="rId14"/>
+    <p:sldId id="508" r:id="rId15"/>
+    <p:sldId id="509" r:id="rId16"/>
+    <p:sldId id="510" r:id="rId17"/>
+    <p:sldId id="511" r:id="rId18"/>
+    <p:sldId id="512" r:id="rId19"/>
+    <p:sldId id="513" r:id="rId20"/>
+    <p:sldId id="514" r:id="rId21"/>
+    <p:sldId id="515" r:id="rId22"/>
+    <p:sldId id="516" r:id="rId23"/>
+    <p:sldId id="517" r:id="rId24"/>
+    <p:sldId id="379" r:id="rId25"/>
   </p:sldIdLst>
   <p:sldSz cx="9144000" cy="6858000" type="screen4x3"/>
   <p:notesSz cx="9144000" cy="6858000"/>
@@ -187,7 +199,7 @@
 <file path=ppt/revisionInfo.xml><?xml version="1.0" encoding="utf-8"?>
 <p1510:revInfo xmlns:a="http://schemas.openxmlformats.org/drawingml/2006/main" xmlns:r="http://schemas.openxmlformats.org/officeDocument/2006/relationships" xmlns:p1510="http://schemas.microsoft.com/office/powerpoint/2015/10/main">
   <p1510:revLst>
-    <p1510:client id="{4469804C-DA3F-49D9-959F-5F9ED4315F63}" v="12" dt="2019-09-25T14:52:47.758"/>
+    <p1510:client id="{4469804C-DA3F-49D9-959F-5F9ED4315F63}" v="14" dt="2019-09-25T16:00:51.577"/>
   </p1510:revLst>
 </p1510:revInfo>
 </file>
@@ -196,8 +208,8 @@
 <pc:chgInfo xmlns:a="http://schemas.openxmlformats.org/drawingml/2006/main" xmlns:r="http://schemas.openxmlformats.org/officeDocument/2006/relationships" xmlns:ac="http://schemas.microsoft.com/office/drawing/2013/main/command" xmlns:pc="http://schemas.microsoft.com/office/powerpoint/2013/main/command">
   <pc:docChgLst>
     <pc:chgData name="Geiger, Michael J" userId="13cae92b-b37c-450b-a449-82fcae19569d" providerId="ADAL" clId="{4469804C-DA3F-49D9-959F-5F9ED4315F63}"/>
-    <pc:docChg chg="custSel modSld">
-      <pc:chgData name="Geiger, Michael J" userId="13cae92b-b37c-450b-a449-82fcae19569d" providerId="ADAL" clId="{4469804C-DA3F-49D9-959F-5F9ED4315F63}" dt="2019-09-25T14:52:56.970" v="228" actId="20577"/>
+    <pc:docChg chg="custSel addSld modSld">
+      <pc:chgData name="Geiger, Michael J" userId="13cae92b-b37c-450b-a449-82fcae19569d" providerId="ADAL" clId="{4469804C-DA3F-49D9-959F-5F9ED4315F63}" dt="2019-09-25T15:52:33.184" v="229"/>
       <pc:docMkLst>
         <pc:docMk/>
       </pc:docMkLst>
@@ -246,6 +258,90 @@
           </ac:spMkLst>
         </pc:spChg>
       </pc:sldChg>
+      <pc:sldChg chg="add">
+        <pc:chgData name="Geiger, Michael J" userId="13cae92b-b37c-450b-a449-82fcae19569d" providerId="ADAL" clId="{4469804C-DA3F-49D9-959F-5F9ED4315F63}" dt="2019-09-25T15:52:33.184" v="229"/>
+        <pc:sldMkLst>
+          <pc:docMk/>
+          <pc:sldMk cId="3389922561" sldId="506"/>
+        </pc:sldMkLst>
+      </pc:sldChg>
+      <pc:sldChg chg="add">
+        <pc:chgData name="Geiger, Michael J" userId="13cae92b-b37c-450b-a449-82fcae19569d" providerId="ADAL" clId="{4469804C-DA3F-49D9-959F-5F9ED4315F63}" dt="2019-09-25T15:52:33.184" v="229"/>
+        <pc:sldMkLst>
+          <pc:docMk/>
+          <pc:sldMk cId="1566311063" sldId="507"/>
+        </pc:sldMkLst>
+      </pc:sldChg>
+      <pc:sldChg chg="add">
+        <pc:chgData name="Geiger, Michael J" userId="13cae92b-b37c-450b-a449-82fcae19569d" providerId="ADAL" clId="{4469804C-DA3F-49D9-959F-5F9ED4315F63}" dt="2019-09-25T15:52:33.184" v="229"/>
+        <pc:sldMkLst>
+          <pc:docMk/>
+          <pc:sldMk cId="2692844553" sldId="508"/>
+        </pc:sldMkLst>
+      </pc:sldChg>
+      <pc:sldChg chg="add">
+        <pc:chgData name="Geiger, Michael J" userId="13cae92b-b37c-450b-a449-82fcae19569d" providerId="ADAL" clId="{4469804C-DA3F-49D9-959F-5F9ED4315F63}" dt="2019-09-25T15:52:33.184" v="229"/>
+        <pc:sldMkLst>
+          <pc:docMk/>
+          <pc:sldMk cId="1961500552" sldId="509"/>
+        </pc:sldMkLst>
+      </pc:sldChg>
+      <pc:sldChg chg="add">
+        <pc:chgData name="Geiger, Michael J" userId="13cae92b-b37c-450b-a449-82fcae19569d" providerId="ADAL" clId="{4469804C-DA3F-49D9-959F-5F9ED4315F63}" dt="2019-09-25T15:52:33.184" v="229"/>
+        <pc:sldMkLst>
+          <pc:docMk/>
+          <pc:sldMk cId="2791382778" sldId="510"/>
+        </pc:sldMkLst>
+      </pc:sldChg>
+      <pc:sldChg chg="add">
+        <pc:chgData name="Geiger, Michael J" userId="13cae92b-b37c-450b-a449-82fcae19569d" providerId="ADAL" clId="{4469804C-DA3F-49D9-959F-5F9ED4315F63}" dt="2019-09-25T15:52:33.184" v="229"/>
+        <pc:sldMkLst>
+          <pc:docMk/>
+          <pc:sldMk cId="1912601976" sldId="511"/>
+        </pc:sldMkLst>
+      </pc:sldChg>
+      <pc:sldChg chg="add">
+        <pc:chgData name="Geiger, Michael J" userId="13cae92b-b37c-450b-a449-82fcae19569d" providerId="ADAL" clId="{4469804C-DA3F-49D9-959F-5F9ED4315F63}" dt="2019-09-25T15:52:33.184" v="229"/>
+        <pc:sldMkLst>
+          <pc:docMk/>
+          <pc:sldMk cId="312780359" sldId="512"/>
+        </pc:sldMkLst>
+      </pc:sldChg>
+      <pc:sldChg chg="add">
+        <pc:chgData name="Geiger, Michael J" userId="13cae92b-b37c-450b-a449-82fcae19569d" providerId="ADAL" clId="{4469804C-DA3F-49D9-959F-5F9ED4315F63}" dt="2019-09-25T15:52:33.184" v="229"/>
+        <pc:sldMkLst>
+          <pc:docMk/>
+          <pc:sldMk cId="1488050816" sldId="513"/>
+        </pc:sldMkLst>
+      </pc:sldChg>
+      <pc:sldChg chg="add">
+        <pc:chgData name="Geiger, Michael J" userId="13cae92b-b37c-450b-a449-82fcae19569d" providerId="ADAL" clId="{4469804C-DA3F-49D9-959F-5F9ED4315F63}" dt="2019-09-25T15:52:33.184" v="229"/>
+        <pc:sldMkLst>
+          <pc:docMk/>
+          <pc:sldMk cId="1070734570" sldId="514"/>
+        </pc:sldMkLst>
+      </pc:sldChg>
+      <pc:sldChg chg="add">
+        <pc:chgData name="Geiger, Michael J" userId="13cae92b-b37c-450b-a449-82fcae19569d" providerId="ADAL" clId="{4469804C-DA3F-49D9-959F-5F9ED4315F63}" dt="2019-09-25T15:52:33.184" v="229"/>
+        <pc:sldMkLst>
+          <pc:docMk/>
+          <pc:sldMk cId="2852139503" sldId="515"/>
+        </pc:sldMkLst>
+      </pc:sldChg>
+      <pc:sldChg chg="add">
+        <pc:chgData name="Geiger, Michael J" userId="13cae92b-b37c-450b-a449-82fcae19569d" providerId="ADAL" clId="{4469804C-DA3F-49D9-959F-5F9ED4315F63}" dt="2019-09-25T15:52:33.184" v="229"/>
+        <pc:sldMkLst>
+          <pc:docMk/>
+          <pc:sldMk cId="795207599" sldId="516"/>
+        </pc:sldMkLst>
+      </pc:sldChg>
+      <pc:sldChg chg="add">
+        <pc:chgData name="Geiger, Michael J" userId="13cae92b-b37c-450b-a449-82fcae19569d" providerId="ADAL" clId="{4469804C-DA3F-49D9-959F-5F9ED4315F63}" dt="2019-09-25T15:52:33.184" v="229"/>
+        <pc:sldMkLst>
+          <pc:docMk/>
+          <pc:sldMk cId="182764011" sldId="517"/>
+        </pc:sldMkLst>
+      </pc:sldChg>
     </pc:docChg>
   </pc:docChgLst>
 </pc:chgInfo>
@@ -647,7 +743,7 @@
               </a14:hiddenFill>
             </a:ext>
             <a:ext uri="{FAA26D3D-D897-4be2-8F04-BA451C77F1D7}">
-              <ma14:placeholderFlag xmlns="" xmlns:ma14="http://schemas.microsoft.com/office/mac/drawingml/2011/main" val="1"/>
+              <ma14:placeholderFlag xmlns:ma14="http://schemas.microsoft.com/office/mac/drawingml/2011/main" xmlns="" val="1"/>
             </a:ext>
           </a:extLst>
         </p:spPr>
@@ -1179,7 +1275,7 @@
               </a14:hiddenLine>
             </a:ext>
             <a:ext uri="{FAA26D3D-D897-4be2-8F04-BA451C77F1D7}">
-              <ma14:placeholderFlag xmlns="" xmlns:ma14="http://schemas.microsoft.com/office/mac/drawingml/2011/main" val="1"/>
+              <ma14:placeholderFlag xmlns:ma14="http://schemas.microsoft.com/office/mac/drawingml/2011/main" xmlns="" val="1"/>
             </a:ext>
           </a:extLst>
         </p:spPr>
@@ -1744,7 +1840,7 @@
               </a14:hiddenLine>
             </a:ext>
             <a:ext uri="{FAA26D3D-D897-4be2-8F04-BA451C77F1D7}">
-              <ma14:placeholderFlag xmlns="" xmlns:ma14="http://schemas.microsoft.com/office/mac/drawingml/2011/main" val="1"/>
+              <ma14:placeholderFlag xmlns:ma14="http://schemas.microsoft.com/office/mac/drawingml/2011/main" xmlns="" val="1"/>
             </a:ext>
           </a:extLst>
         </p:spPr>
@@ -1986,7 +2082,7 @@
             </a:lvl1pPr>
           </a:lstStyle>
           <a:p>
-            <a:fld id="{AC86B2F5-2BF2-F34F-80B8-AEC71DD91775}" type="datetime1">
+            <a:fld id="{344A52D7-0641-4DD8-8D81-ED584C870E1A}" type="datetime1">
               <a:rPr lang="en-US" smtClean="0"/>
               <a:t>9/25/2019</a:t>
             </a:fld>
@@ -2023,7 +2119,7 @@
             </a:pPr>
             <a:r>
               <a:rPr lang="en-US" altLang="en-US"/>
-              <a:t>Microprocessors I:  Lecture 7</a:t>
+              <a:t>Microprocessors I:  Lecture 8</a:t>
             </a:r>
           </a:p>
         </p:txBody>
@@ -2180,7 +2276,7 @@
             </a:lvl1pPr>
           </a:lstStyle>
           <a:p>
-            <a:fld id="{1E06C935-7F71-3841-A557-D77B78A453B3}" type="datetime1">
+            <a:fld id="{4549E6E0-F6CF-4F20-B262-DD4FD09621C7}" type="datetime1">
               <a:rPr lang="en-US" smtClean="0"/>
               <a:t>9/25/2019</a:t>
             </a:fld>
@@ -2214,7 +2310,7 @@
             </a:pPr>
             <a:r>
               <a:rPr lang="en-US" altLang="en-US"/>
-              <a:t>Microprocessors I:  Lecture 7</a:t>
+              <a:t>Microprocessors I:  Lecture 8</a:t>
             </a:r>
           </a:p>
         </p:txBody>
@@ -2383,7 +2479,7 @@
             </a:lvl1pPr>
           </a:lstStyle>
           <a:p>
-            <a:fld id="{5AAD3E52-ACC4-9044-9831-3534F51E876F}" type="datetime1">
+            <a:fld id="{DBCE7C9A-E972-40EF-9F7A-D6CF7AF27FC1}" type="datetime1">
               <a:rPr lang="en-US" smtClean="0"/>
               <a:t>9/25/2019</a:t>
             </a:fld>
@@ -2417,7 +2513,7 @@
             </a:pPr>
             <a:r>
               <a:rPr lang="en-US" altLang="en-US"/>
-              <a:t>Microprocessors I:  Lecture 7</a:t>
+              <a:t>Microprocessors I:  Lecture 8</a:t>
             </a:r>
           </a:p>
         </p:txBody>
@@ -2642,7 +2738,7 @@
             </a:lvl1pPr>
           </a:lstStyle>
           <a:p>
-            <a:fld id="{1949AE78-7288-9E4E-AF70-64039C2A8E91}" type="datetime1">
+            <a:fld id="{2C71CCDD-5488-413D-AF29-3C9D9A475D07}" type="datetime1">
               <a:rPr lang="en-US" smtClean="0"/>
               <a:t>9/25/2019</a:t>
             </a:fld>
@@ -2676,7 +2772,7 @@
             </a:pPr>
             <a:r>
               <a:rPr lang="en-US" altLang="en-US"/>
-              <a:t>Microprocessors I:  Lecture 7</a:t>
+              <a:t>Microprocessors I:  Lecture 8</a:t>
             </a:r>
           </a:p>
         </p:txBody>
@@ -2901,7 +2997,7 @@
             </a:lvl1pPr>
           </a:lstStyle>
           <a:p>
-            <a:fld id="{96540817-7FFC-5A40-9F97-3A9C5B8EDC04}" type="datetime1">
+            <a:fld id="{FBFD1D02-7621-4739-89AA-567188629E03}" type="datetime1">
               <a:rPr lang="en-US" smtClean="0"/>
               <a:t>9/25/2019</a:t>
             </a:fld>
@@ -2935,7 +3031,7 @@
             </a:pPr>
             <a:r>
               <a:rPr lang="en-US" altLang="en-US"/>
-              <a:t>Microprocessors I:  Lecture 7</a:t>
+              <a:t>Microprocessors I:  Lecture 8</a:t>
             </a:r>
           </a:p>
         </p:txBody>
@@ -3094,7 +3190,7 @@
             </a:lvl1pPr>
           </a:lstStyle>
           <a:p>
-            <a:fld id="{2573D7E0-6EBB-B34F-A5C3-83BD44F48B23}" type="datetime1">
+            <a:fld id="{43ED6CB7-24A2-4CCD-A4EB-FB04DCF62947}" type="datetime1">
               <a:rPr lang="en-US" smtClean="0"/>
               <a:t>9/25/2019</a:t>
             </a:fld>
@@ -3128,7 +3224,7 @@
             </a:pPr>
             <a:r>
               <a:rPr lang="en-US" altLang="en-US"/>
-              <a:t>Microprocessors I:  Lecture 7</a:t>
+              <a:t>Microprocessors I:  Lecture 8</a:t>
             </a:r>
           </a:p>
         </p:txBody>
@@ -3310,7 +3406,7 @@
             </a:lvl1pPr>
           </a:lstStyle>
           <a:p>
-            <a:fld id="{4F05B1EA-65F6-1148-BF83-83E34551D712}" type="datetime1">
+            <a:fld id="{398FA542-C795-440A-A7BF-AC35B178CBAB}" type="datetime1">
               <a:rPr lang="en-US" smtClean="0"/>
               <a:t>9/25/2019</a:t>
             </a:fld>
@@ -3344,7 +3440,7 @@
             </a:pPr>
             <a:r>
               <a:rPr lang="en-US" altLang="en-US"/>
-              <a:t>Microprocessors I:  Lecture 7</a:t>
+              <a:t>Microprocessors I:  Lecture 8</a:t>
             </a:r>
           </a:p>
         </p:txBody>
@@ -3620,7 +3716,7 @@
             </a:lvl1pPr>
           </a:lstStyle>
           <a:p>
-            <a:fld id="{23024264-7B1F-C845-8684-2DD5B9C91BBC}" type="datetime1">
+            <a:fld id="{B525A3B7-4CE6-4C0D-89A7-334CEF9917D6}" type="datetime1">
               <a:rPr lang="en-US" smtClean="0"/>
               <a:t>9/25/2019</a:t>
             </a:fld>
@@ -3654,7 +3750,7 @@
             </a:pPr>
             <a:r>
               <a:rPr lang="en-US" altLang="en-US"/>
-              <a:t>Microprocessors I:  Lecture 7</a:t>
+              <a:t>Microprocessors I:  Lecture 8</a:t>
             </a:r>
           </a:p>
         </p:txBody>
@@ -4069,7 +4165,7 @@
             </a:lvl1pPr>
           </a:lstStyle>
           <a:p>
-            <a:fld id="{45539264-93EE-994A-A946-223CC8AB335F}" type="datetime1">
+            <a:fld id="{DFAF3706-9E86-49E8-AA53-CDC60B9CE80E}" type="datetime1">
               <a:rPr lang="en-US" smtClean="0"/>
               <a:t>9/25/2019</a:t>
             </a:fld>
@@ -4103,7 +4199,7 @@
             </a:pPr>
             <a:r>
               <a:rPr lang="en-US" altLang="en-US"/>
-              <a:t>Microprocessors I:  Lecture 7</a:t>
+              <a:t>Microprocessors I:  Lecture 8</a:t>
             </a:r>
           </a:p>
         </p:txBody>
@@ -4211,7 +4307,7 @@
             </a:lvl1pPr>
           </a:lstStyle>
           <a:p>
-            <a:fld id="{EB892147-59B7-5145-A784-8E82336DFAAA}" type="datetime1">
+            <a:fld id="{FD7F7390-154C-4B1C-A099-F563F4957F1E}" type="datetime1">
               <a:rPr lang="en-US" smtClean="0"/>
               <a:t>9/25/2019</a:t>
             </a:fld>
@@ -4245,7 +4341,7 @@
             </a:pPr>
             <a:r>
               <a:rPr lang="en-US" altLang="en-US"/>
-              <a:t>Microprocessors I:  Lecture 7</a:t>
+              <a:t>Microprocessors I:  Lecture 8</a:t>
             </a:r>
           </a:p>
         </p:txBody>
@@ -4331,7 +4427,7 @@
             </a:lvl1pPr>
           </a:lstStyle>
           <a:p>
-            <a:fld id="{53037942-68E2-A044-9E1A-7B84069C2E86}" type="datetime1">
+            <a:fld id="{51E93793-1800-400D-BFCE-AB25F7555317}" type="datetime1">
               <a:rPr lang="en-US" smtClean="0"/>
               <a:t>9/25/2019</a:t>
             </a:fld>
@@ -4365,7 +4461,7 @@
             </a:pPr>
             <a:r>
               <a:rPr lang="en-US" altLang="en-US"/>
-              <a:t>Microprocessors I:  Lecture 7</a:t>
+              <a:t>Microprocessors I:  Lecture 8</a:t>
             </a:r>
           </a:p>
         </p:txBody>
@@ -4631,7 +4727,7 @@
             </a:lvl1pPr>
           </a:lstStyle>
           <a:p>
-            <a:fld id="{C2D6E5C0-70B4-594B-9620-B3BC637FE74F}" type="datetime1">
+            <a:fld id="{E1A791C4-4F00-49DF-AA45-C209E25A616F}" type="datetime1">
               <a:rPr lang="en-US" smtClean="0"/>
               <a:t>9/25/2019</a:t>
             </a:fld>
@@ -4665,7 +4761,7 @@
             </a:pPr>
             <a:r>
               <a:rPr lang="en-US" altLang="en-US"/>
-              <a:t>Microprocessors I:  Lecture 7</a:t>
+              <a:t>Microprocessors I:  Lecture 8</a:t>
             </a:r>
           </a:p>
         </p:txBody>
@@ -4909,7 +5005,7 @@
             </a:lvl1pPr>
           </a:lstStyle>
           <a:p>
-            <a:fld id="{8348A134-62E4-D047-ACFE-8517545B5D77}" type="datetime1">
+            <a:fld id="{28448443-FA2E-41A5-AEEB-79B414C9A013}" type="datetime1">
               <a:rPr lang="en-US" smtClean="0"/>
               <a:t>9/25/2019</a:t>
             </a:fld>
@@ -4943,7 +5039,7 @@
             </a:pPr>
             <a:r>
               <a:rPr lang="en-US" altLang="en-US"/>
-              <a:t>Microprocessors I:  Lecture 7</a:t>
+              <a:t>Microprocessors I:  Lecture 8</a:t>
             </a:r>
           </a:p>
         </p:txBody>
@@ -5057,7 +5153,7 @@
               </a14:hiddenLine>
             </a:ext>
             <a:ext uri="{FAA26D3D-D897-4be2-8F04-BA451C77F1D7}">
-              <ma14:placeholderFlag xmlns="" xmlns:ma14="http://schemas.microsoft.com/office/mac/drawingml/2011/main" val="1"/>
+              <ma14:placeholderFlag xmlns:ma14="http://schemas.microsoft.com/office/mac/drawingml/2011/main" xmlns="" val="1"/>
             </a:ext>
           </a:extLst>
         </p:spPr>
@@ -5118,7 +5214,7 @@
               </a14:hiddenLine>
             </a:ext>
             <a:ext uri="{FAA26D3D-D897-4be2-8F04-BA451C77F1D7}">
-              <ma14:placeholderFlag xmlns="" xmlns:ma14="http://schemas.microsoft.com/office/mac/drawingml/2011/main" val="1"/>
+              <ma14:placeholderFlag xmlns:ma14="http://schemas.microsoft.com/office/mac/drawingml/2011/main" xmlns="" val="1"/>
             </a:ext>
           </a:extLst>
         </p:spPr>
@@ -5207,7 +5303,7 @@
             </a:lvl1pPr>
           </a:lstStyle>
           <a:p>
-            <a:fld id="{5610F274-8C2D-E845-AE26-C963FA88C9A3}" type="datetime1">
+            <a:fld id="{16EE927C-8182-4A50-906D-B63A19D8788C}" type="datetime1">
               <a:rPr lang="en-US" smtClean="0"/>
               <a:t>9/25/2019</a:t>
             </a:fld>
@@ -5263,7 +5359,7 @@
             </a:pPr>
             <a:r>
               <a:rPr lang="en-US" altLang="en-US"/>
-              <a:t>Microprocessors I:  Lecture 7</a:t>
+              <a:t>Microprocessors I:  Lecture 8</a:t>
             </a:r>
           </a:p>
         </p:txBody>
@@ -6518,7 +6614,7 @@
           </a:lstStyle>
           <a:p>
             <a:pPr eaLnBrk="1" hangingPunct="1"/>
-            <a:fld id="{8D2DA904-4DB3-2F4E-A4D8-FCBD94ECF497}" type="datetime1">
+            <a:fld id="{A152E28A-546B-49D3-B5C8-AEDD1A2E7FFA}" type="datetime1">
               <a:rPr lang="en-US" smtClean="0">
                 <a:latin typeface="Garamond" charset="0"/>
               </a:rPr>
@@ -6550,7 +6646,7 @@
             </a:pPr>
             <a:r>
               <a:rPr lang="en-US"/>
-              <a:t>Microprocessors I:  Lecture 7</a:t>
+              <a:t>Microprocessors I:  Lecture 8</a:t>
             </a:r>
           </a:p>
         </p:txBody>
@@ -7355,7 +7451,7 @@
           </a:lstStyle>
           <a:p>
             <a:pPr eaLnBrk="1" hangingPunct="1"/>
-            <a:fld id="{15584FAF-7809-2442-A29D-978FF0971A1A}" type="datetime1">
+            <a:fld id="{844D3B9E-3142-438D-96F9-11BD6B551D49}" type="datetime1">
               <a:rPr lang="en-US" smtClean="0">
                 <a:latin typeface="Garamond" charset="0"/>
               </a:rPr>
@@ -7387,7 +7483,7 @@
             </a:pPr>
             <a:r>
               <a:rPr lang="en-US"/>
-              <a:t>Microprocessors I:  Lecture 7</a:t>
+              <a:t>Microprocessors I:  Lecture 8</a:t>
             </a:r>
           </a:p>
         </p:txBody>
@@ -7820,7 +7916,7 @@
       </p:grpSpPr>
       <p:sp>
         <p:nvSpPr>
-          <p:cNvPr id="19458" name="Title 1"/>
+          <p:cNvPr id="7170" name="Title 1"/>
           <p:cNvSpPr>
             <a:spLocks noGrp="1"/>
           </p:cNvSpPr>
@@ -7837,14 +7933,14 @@
               <a:rPr lang="en-US">
                 <a:latin typeface="Garamond" charset="0"/>
               </a:rPr>
-              <a:t>Final notes</a:t>
-            </a:r>
-          </a:p>
-        </p:txBody>
-      </p:sp>
-      <p:sp>
-        <p:nvSpPr>
-          <p:cNvPr id="19459" name="Content Placeholder 2"/>
+              <a:t>Multiplication/division </a:t>
+            </a:r>
+          </a:p>
+        </p:txBody>
+      </p:sp>
+      <p:sp>
+        <p:nvSpPr>
+          <p:cNvPr id="7171" name="Content Placeholder 2"/>
           <p:cNvSpPr>
             <a:spLocks noGrp="1"/>
           </p:cNvSpPr>
@@ -7858,100 +7954,44 @@
           <a:lstStyle/>
           <a:p>
             <a:r>
-              <a:rPr lang="en-US" dirty="0">
-                <a:latin typeface="Arial" charset="0"/>
-              </a:rPr>
-              <a:t>Next time:</a:t>
+              <a:rPr lang="en-US">
+                <a:latin typeface="Arial" charset="0"/>
+              </a:rPr>
+              <a:t>Both signed and unsigned integer versions</a:t>
+            </a:r>
+          </a:p>
+          <a:p>
+            <a:r>
+              <a:rPr lang="en-US">
+                <a:latin typeface="Arial" charset="0"/>
+              </a:rPr>
+              <a:t>Register A is always one of the sources</a:t>
+            </a:r>
+          </a:p>
+          <a:p>
+            <a:r>
+              <a:rPr lang="en-US">
+                <a:latin typeface="Arial" charset="0"/>
+              </a:rPr>
+              <a:t>Destination always same; size-dependent</a:t>
             </a:r>
           </a:p>
           <a:p>
             <a:pPr lvl="1"/>
             <a:r>
-              <a:rPr lang="en-US" dirty="0">
-                <a:latin typeface="Arial" charset="0"/>
-              </a:rPr>
-              <a:t>Exam 1 Preview </a:t>
-            </a:r>
-            <a:r>
               <a:rPr lang="en-US">
                 <a:latin typeface="Arial" charset="0"/>
               </a:rPr>
-              <a:t>(Friday, 9/27)</a:t>
-            </a:r>
-            <a:endParaRPr lang="en-US" dirty="0">
-              <a:latin typeface="Arial" charset="0"/>
-            </a:endParaRPr>
-          </a:p>
-          <a:p>
-            <a:r>
-              <a:rPr lang="en-US" dirty="0">
-                <a:latin typeface="Arial" charset="0"/>
-              </a:rPr>
-              <a:t>Reminders:</a:t>
-            </a:r>
-          </a:p>
-          <a:p>
-            <a:pPr lvl="1"/>
-            <a:r>
-              <a:rPr lang="en-US" dirty="0">
-                <a:latin typeface="Arial" charset="0"/>
-              </a:rPr>
-              <a:t>HW 2 due on Wednesday (9/25)</a:t>
-            </a:r>
-          </a:p>
-          <a:p>
-            <a:pPr lvl="1"/>
-            <a:r>
-              <a:rPr lang="en-US" dirty="0">
-                <a:latin typeface="Arial" charset="0"/>
-              </a:rPr>
-              <a:t>Exam 1: Monday, 9/30</a:t>
-            </a:r>
-          </a:p>
-          <a:p>
-            <a:pPr lvl="2"/>
-            <a:r>
-              <a:rPr lang="en-US" dirty="0">
-                <a:latin typeface="Arial" charset="0"/>
-              </a:rPr>
-              <a:t>Will provide list of instructions</a:t>
-            </a:r>
-          </a:p>
-          <a:p>
-            <a:pPr lvl="2"/>
-            <a:r>
-              <a:rPr lang="en-US" dirty="0">
-                <a:latin typeface="Arial" charset="0"/>
-              </a:rPr>
-              <a:t>Will be allowed one, double-sided 8.5” x 11” note sheet</a:t>
-            </a:r>
-          </a:p>
-          <a:p>
-            <a:pPr lvl="2"/>
-            <a:r>
-              <a:rPr lang="en-US" u="sng" dirty="0">
-                <a:latin typeface="Arial" charset="0"/>
-              </a:rPr>
-              <a:t>Will be allowed calculator;</a:t>
-            </a:r>
-            <a:r>
-              <a:rPr lang="en-US" dirty="0">
-                <a:latin typeface="Arial" charset="0"/>
-              </a:rPr>
-              <a:t> no other electronic devices</a:t>
-            </a:r>
-          </a:p>
-          <a:p>
-            <a:pPr lvl="1"/>
-            <a:endParaRPr lang="en-US" dirty="0">
-              <a:latin typeface="Arial" charset="0"/>
-            </a:endParaRPr>
-          </a:p>
-          <a:p>
-            <a:pPr lvl="1"/>
-            <a:endParaRPr lang="en-US" dirty="0">
-              <a:latin typeface="Arial" charset="0"/>
-            </a:endParaRPr>
+              <a:t>Exception: signed multiplication does allow for slightly different operation</a:t>
+            </a:r>
+          </a:p>
+          <a:p>
+            <a:r>
+              <a:rPr lang="en-US">
+                <a:latin typeface="Arial" charset="0"/>
+              </a:rPr>
+              <a:t>Easiest way to evaluate instructions: figure out decimal values of operands, do operation in decimal, then figure out binary/hex values of results</a:t>
+            </a:r>
           </a:p>
         </p:txBody>
       </p:sp>
@@ -8086,7 +8126,7 @@
           </a:lstStyle>
           <a:p>
             <a:pPr eaLnBrk="1" hangingPunct="1"/>
-            <a:fld id="{FB457D4D-5707-1F48-A067-C73B912DF371}" type="datetime1">
+            <a:fld id="{D80F1ACF-3D55-4B34-A257-E31C20AB22AE}" type="datetime1">
               <a:rPr lang="en-US" smtClean="0">
                 <a:latin typeface="Garamond" charset="0"/>
               </a:rPr>
@@ -8118,7 +8158,7 @@
             </a:pPr>
             <a:r>
               <a:rPr lang="en-US" altLang="en-US"/>
-              <a:t>Microprocessors I:  Lecture 7</a:t>
+              <a:t>Microprocessors I:  Lecture 8</a:t>
             </a:r>
           </a:p>
         </p:txBody>
@@ -8254,7 +8294,7 @@
           </a:lstStyle>
           <a:p>
             <a:pPr eaLnBrk="1" hangingPunct="1"/>
-            <a:fld id="{7318A6F9-97BD-0640-AE56-DA2FF8060FFA}" type="slidenum">
+            <a:fld id="{79289C23-4F38-E84A-BEEE-DFE9655C9D34}" type="slidenum">
               <a:rPr lang="en-US">
                 <a:latin typeface="Garamond" charset="0"/>
               </a:rPr>
@@ -8268,6 +8308,3884 @@
         </p:txBody>
       </p:sp>
     </p:spTree>
+    <p:extLst>
+      <p:ext uri="{BB962C8B-B14F-4D97-AF65-F5344CB8AC3E}">
+        <p14:creationId xmlns:p14="http://schemas.microsoft.com/office/powerpoint/2010/main" val="3389922561"/>
+      </p:ext>
+    </p:extLst>
+  </p:cSld>
+  <p:clrMapOvr>
+    <a:masterClrMapping/>
+  </p:clrMapOvr>
+</p:sld>
+</file>
+
+<file path=ppt/slides/slide13.xml><?xml version="1.0" encoding="utf-8"?>
+<p:sld xmlns:a="http://schemas.openxmlformats.org/drawingml/2006/main" xmlns:r="http://schemas.openxmlformats.org/officeDocument/2006/relationships" xmlns:p="http://schemas.openxmlformats.org/presentationml/2006/main">
+  <p:cSld>
+    <p:spTree>
+      <p:nvGrpSpPr>
+        <p:cNvPr id="1" name=""/>
+        <p:cNvGrpSpPr/>
+        <p:nvPr/>
+      </p:nvGrpSpPr>
+      <p:grpSpPr>
+        <a:xfrm>
+          <a:off x="0" y="0"/>
+          <a:ext cx="0" cy="0"/>
+          <a:chOff x="0" y="0"/>
+          <a:chExt cx="0" cy="0"/>
+        </a:xfrm>
+      </p:grpSpPr>
+      <p:sp>
+        <p:nvSpPr>
+          <p:cNvPr id="8194" name="Title 1"/>
+          <p:cNvSpPr>
+            <a:spLocks noGrp="1"/>
+          </p:cNvSpPr>
+          <p:nvPr>
+            <p:ph type="title"/>
+          </p:nvPr>
+        </p:nvSpPr>
+        <p:spPr/>
+        <p:txBody>
+          <a:bodyPr/>
+          <a:lstStyle/>
+          <a:p>
+            <a:r>
+              <a:rPr lang="en-US">
+                <a:latin typeface="Garamond" charset="0"/>
+              </a:rPr>
+              <a:t>MUL/IMUL</a:t>
+            </a:r>
+          </a:p>
+        </p:txBody>
+      </p:sp>
+      <p:sp>
+        <p:nvSpPr>
+          <p:cNvPr id="8195" name="Content Placeholder 2"/>
+          <p:cNvSpPr>
+            <a:spLocks noGrp="1"/>
+          </p:cNvSpPr>
+          <p:nvPr>
+            <p:ph idx="1"/>
+          </p:nvPr>
+        </p:nvSpPr>
+        <p:spPr/>
+        <p:txBody>
+          <a:bodyPr/>
+          <a:lstStyle/>
+          <a:p>
+            <a:r>
+              <a:rPr lang="en-US" dirty="0">
+                <a:latin typeface="Arial" charset="0"/>
+              </a:rPr>
+              <a:t>MUL S </a:t>
+            </a:r>
+            <a:r>
+              <a:rPr lang="en-US" dirty="0">
+                <a:latin typeface="Arial" charset="0"/>
+                <a:sym typeface="Wingdings" charset="0"/>
+              </a:rPr>
+              <a:t> unsigned multiplication</a:t>
+            </a:r>
+          </a:p>
+          <a:p>
+            <a:r>
+              <a:rPr lang="en-US" dirty="0">
+                <a:latin typeface="Arial" charset="0"/>
+                <a:sym typeface="Wingdings" charset="0"/>
+              </a:rPr>
+              <a:t>IMUL S  signed multiplication</a:t>
+            </a:r>
+            <a:endParaRPr lang="en-US" dirty="0">
+              <a:latin typeface="Arial" charset="0"/>
+            </a:endParaRPr>
+          </a:p>
+          <a:p>
+            <a:r>
+              <a:rPr lang="en-US" dirty="0">
+                <a:latin typeface="Arial" charset="0"/>
+              </a:rPr>
+              <a:t>Byte: (AX) = (AL) * (S)</a:t>
+            </a:r>
+          </a:p>
+          <a:p>
+            <a:r>
+              <a:rPr lang="en-US" dirty="0">
+                <a:latin typeface="Arial" charset="0"/>
+              </a:rPr>
+              <a:t>Word: (DX,AX) = (AX) * (S)</a:t>
+            </a:r>
+          </a:p>
+          <a:p>
+            <a:r>
+              <a:rPr lang="en-US" dirty="0">
+                <a:latin typeface="Arial" charset="0"/>
+              </a:rPr>
+              <a:t>Double-word: (EDX,EAX) = (EAX) * (S)</a:t>
+            </a:r>
+          </a:p>
+          <a:p>
+            <a:r>
+              <a:rPr lang="en-US" dirty="0">
+                <a:latin typeface="Arial" charset="0"/>
+              </a:rPr>
+              <a:t>Only CF, OF updated</a:t>
+            </a:r>
+          </a:p>
+          <a:p>
+            <a:pPr lvl="1"/>
+            <a:r>
+              <a:rPr lang="en-US" dirty="0">
+                <a:latin typeface="Arial" charset="0"/>
+              </a:rPr>
+              <a:t>If upper half of result = 0, CF &amp; OF = 0</a:t>
+            </a:r>
+          </a:p>
+          <a:p>
+            <a:pPr lvl="1"/>
+            <a:r>
+              <a:rPr lang="en-US" dirty="0">
+                <a:latin typeface="Arial" charset="0"/>
+              </a:rPr>
+              <a:t>Otherwise, CF &amp; OF = 1</a:t>
+            </a:r>
+          </a:p>
+        </p:txBody>
+      </p:sp>
+      <p:sp>
+        <p:nvSpPr>
+          <p:cNvPr id="4" name="Date Placeholder 3"/>
+          <p:cNvSpPr>
+            <a:spLocks noGrp="1"/>
+          </p:cNvSpPr>
+          <p:nvPr>
+            <p:ph type="dt" sz="quarter" idx="10"/>
+          </p:nvPr>
+        </p:nvSpPr>
+        <p:spPr/>
+        <p:txBody>
+          <a:bodyPr/>
+          <a:lstStyle>
+            <a:lvl1pPr eaLnBrk="0" hangingPunct="0">
+              <a:defRPr>
+                <a:solidFill>
+                  <a:schemeClr val="tx1"/>
+                </a:solidFill>
+                <a:latin typeface="Arial" charset="0"/>
+                <a:ea typeface="ＭＳ Ｐゴシック" charset="0"/>
+                <a:cs typeface="Arial" charset="0"/>
+              </a:defRPr>
+            </a:lvl1pPr>
+            <a:lvl2pPr marL="742950" indent="-285750" eaLnBrk="0" hangingPunct="0">
+              <a:defRPr>
+                <a:solidFill>
+                  <a:schemeClr val="tx1"/>
+                </a:solidFill>
+                <a:latin typeface="Arial" charset="0"/>
+                <a:ea typeface="Arial" charset="0"/>
+                <a:cs typeface="Arial" charset="0"/>
+              </a:defRPr>
+            </a:lvl2pPr>
+            <a:lvl3pPr marL="1143000" indent="-228600" eaLnBrk="0" hangingPunct="0">
+              <a:defRPr>
+                <a:solidFill>
+                  <a:schemeClr val="tx1"/>
+                </a:solidFill>
+                <a:latin typeface="Arial" charset="0"/>
+                <a:ea typeface="Arial" charset="0"/>
+                <a:cs typeface="Arial" charset="0"/>
+              </a:defRPr>
+            </a:lvl3pPr>
+            <a:lvl4pPr marL="1600200" indent="-228600" eaLnBrk="0" hangingPunct="0">
+              <a:defRPr>
+                <a:solidFill>
+                  <a:schemeClr val="tx1"/>
+                </a:solidFill>
+                <a:latin typeface="Arial" charset="0"/>
+                <a:ea typeface="Arial" charset="0"/>
+                <a:cs typeface="Arial" charset="0"/>
+              </a:defRPr>
+            </a:lvl4pPr>
+            <a:lvl5pPr marL="2057400" indent="-228600" eaLnBrk="0" hangingPunct="0">
+              <a:defRPr>
+                <a:solidFill>
+                  <a:schemeClr val="tx1"/>
+                </a:solidFill>
+                <a:latin typeface="Arial" charset="0"/>
+                <a:ea typeface="Arial" charset="0"/>
+                <a:cs typeface="Arial" charset="0"/>
+              </a:defRPr>
+            </a:lvl5pPr>
+            <a:lvl6pPr marL="2514600" indent="-228600" eaLnBrk="0" fontAlgn="base" hangingPunct="0">
+              <a:spcBef>
+                <a:spcPct val="0"/>
+              </a:spcBef>
+              <a:spcAft>
+                <a:spcPct val="0"/>
+              </a:spcAft>
+              <a:defRPr>
+                <a:solidFill>
+                  <a:schemeClr val="tx1"/>
+                </a:solidFill>
+                <a:latin typeface="Arial" charset="0"/>
+                <a:ea typeface="Arial" charset="0"/>
+                <a:cs typeface="Arial" charset="0"/>
+              </a:defRPr>
+            </a:lvl6pPr>
+            <a:lvl7pPr marL="2971800" indent="-228600" eaLnBrk="0" fontAlgn="base" hangingPunct="0">
+              <a:spcBef>
+                <a:spcPct val="0"/>
+              </a:spcBef>
+              <a:spcAft>
+                <a:spcPct val="0"/>
+              </a:spcAft>
+              <a:defRPr>
+                <a:solidFill>
+                  <a:schemeClr val="tx1"/>
+                </a:solidFill>
+                <a:latin typeface="Arial" charset="0"/>
+                <a:ea typeface="Arial" charset="0"/>
+                <a:cs typeface="Arial" charset="0"/>
+              </a:defRPr>
+            </a:lvl7pPr>
+            <a:lvl8pPr marL="3429000" indent="-228600" eaLnBrk="0" fontAlgn="base" hangingPunct="0">
+              <a:spcBef>
+                <a:spcPct val="0"/>
+              </a:spcBef>
+              <a:spcAft>
+                <a:spcPct val="0"/>
+              </a:spcAft>
+              <a:defRPr>
+                <a:solidFill>
+                  <a:schemeClr val="tx1"/>
+                </a:solidFill>
+                <a:latin typeface="Arial" charset="0"/>
+                <a:ea typeface="Arial" charset="0"/>
+                <a:cs typeface="Arial" charset="0"/>
+              </a:defRPr>
+            </a:lvl8pPr>
+            <a:lvl9pPr marL="3886200" indent="-228600" eaLnBrk="0" fontAlgn="base" hangingPunct="0">
+              <a:spcBef>
+                <a:spcPct val="0"/>
+              </a:spcBef>
+              <a:spcAft>
+                <a:spcPct val="0"/>
+              </a:spcAft>
+              <a:defRPr>
+                <a:solidFill>
+                  <a:schemeClr val="tx1"/>
+                </a:solidFill>
+                <a:latin typeface="Arial" charset="0"/>
+                <a:ea typeface="Arial" charset="0"/>
+                <a:cs typeface="Arial" charset="0"/>
+              </a:defRPr>
+            </a:lvl9pPr>
+          </a:lstStyle>
+          <a:p>
+            <a:pPr eaLnBrk="1" hangingPunct="1"/>
+            <a:fld id="{69FCC312-2EEF-42A5-9F54-F0B46721C938}" type="datetime1">
+              <a:rPr lang="en-US" smtClean="0">
+                <a:latin typeface="Garamond" charset="0"/>
+              </a:rPr>
+              <a:t>9/25/2019</a:t>
+            </a:fld>
+            <a:endParaRPr lang="en-US">
+              <a:latin typeface="Garamond" charset="0"/>
+            </a:endParaRPr>
+          </a:p>
+        </p:txBody>
+      </p:sp>
+      <p:sp>
+        <p:nvSpPr>
+          <p:cNvPr id="5" name="Footer Placeholder 4"/>
+          <p:cNvSpPr>
+            <a:spLocks noGrp="1"/>
+          </p:cNvSpPr>
+          <p:nvPr>
+            <p:ph type="ftr" sz="quarter" idx="11"/>
+          </p:nvPr>
+        </p:nvSpPr>
+        <p:spPr/>
+        <p:txBody>
+          <a:bodyPr/>
+          <a:lstStyle/>
+          <a:p>
+            <a:pPr>
+              <a:defRPr/>
+            </a:pPr>
+            <a:r>
+              <a:rPr lang="en-US" altLang="en-US"/>
+              <a:t>Microprocessors I:  Lecture 8</a:t>
+            </a:r>
+          </a:p>
+        </p:txBody>
+      </p:sp>
+      <p:sp>
+        <p:nvSpPr>
+          <p:cNvPr id="6" name="Slide Number Placeholder 5"/>
+          <p:cNvSpPr>
+            <a:spLocks noGrp="1"/>
+          </p:cNvSpPr>
+          <p:nvPr>
+            <p:ph type="sldNum" sz="quarter" idx="12"/>
+          </p:nvPr>
+        </p:nvSpPr>
+        <p:spPr/>
+        <p:txBody>
+          <a:bodyPr/>
+          <a:lstStyle>
+            <a:lvl1pPr eaLnBrk="0" hangingPunct="0">
+              <a:defRPr>
+                <a:solidFill>
+                  <a:schemeClr val="tx1"/>
+                </a:solidFill>
+                <a:latin typeface="Arial" charset="0"/>
+                <a:ea typeface="ＭＳ Ｐゴシック" charset="0"/>
+                <a:cs typeface="Arial" charset="0"/>
+              </a:defRPr>
+            </a:lvl1pPr>
+            <a:lvl2pPr marL="742950" indent="-285750" eaLnBrk="0" hangingPunct="0">
+              <a:defRPr>
+                <a:solidFill>
+                  <a:schemeClr val="tx1"/>
+                </a:solidFill>
+                <a:latin typeface="Arial" charset="0"/>
+                <a:ea typeface="Arial" charset="0"/>
+                <a:cs typeface="Arial" charset="0"/>
+              </a:defRPr>
+            </a:lvl2pPr>
+            <a:lvl3pPr marL="1143000" indent="-228600" eaLnBrk="0" hangingPunct="0">
+              <a:defRPr>
+                <a:solidFill>
+                  <a:schemeClr val="tx1"/>
+                </a:solidFill>
+                <a:latin typeface="Arial" charset="0"/>
+                <a:ea typeface="Arial" charset="0"/>
+                <a:cs typeface="Arial" charset="0"/>
+              </a:defRPr>
+            </a:lvl3pPr>
+            <a:lvl4pPr marL="1600200" indent="-228600" eaLnBrk="0" hangingPunct="0">
+              <a:defRPr>
+                <a:solidFill>
+                  <a:schemeClr val="tx1"/>
+                </a:solidFill>
+                <a:latin typeface="Arial" charset="0"/>
+                <a:ea typeface="Arial" charset="0"/>
+                <a:cs typeface="Arial" charset="0"/>
+              </a:defRPr>
+            </a:lvl4pPr>
+            <a:lvl5pPr marL="2057400" indent="-228600" eaLnBrk="0" hangingPunct="0">
+              <a:defRPr>
+                <a:solidFill>
+                  <a:schemeClr val="tx1"/>
+                </a:solidFill>
+                <a:latin typeface="Arial" charset="0"/>
+                <a:ea typeface="Arial" charset="0"/>
+                <a:cs typeface="Arial" charset="0"/>
+              </a:defRPr>
+            </a:lvl5pPr>
+            <a:lvl6pPr marL="2514600" indent="-228600" eaLnBrk="0" fontAlgn="base" hangingPunct="0">
+              <a:spcBef>
+                <a:spcPct val="0"/>
+              </a:spcBef>
+              <a:spcAft>
+                <a:spcPct val="0"/>
+              </a:spcAft>
+              <a:defRPr>
+                <a:solidFill>
+                  <a:schemeClr val="tx1"/>
+                </a:solidFill>
+                <a:latin typeface="Arial" charset="0"/>
+                <a:ea typeface="Arial" charset="0"/>
+                <a:cs typeface="Arial" charset="0"/>
+              </a:defRPr>
+            </a:lvl6pPr>
+            <a:lvl7pPr marL="2971800" indent="-228600" eaLnBrk="0" fontAlgn="base" hangingPunct="0">
+              <a:spcBef>
+                <a:spcPct val="0"/>
+              </a:spcBef>
+              <a:spcAft>
+                <a:spcPct val="0"/>
+              </a:spcAft>
+              <a:defRPr>
+                <a:solidFill>
+                  <a:schemeClr val="tx1"/>
+                </a:solidFill>
+                <a:latin typeface="Arial" charset="0"/>
+                <a:ea typeface="Arial" charset="0"/>
+                <a:cs typeface="Arial" charset="0"/>
+              </a:defRPr>
+            </a:lvl7pPr>
+            <a:lvl8pPr marL="3429000" indent="-228600" eaLnBrk="0" fontAlgn="base" hangingPunct="0">
+              <a:spcBef>
+                <a:spcPct val="0"/>
+              </a:spcBef>
+              <a:spcAft>
+                <a:spcPct val="0"/>
+              </a:spcAft>
+              <a:defRPr>
+                <a:solidFill>
+                  <a:schemeClr val="tx1"/>
+                </a:solidFill>
+                <a:latin typeface="Arial" charset="0"/>
+                <a:ea typeface="Arial" charset="0"/>
+                <a:cs typeface="Arial" charset="0"/>
+              </a:defRPr>
+            </a:lvl8pPr>
+            <a:lvl9pPr marL="3886200" indent="-228600" eaLnBrk="0" fontAlgn="base" hangingPunct="0">
+              <a:spcBef>
+                <a:spcPct val="0"/>
+              </a:spcBef>
+              <a:spcAft>
+                <a:spcPct val="0"/>
+              </a:spcAft>
+              <a:defRPr>
+                <a:solidFill>
+                  <a:schemeClr val="tx1"/>
+                </a:solidFill>
+                <a:latin typeface="Arial" charset="0"/>
+                <a:ea typeface="Arial" charset="0"/>
+                <a:cs typeface="Arial" charset="0"/>
+              </a:defRPr>
+            </a:lvl9pPr>
+          </a:lstStyle>
+          <a:p>
+            <a:pPr eaLnBrk="1" hangingPunct="1"/>
+            <a:fld id="{7D17A237-DC05-BC44-9260-0103FC72B570}" type="slidenum">
+              <a:rPr lang="en-US">
+                <a:latin typeface="Garamond" charset="0"/>
+              </a:rPr>
+              <a:pPr eaLnBrk="1" hangingPunct="1"/>
+              <a:t>13</a:t>
+            </a:fld>
+            <a:endParaRPr lang="en-US">
+              <a:latin typeface="Garamond" charset="0"/>
+            </a:endParaRPr>
+          </a:p>
+        </p:txBody>
+      </p:sp>
+    </p:spTree>
+    <p:extLst>
+      <p:ext uri="{BB962C8B-B14F-4D97-AF65-F5344CB8AC3E}">
+        <p14:creationId xmlns:p14="http://schemas.microsoft.com/office/powerpoint/2010/main" val="1566311063"/>
+      </p:ext>
+    </p:extLst>
+  </p:cSld>
+  <p:clrMapOvr>
+    <a:masterClrMapping/>
+  </p:clrMapOvr>
+</p:sld>
+</file>
+
+<file path=ppt/slides/slide14.xml><?xml version="1.0" encoding="utf-8"?>
+<p:sld xmlns:a="http://schemas.openxmlformats.org/drawingml/2006/main" xmlns:r="http://schemas.openxmlformats.org/officeDocument/2006/relationships" xmlns:p="http://schemas.openxmlformats.org/presentationml/2006/main">
+  <p:cSld>
+    <p:spTree>
+      <p:nvGrpSpPr>
+        <p:cNvPr id="1" name=""/>
+        <p:cNvGrpSpPr/>
+        <p:nvPr/>
+      </p:nvGrpSpPr>
+      <p:grpSpPr>
+        <a:xfrm>
+          <a:off x="0" y="0"/>
+          <a:ext cx="0" cy="0"/>
+          <a:chOff x="0" y="0"/>
+          <a:chExt cx="0" cy="0"/>
+        </a:xfrm>
+      </p:grpSpPr>
+      <p:sp>
+        <p:nvSpPr>
+          <p:cNvPr id="9218" name="Title 1"/>
+          <p:cNvSpPr>
+            <a:spLocks noGrp="1"/>
+          </p:cNvSpPr>
+          <p:nvPr>
+            <p:ph type="title"/>
+          </p:nvPr>
+        </p:nvSpPr>
+        <p:spPr/>
+        <p:txBody>
+          <a:bodyPr/>
+          <a:lstStyle/>
+          <a:p>
+            <a:r>
+              <a:rPr lang="en-US">
+                <a:latin typeface="Garamond" charset="0"/>
+              </a:rPr>
+              <a:t>DIV/IDIV</a:t>
+            </a:r>
+          </a:p>
+        </p:txBody>
+      </p:sp>
+      <p:sp>
+        <p:nvSpPr>
+          <p:cNvPr id="3" name="Content Placeholder 2"/>
+          <p:cNvSpPr>
+            <a:spLocks noGrp="1"/>
+          </p:cNvSpPr>
+          <p:nvPr>
+            <p:ph idx="1"/>
+          </p:nvPr>
+        </p:nvSpPr>
+        <p:spPr/>
+        <p:txBody>
+          <a:bodyPr>
+            <a:normAutofit lnSpcReduction="10000"/>
+          </a:bodyPr>
+          <a:lstStyle/>
+          <a:p>
+            <a:pPr>
+              <a:lnSpc>
+                <a:spcPct val="80000"/>
+              </a:lnSpc>
+            </a:pPr>
+            <a:r>
+              <a:rPr lang="en-US" sz="2800" dirty="0">
+                <a:latin typeface="Arial" charset="0"/>
+              </a:rPr>
+              <a:t>DIV S </a:t>
+            </a:r>
+            <a:r>
+              <a:rPr lang="en-US" sz="2800" dirty="0">
+                <a:latin typeface="Arial" charset="0"/>
+                <a:sym typeface="Wingdings" charset="0"/>
+              </a:rPr>
+              <a:t> unsigned division</a:t>
+            </a:r>
+          </a:p>
+          <a:p>
+            <a:pPr>
+              <a:lnSpc>
+                <a:spcPct val="80000"/>
+              </a:lnSpc>
+            </a:pPr>
+            <a:r>
+              <a:rPr lang="en-US" sz="2800" dirty="0">
+                <a:latin typeface="Arial" charset="0"/>
+                <a:sym typeface="Wingdings" charset="0"/>
+              </a:rPr>
+              <a:t>IDIV S  signed division</a:t>
+            </a:r>
+          </a:p>
+          <a:p>
+            <a:pPr>
+              <a:lnSpc>
+                <a:spcPct val="80000"/>
+              </a:lnSpc>
+            </a:pPr>
+            <a:r>
+              <a:rPr lang="en-US" sz="2800" dirty="0">
+                <a:latin typeface="Arial" charset="0"/>
+                <a:sym typeface="Wingdings" charset="0"/>
+              </a:rPr>
+              <a:t>Result split into quotient, remainder</a:t>
+            </a:r>
+          </a:p>
+          <a:p>
+            <a:pPr>
+              <a:lnSpc>
+                <a:spcPct val="80000"/>
+              </a:lnSpc>
+            </a:pPr>
+            <a:r>
+              <a:rPr lang="en-US" sz="2800" dirty="0">
+                <a:latin typeface="Arial" charset="0"/>
+                <a:sym typeface="Wingdings" charset="0"/>
+              </a:rPr>
+              <a:t>Byte: 	(AL) = (AX) / (S)</a:t>
+            </a:r>
+          </a:p>
+          <a:p>
+            <a:pPr>
+              <a:lnSpc>
+                <a:spcPct val="80000"/>
+              </a:lnSpc>
+              <a:buFont typeface="Wingdings" charset="0"/>
+              <a:buNone/>
+            </a:pPr>
+            <a:r>
+              <a:rPr lang="en-US" sz="2800" dirty="0">
+                <a:latin typeface="Arial" charset="0"/>
+                <a:sym typeface="Wingdings" charset="0"/>
+              </a:rPr>
+              <a:t>			(AH) = (AX) % (S)</a:t>
+            </a:r>
+          </a:p>
+          <a:p>
+            <a:pPr>
+              <a:lnSpc>
+                <a:spcPct val="80000"/>
+              </a:lnSpc>
+            </a:pPr>
+            <a:r>
+              <a:rPr lang="en-US" sz="2800" dirty="0">
+                <a:latin typeface="Arial" charset="0"/>
+              </a:rPr>
+              <a:t>Word:	(AX) = (DX,AX) / (S)</a:t>
+            </a:r>
+          </a:p>
+          <a:p>
+            <a:pPr>
+              <a:lnSpc>
+                <a:spcPct val="80000"/>
+              </a:lnSpc>
+              <a:buFont typeface="Wingdings" charset="0"/>
+              <a:buNone/>
+            </a:pPr>
+            <a:r>
+              <a:rPr lang="en-US" sz="2800" dirty="0">
+                <a:latin typeface="Arial" charset="0"/>
+              </a:rPr>
+              <a:t>			(DX) = (DX,AX) % (S)</a:t>
+            </a:r>
+          </a:p>
+          <a:p>
+            <a:pPr>
+              <a:lnSpc>
+                <a:spcPct val="80000"/>
+              </a:lnSpc>
+            </a:pPr>
+            <a:r>
+              <a:rPr lang="en-US" sz="2800" dirty="0" err="1">
+                <a:latin typeface="Arial" charset="0"/>
+              </a:rPr>
+              <a:t>Dword</a:t>
+            </a:r>
+            <a:r>
+              <a:rPr lang="en-US" sz="2800" dirty="0">
+                <a:latin typeface="Arial" charset="0"/>
+              </a:rPr>
+              <a:t>:	(EAX) = (EDX,EAX) / (S)</a:t>
+            </a:r>
+          </a:p>
+          <a:p>
+            <a:pPr>
+              <a:lnSpc>
+                <a:spcPct val="80000"/>
+              </a:lnSpc>
+              <a:buFont typeface="Wingdings" charset="0"/>
+              <a:buNone/>
+            </a:pPr>
+            <a:r>
+              <a:rPr lang="en-US" sz="2800" dirty="0">
+                <a:latin typeface="Arial" charset="0"/>
+              </a:rPr>
+              <a:t>			(EDX) = (EDX,EAX) % (S)</a:t>
+            </a:r>
+          </a:p>
+          <a:p>
+            <a:pPr>
+              <a:lnSpc>
+                <a:spcPct val="80000"/>
+              </a:lnSpc>
+            </a:pPr>
+            <a:r>
+              <a:rPr lang="en-US" sz="2800" dirty="0">
+                <a:latin typeface="Arial" charset="0"/>
+                <a:sym typeface="Wingdings" charset="0"/>
+              </a:rPr>
+              <a:t>Special </a:t>
+            </a:r>
+            <a:r>
+              <a:rPr lang="ja-JP" altLang="en-US" sz="2800" dirty="0">
+                <a:latin typeface="Arial" charset="0"/>
+                <a:sym typeface="Wingdings" charset="0"/>
+              </a:rPr>
+              <a:t>“</a:t>
+            </a:r>
+            <a:r>
+              <a:rPr lang="en-US" sz="2800" dirty="0">
+                <a:latin typeface="Arial" charset="0"/>
+                <a:sym typeface="Wingdings" charset="0"/>
+              </a:rPr>
+              <a:t>convert</a:t>
+            </a:r>
+            <a:r>
+              <a:rPr lang="ja-JP" altLang="en-US" sz="2800" dirty="0">
+                <a:latin typeface="Arial" charset="0"/>
+                <a:sym typeface="Wingdings" charset="0"/>
+              </a:rPr>
+              <a:t>”</a:t>
+            </a:r>
+            <a:r>
+              <a:rPr lang="en-US" sz="2800" dirty="0">
+                <a:latin typeface="Arial" charset="0"/>
+                <a:sym typeface="Wingdings" charset="0"/>
+              </a:rPr>
+              <a:t> instructions used to sign-extend value in register A before division</a:t>
+            </a:r>
+          </a:p>
+          <a:p>
+            <a:pPr>
+              <a:lnSpc>
+                <a:spcPct val="80000"/>
+              </a:lnSpc>
+            </a:pPr>
+            <a:r>
+              <a:rPr lang="en-US" sz="2800" dirty="0">
+                <a:latin typeface="Arial" charset="0"/>
+                <a:sym typeface="Wingdings" charset="0"/>
+              </a:rPr>
+              <a:t>Flags undefined</a:t>
+            </a:r>
+          </a:p>
+          <a:p>
+            <a:pPr lvl="1">
+              <a:lnSpc>
+                <a:spcPct val="80000"/>
+              </a:lnSpc>
+            </a:pPr>
+            <a:r>
+              <a:rPr lang="en-US" sz="2400" dirty="0">
+                <a:latin typeface="Arial" charset="0"/>
+                <a:sym typeface="Wingdings" charset="0"/>
+              </a:rPr>
+              <a:t>Overflow </a:t>
+            </a:r>
+            <a:r>
+              <a:rPr lang="en-US" sz="2400">
+                <a:latin typeface="Arial" charset="0"/>
+                <a:sym typeface="Wingdings" charset="0"/>
+              </a:rPr>
+              <a:t>causes exception</a:t>
+            </a:r>
+            <a:endParaRPr lang="en-US" sz="2400" dirty="0">
+              <a:latin typeface="Arial" charset="0"/>
+              <a:sym typeface="Wingdings" charset="0"/>
+            </a:endParaRPr>
+          </a:p>
+          <a:p>
+            <a:pPr>
+              <a:lnSpc>
+                <a:spcPct val="80000"/>
+              </a:lnSpc>
+              <a:buFont typeface="Wingdings" charset="0"/>
+              <a:buNone/>
+            </a:pPr>
+            <a:endParaRPr lang="en-US" sz="2800" dirty="0">
+              <a:latin typeface="Arial" charset="0"/>
+            </a:endParaRPr>
+          </a:p>
+        </p:txBody>
+      </p:sp>
+      <p:sp>
+        <p:nvSpPr>
+          <p:cNvPr id="4" name="Date Placeholder 3"/>
+          <p:cNvSpPr>
+            <a:spLocks noGrp="1"/>
+          </p:cNvSpPr>
+          <p:nvPr>
+            <p:ph type="dt" sz="quarter" idx="10"/>
+          </p:nvPr>
+        </p:nvSpPr>
+        <p:spPr/>
+        <p:txBody>
+          <a:bodyPr/>
+          <a:lstStyle>
+            <a:lvl1pPr eaLnBrk="0" hangingPunct="0">
+              <a:defRPr>
+                <a:solidFill>
+                  <a:schemeClr val="tx1"/>
+                </a:solidFill>
+                <a:latin typeface="Arial" charset="0"/>
+                <a:ea typeface="ＭＳ Ｐゴシック" charset="0"/>
+                <a:cs typeface="Arial" charset="0"/>
+              </a:defRPr>
+            </a:lvl1pPr>
+            <a:lvl2pPr marL="742950" indent="-285750" eaLnBrk="0" hangingPunct="0">
+              <a:defRPr>
+                <a:solidFill>
+                  <a:schemeClr val="tx1"/>
+                </a:solidFill>
+                <a:latin typeface="Arial" charset="0"/>
+                <a:ea typeface="Arial" charset="0"/>
+                <a:cs typeface="Arial" charset="0"/>
+              </a:defRPr>
+            </a:lvl2pPr>
+            <a:lvl3pPr marL="1143000" indent="-228600" eaLnBrk="0" hangingPunct="0">
+              <a:defRPr>
+                <a:solidFill>
+                  <a:schemeClr val="tx1"/>
+                </a:solidFill>
+                <a:latin typeface="Arial" charset="0"/>
+                <a:ea typeface="Arial" charset="0"/>
+                <a:cs typeface="Arial" charset="0"/>
+              </a:defRPr>
+            </a:lvl3pPr>
+            <a:lvl4pPr marL="1600200" indent="-228600" eaLnBrk="0" hangingPunct="0">
+              <a:defRPr>
+                <a:solidFill>
+                  <a:schemeClr val="tx1"/>
+                </a:solidFill>
+                <a:latin typeface="Arial" charset="0"/>
+                <a:ea typeface="Arial" charset="0"/>
+                <a:cs typeface="Arial" charset="0"/>
+              </a:defRPr>
+            </a:lvl4pPr>
+            <a:lvl5pPr marL="2057400" indent="-228600" eaLnBrk="0" hangingPunct="0">
+              <a:defRPr>
+                <a:solidFill>
+                  <a:schemeClr val="tx1"/>
+                </a:solidFill>
+                <a:latin typeface="Arial" charset="0"/>
+                <a:ea typeface="Arial" charset="0"/>
+                <a:cs typeface="Arial" charset="0"/>
+              </a:defRPr>
+            </a:lvl5pPr>
+            <a:lvl6pPr marL="2514600" indent="-228600" eaLnBrk="0" fontAlgn="base" hangingPunct="0">
+              <a:spcBef>
+                <a:spcPct val="0"/>
+              </a:spcBef>
+              <a:spcAft>
+                <a:spcPct val="0"/>
+              </a:spcAft>
+              <a:defRPr>
+                <a:solidFill>
+                  <a:schemeClr val="tx1"/>
+                </a:solidFill>
+                <a:latin typeface="Arial" charset="0"/>
+                <a:ea typeface="Arial" charset="0"/>
+                <a:cs typeface="Arial" charset="0"/>
+              </a:defRPr>
+            </a:lvl6pPr>
+            <a:lvl7pPr marL="2971800" indent="-228600" eaLnBrk="0" fontAlgn="base" hangingPunct="0">
+              <a:spcBef>
+                <a:spcPct val="0"/>
+              </a:spcBef>
+              <a:spcAft>
+                <a:spcPct val="0"/>
+              </a:spcAft>
+              <a:defRPr>
+                <a:solidFill>
+                  <a:schemeClr val="tx1"/>
+                </a:solidFill>
+                <a:latin typeface="Arial" charset="0"/>
+                <a:ea typeface="Arial" charset="0"/>
+                <a:cs typeface="Arial" charset="0"/>
+              </a:defRPr>
+            </a:lvl7pPr>
+            <a:lvl8pPr marL="3429000" indent="-228600" eaLnBrk="0" fontAlgn="base" hangingPunct="0">
+              <a:spcBef>
+                <a:spcPct val="0"/>
+              </a:spcBef>
+              <a:spcAft>
+                <a:spcPct val="0"/>
+              </a:spcAft>
+              <a:defRPr>
+                <a:solidFill>
+                  <a:schemeClr val="tx1"/>
+                </a:solidFill>
+                <a:latin typeface="Arial" charset="0"/>
+                <a:ea typeface="Arial" charset="0"/>
+                <a:cs typeface="Arial" charset="0"/>
+              </a:defRPr>
+            </a:lvl8pPr>
+            <a:lvl9pPr marL="3886200" indent="-228600" eaLnBrk="0" fontAlgn="base" hangingPunct="0">
+              <a:spcBef>
+                <a:spcPct val="0"/>
+              </a:spcBef>
+              <a:spcAft>
+                <a:spcPct val="0"/>
+              </a:spcAft>
+              <a:defRPr>
+                <a:solidFill>
+                  <a:schemeClr val="tx1"/>
+                </a:solidFill>
+                <a:latin typeface="Arial" charset="0"/>
+                <a:ea typeface="Arial" charset="0"/>
+                <a:cs typeface="Arial" charset="0"/>
+              </a:defRPr>
+            </a:lvl9pPr>
+          </a:lstStyle>
+          <a:p>
+            <a:pPr eaLnBrk="1" hangingPunct="1"/>
+            <a:fld id="{9C49C033-5CC1-40D2-B00E-DAAD2EAB79FF}" type="datetime1">
+              <a:rPr lang="en-US" smtClean="0">
+                <a:latin typeface="Garamond" charset="0"/>
+              </a:rPr>
+              <a:t>9/25/2019</a:t>
+            </a:fld>
+            <a:endParaRPr lang="en-US">
+              <a:latin typeface="Garamond" charset="0"/>
+            </a:endParaRPr>
+          </a:p>
+        </p:txBody>
+      </p:sp>
+      <p:sp>
+        <p:nvSpPr>
+          <p:cNvPr id="5" name="Footer Placeholder 4"/>
+          <p:cNvSpPr>
+            <a:spLocks noGrp="1"/>
+          </p:cNvSpPr>
+          <p:nvPr>
+            <p:ph type="ftr" sz="quarter" idx="11"/>
+          </p:nvPr>
+        </p:nvSpPr>
+        <p:spPr/>
+        <p:txBody>
+          <a:bodyPr/>
+          <a:lstStyle/>
+          <a:p>
+            <a:pPr>
+              <a:defRPr/>
+            </a:pPr>
+            <a:r>
+              <a:rPr lang="en-US" altLang="en-US"/>
+              <a:t>Microprocessors I:  Lecture 8</a:t>
+            </a:r>
+          </a:p>
+        </p:txBody>
+      </p:sp>
+      <p:sp>
+        <p:nvSpPr>
+          <p:cNvPr id="6" name="Slide Number Placeholder 5"/>
+          <p:cNvSpPr>
+            <a:spLocks noGrp="1"/>
+          </p:cNvSpPr>
+          <p:nvPr>
+            <p:ph type="sldNum" sz="quarter" idx="12"/>
+          </p:nvPr>
+        </p:nvSpPr>
+        <p:spPr/>
+        <p:txBody>
+          <a:bodyPr/>
+          <a:lstStyle>
+            <a:lvl1pPr eaLnBrk="0" hangingPunct="0">
+              <a:defRPr>
+                <a:solidFill>
+                  <a:schemeClr val="tx1"/>
+                </a:solidFill>
+                <a:latin typeface="Arial" charset="0"/>
+                <a:ea typeface="ＭＳ Ｐゴシック" charset="0"/>
+                <a:cs typeface="Arial" charset="0"/>
+              </a:defRPr>
+            </a:lvl1pPr>
+            <a:lvl2pPr marL="742950" indent="-285750" eaLnBrk="0" hangingPunct="0">
+              <a:defRPr>
+                <a:solidFill>
+                  <a:schemeClr val="tx1"/>
+                </a:solidFill>
+                <a:latin typeface="Arial" charset="0"/>
+                <a:ea typeface="Arial" charset="0"/>
+                <a:cs typeface="Arial" charset="0"/>
+              </a:defRPr>
+            </a:lvl2pPr>
+            <a:lvl3pPr marL="1143000" indent="-228600" eaLnBrk="0" hangingPunct="0">
+              <a:defRPr>
+                <a:solidFill>
+                  <a:schemeClr val="tx1"/>
+                </a:solidFill>
+                <a:latin typeface="Arial" charset="0"/>
+                <a:ea typeface="Arial" charset="0"/>
+                <a:cs typeface="Arial" charset="0"/>
+              </a:defRPr>
+            </a:lvl3pPr>
+            <a:lvl4pPr marL="1600200" indent="-228600" eaLnBrk="0" hangingPunct="0">
+              <a:defRPr>
+                <a:solidFill>
+                  <a:schemeClr val="tx1"/>
+                </a:solidFill>
+                <a:latin typeface="Arial" charset="0"/>
+                <a:ea typeface="Arial" charset="0"/>
+                <a:cs typeface="Arial" charset="0"/>
+              </a:defRPr>
+            </a:lvl4pPr>
+            <a:lvl5pPr marL="2057400" indent="-228600" eaLnBrk="0" hangingPunct="0">
+              <a:defRPr>
+                <a:solidFill>
+                  <a:schemeClr val="tx1"/>
+                </a:solidFill>
+                <a:latin typeface="Arial" charset="0"/>
+                <a:ea typeface="Arial" charset="0"/>
+                <a:cs typeface="Arial" charset="0"/>
+              </a:defRPr>
+            </a:lvl5pPr>
+            <a:lvl6pPr marL="2514600" indent="-228600" eaLnBrk="0" fontAlgn="base" hangingPunct="0">
+              <a:spcBef>
+                <a:spcPct val="0"/>
+              </a:spcBef>
+              <a:spcAft>
+                <a:spcPct val="0"/>
+              </a:spcAft>
+              <a:defRPr>
+                <a:solidFill>
+                  <a:schemeClr val="tx1"/>
+                </a:solidFill>
+                <a:latin typeface="Arial" charset="0"/>
+                <a:ea typeface="Arial" charset="0"/>
+                <a:cs typeface="Arial" charset="0"/>
+              </a:defRPr>
+            </a:lvl6pPr>
+            <a:lvl7pPr marL="2971800" indent="-228600" eaLnBrk="0" fontAlgn="base" hangingPunct="0">
+              <a:spcBef>
+                <a:spcPct val="0"/>
+              </a:spcBef>
+              <a:spcAft>
+                <a:spcPct val="0"/>
+              </a:spcAft>
+              <a:defRPr>
+                <a:solidFill>
+                  <a:schemeClr val="tx1"/>
+                </a:solidFill>
+                <a:latin typeface="Arial" charset="0"/>
+                <a:ea typeface="Arial" charset="0"/>
+                <a:cs typeface="Arial" charset="0"/>
+              </a:defRPr>
+            </a:lvl7pPr>
+            <a:lvl8pPr marL="3429000" indent="-228600" eaLnBrk="0" fontAlgn="base" hangingPunct="0">
+              <a:spcBef>
+                <a:spcPct val="0"/>
+              </a:spcBef>
+              <a:spcAft>
+                <a:spcPct val="0"/>
+              </a:spcAft>
+              <a:defRPr>
+                <a:solidFill>
+                  <a:schemeClr val="tx1"/>
+                </a:solidFill>
+                <a:latin typeface="Arial" charset="0"/>
+                <a:ea typeface="Arial" charset="0"/>
+                <a:cs typeface="Arial" charset="0"/>
+              </a:defRPr>
+            </a:lvl8pPr>
+            <a:lvl9pPr marL="3886200" indent="-228600" eaLnBrk="0" fontAlgn="base" hangingPunct="0">
+              <a:spcBef>
+                <a:spcPct val="0"/>
+              </a:spcBef>
+              <a:spcAft>
+                <a:spcPct val="0"/>
+              </a:spcAft>
+              <a:defRPr>
+                <a:solidFill>
+                  <a:schemeClr val="tx1"/>
+                </a:solidFill>
+                <a:latin typeface="Arial" charset="0"/>
+                <a:ea typeface="Arial" charset="0"/>
+                <a:cs typeface="Arial" charset="0"/>
+              </a:defRPr>
+            </a:lvl9pPr>
+          </a:lstStyle>
+          <a:p>
+            <a:pPr eaLnBrk="1" hangingPunct="1"/>
+            <a:fld id="{8DC39F85-2198-7449-83D8-8ADFE0232C2D}" type="slidenum">
+              <a:rPr lang="en-US">
+                <a:latin typeface="Garamond" charset="0"/>
+              </a:rPr>
+              <a:pPr eaLnBrk="1" hangingPunct="1"/>
+              <a:t>14</a:t>
+            </a:fld>
+            <a:endParaRPr lang="en-US">
+              <a:latin typeface="Garamond" charset="0"/>
+            </a:endParaRPr>
+          </a:p>
+        </p:txBody>
+      </p:sp>
+    </p:spTree>
+    <p:extLst>
+      <p:ext uri="{BB962C8B-B14F-4D97-AF65-F5344CB8AC3E}">
+        <p14:creationId xmlns:p14="http://schemas.microsoft.com/office/powerpoint/2010/main" val="2692844553"/>
+      </p:ext>
+    </p:extLst>
+  </p:cSld>
+  <p:clrMapOvr>
+    <a:masterClrMapping/>
+  </p:clrMapOvr>
+</p:sld>
+</file>
+
+<file path=ppt/slides/slide15.xml><?xml version="1.0" encoding="utf-8"?>
+<p:sld xmlns:a="http://schemas.openxmlformats.org/drawingml/2006/main" xmlns:r="http://schemas.openxmlformats.org/officeDocument/2006/relationships" xmlns:p="http://schemas.openxmlformats.org/presentationml/2006/main">
+  <p:cSld>
+    <p:spTree>
+      <p:nvGrpSpPr>
+        <p:cNvPr id="1" name=""/>
+        <p:cNvGrpSpPr/>
+        <p:nvPr/>
+      </p:nvGrpSpPr>
+      <p:grpSpPr>
+        <a:xfrm>
+          <a:off x="0" y="0"/>
+          <a:ext cx="0" cy="0"/>
+          <a:chOff x="0" y="0"/>
+          <a:chExt cx="0" cy="0"/>
+        </a:xfrm>
+      </p:grpSpPr>
+      <p:sp>
+        <p:nvSpPr>
+          <p:cNvPr id="10242" name="Title 1"/>
+          <p:cNvSpPr>
+            <a:spLocks noGrp="1"/>
+          </p:cNvSpPr>
+          <p:nvPr>
+            <p:ph type="title"/>
+          </p:nvPr>
+        </p:nvSpPr>
+        <p:spPr/>
+        <p:txBody>
+          <a:bodyPr/>
+          <a:lstStyle/>
+          <a:p>
+            <a:r>
+              <a:rPr lang="en-US">
+                <a:latin typeface="Garamond" charset="0"/>
+              </a:rPr>
+              <a:t>Example</a:t>
+            </a:r>
+          </a:p>
+        </p:txBody>
+      </p:sp>
+      <p:sp>
+        <p:nvSpPr>
+          <p:cNvPr id="3" name="Content Placeholder 2"/>
+          <p:cNvSpPr>
+            <a:spLocks noGrp="1"/>
+          </p:cNvSpPr>
+          <p:nvPr>
+            <p:ph idx="1"/>
+          </p:nvPr>
+        </p:nvSpPr>
+        <p:spPr/>
+        <p:txBody>
+          <a:bodyPr>
+            <a:normAutofit fontScale="92500" lnSpcReduction="10000"/>
+          </a:bodyPr>
+          <a:lstStyle/>
+          <a:p>
+            <a:pPr>
+              <a:buFont typeface="Wingdings" pitchFamily="2" charset="2"/>
+              <a:buChar char="n"/>
+              <a:defRPr/>
+            </a:pPr>
+            <a:r>
+              <a:rPr lang="en-US" dirty="0">
+                <a:ea typeface="+mn-ea"/>
+              </a:rPr>
+              <a:t>Given</a:t>
+            </a:r>
+          </a:p>
+          <a:p>
+            <a:pPr lvl="1">
+              <a:buFont typeface="Wingdings" pitchFamily="2" charset="2"/>
+              <a:buChar char="q"/>
+              <a:defRPr/>
+            </a:pPr>
+            <a:r>
+              <a:rPr lang="en-US" dirty="0"/>
+              <a:t>EAX = 0x00000005</a:t>
+            </a:r>
+          </a:p>
+          <a:p>
+            <a:pPr lvl="1">
+              <a:buFont typeface="Wingdings" pitchFamily="2" charset="2"/>
+              <a:buChar char="q"/>
+              <a:defRPr/>
+            </a:pPr>
+            <a:r>
+              <a:rPr lang="en-US" dirty="0"/>
+              <a:t>EBX = 0x0000FF02</a:t>
+            </a:r>
+          </a:p>
+          <a:p>
+            <a:pPr>
+              <a:buFont typeface="Wingdings" pitchFamily="2" charset="2"/>
+              <a:buChar char="n"/>
+              <a:defRPr/>
+            </a:pPr>
+            <a:r>
+              <a:rPr lang="en-US" dirty="0">
+                <a:ea typeface="+mn-ea"/>
+              </a:rPr>
+              <a:t>What are the results of the following instructions? (Assume all instructions start with same values in registers above)</a:t>
+            </a:r>
+          </a:p>
+          <a:p>
+            <a:pPr lvl="1">
+              <a:buFont typeface="Wingdings" pitchFamily="2" charset="2"/>
+              <a:buChar char="q"/>
+              <a:defRPr/>
+            </a:pPr>
+            <a:r>
+              <a:rPr lang="en-US" dirty="0"/>
+              <a:t>MUL	BL</a:t>
+            </a:r>
+          </a:p>
+          <a:p>
+            <a:pPr lvl="1">
+              <a:buFont typeface="Wingdings" pitchFamily="2" charset="2"/>
+              <a:buChar char="q"/>
+              <a:defRPr/>
+            </a:pPr>
+            <a:r>
+              <a:rPr lang="en-US" dirty="0"/>
+              <a:t>MUL	BH</a:t>
+            </a:r>
+          </a:p>
+          <a:p>
+            <a:pPr lvl="1">
+              <a:buFont typeface="Wingdings" pitchFamily="2" charset="2"/>
+              <a:buChar char="q"/>
+              <a:defRPr/>
+            </a:pPr>
+            <a:r>
+              <a:rPr lang="en-US" dirty="0"/>
+              <a:t>IMUL	BH</a:t>
+            </a:r>
+          </a:p>
+          <a:p>
+            <a:pPr lvl="1">
+              <a:buFont typeface="Wingdings" pitchFamily="2" charset="2"/>
+              <a:buChar char="q"/>
+              <a:defRPr/>
+            </a:pPr>
+            <a:r>
+              <a:rPr lang="en-US" dirty="0"/>
+              <a:t>DIV	BL</a:t>
+            </a:r>
+          </a:p>
+          <a:p>
+            <a:pPr lvl="1">
+              <a:buFont typeface="Wingdings" pitchFamily="2" charset="2"/>
+              <a:buChar char="q"/>
+              <a:defRPr/>
+            </a:pPr>
+            <a:r>
+              <a:rPr lang="en-US" dirty="0"/>
+              <a:t>DIV	BH</a:t>
+            </a:r>
+          </a:p>
+          <a:p>
+            <a:pPr lvl="1">
+              <a:buFont typeface="Wingdings" pitchFamily="2" charset="2"/>
+              <a:buChar char="q"/>
+              <a:defRPr/>
+            </a:pPr>
+            <a:r>
+              <a:rPr lang="en-US" dirty="0"/>
+              <a:t>IDIV	BH</a:t>
+            </a:r>
+          </a:p>
+        </p:txBody>
+      </p:sp>
+      <p:sp>
+        <p:nvSpPr>
+          <p:cNvPr id="4" name="Date Placeholder 3"/>
+          <p:cNvSpPr>
+            <a:spLocks noGrp="1"/>
+          </p:cNvSpPr>
+          <p:nvPr>
+            <p:ph type="dt" sz="quarter" idx="10"/>
+          </p:nvPr>
+        </p:nvSpPr>
+        <p:spPr/>
+        <p:txBody>
+          <a:bodyPr/>
+          <a:lstStyle>
+            <a:lvl1pPr eaLnBrk="0" hangingPunct="0">
+              <a:defRPr>
+                <a:solidFill>
+                  <a:schemeClr val="tx1"/>
+                </a:solidFill>
+                <a:latin typeface="Arial" charset="0"/>
+                <a:ea typeface="ＭＳ Ｐゴシック" charset="0"/>
+                <a:cs typeface="Arial" charset="0"/>
+              </a:defRPr>
+            </a:lvl1pPr>
+            <a:lvl2pPr marL="742950" indent="-285750" eaLnBrk="0" hangingPunct="0">
+              <a:defRPr>
+                <a:solidFill>
+                  <a:schemeClr val="tx1"/>
+                </a:solidFill>
+                <a:latin typeface="Arial" charset="0"/>
+                <a:ea typeface="Arial" charset="0"/>
+                <a:cs typeface="Arial" charset="0"/>
+              </a:defRPr>
+            </a:lvl2pPr>
+            <a:lvl3pPr marL="1143000" indent="-228600" eaLnBrk="0" hangingPunct="0">
+              <a:defRPr>
+                <a:solidFill>
+                  <a:schemeClr val="tx1"/>
+                </a:solidFill>
+                <a:latin typeface="Arial" charset="0"/>
+                <a:ea typeface="Arial" charset="0"/>
+                <a:cs typeface="Arial" charset="0"/>
+              </a:defRPr>
+            </a:lvl3pPr>
+            <a:lvl4pPr marL="1600200" indent="-228600" eaLnBrk="0" hangingPunct="0">
+              <a:defRPr>
+                <a:solidFill>
+                  <a:schemeClr val="tx1"/>
+                </a:solidFill>
+                <a:latin typeface="Arial" charset="0"/>
+                <a:ea typeface="Arial" charset="0"/>
+                <a:cs typeface="Arial" charset="0"/>
+              </a:defRPr>
+            </a:lvl4pPr>
+            <a:lvl5pPr marL="2057400" indent="-228600" eaLnBrk="0" hangingPunct="0">
+              <a:defRPr>
+                <a:solidFill>
+                  <a:schemeClr val="tx1"/>
+                </a:solidFill>
+                <a:latin typeface="Arial" charset="0"/>
+                <a:ea typeface="Arial" charset="0"/>
+                <a:cs typeface="Arial" charset="0"/>
+              </a:defRPr>
+            </a:lvl5pPr>
+            <a:lvl6pPr marL="2514600" indent="-228600" eaLnBrk="0" fontAlgn="base" hangingPunct="0">
+              <a:spcBef>
+                <a:spcPct val="0"/>
+              </a:spcBef>
+              <a:spcAft>
+                <a:spcPct val="0"/>
+              </a:spcAft>
+              <a:defRPr>
+                <a:solidFill>
+                  <a:schemeClr val="tx1"/>
+                </a:solidFill>
+                <a:latin typeface="Arial" charset="0"/>
+                <a:ea typeface="Arial" charset="0"/>
+                <a:cs typeface="Arial" charset="0"/>
+              </a:defRPr>
+            </a:lvl6pPr>
+            <a:lvl7pPr marL="2971800" indent="-228600" eaLnBrk="0" fontAlgn="base" hangingPunct="0">
+              <a:spcBef>
+                <a:spcPct val="0"/>
+              </a:spcBef>
+              <a:spcAft>
+                <a:spcPct val="0"/>
+              </a:spcAft>
+              <a:defRPr>
+                <a:solidFill>
+                  <a:schemeClr val="tx1"/>
+                </a:solidFill>
+                <a:latin typeface="Arial" charset="0"/>
+                <a:ea typeface="Arial" charset="0"/>
+                <a:cs typeface="Arial" charset="0"/>
+              </a:defRPr>
+            </a:lvl7pPr>
+            <a:lvl8pPr marL="3429000" indent="-228600" eaLnBrk="0" fontAlgn="base" hangingPunct="0">
+              <a:spcBef>
+                <a:spcPct val="0"/>
+              </a:spcBef>
+              <a:spcAft>
+                <a:spcPct val="0"/>
+              </a:spcAft>
+              <a:defRPr>
+                <a:solidFill>
+                  <a:schemeClr val="tx1"/>
+                </a:solidFill>
+                <a:latin typeface="Arial" charset="0"/>
+                <a:ea typeface="Arial" charset="0"/>
+                <a:cs typeface="Arial" charset="0"/>
+              </a:defRPr>
+            </a:lvl8pPr>
+            <a:lvl9pPr marL="3886200" indent="-228600" eaLnBrk="0" fontAlgn="base" hangingPunct="0">
+              <a:spcBef>
+                <a:spcPct val="0"/>
+              </a:spcBef>
+              <a:spcAft>
+                <a:spcPct val="0"/>
+              </a:spcAft>
+              <a:defRPr>
+                <a:solidFill>
+                  <a:schemeClr val="tx1"/>
+                </a:solidFill>
+                <a:latin typeface="Arial" charset="0"/>
+                <a:ea typeface="Arial" charset="0"/>
+                <a:cs typeface="Arial" charset="0"/>
+              </a:defRPr>
+            </a:lvl9pPr>
+          </a:lstStyle>
+          <a:p>
+            <a:pPr eaLnBrk="1" hangingPunct="1"/>
+            <a:fld id="{0EE915F5-63AE-4119-A87B-286572AAB8FF}" type="datetime1">
+              <a:rPr lang="en-US" smtClean="0">
+                <a:latin typeface="Garamond" charset="0"/>
+              </a:rPr>
+              <a:t>9/25/2019</a:t>
+            </a:fld>
+            <a:endParaRPr lang="en-US">
+              <a:latin typeface="Garamond" charset="0"/>
+            </a:endParaRPr>
+          </a:p>
+        </p:txBody>
+      </p:sp>
+      <p:sp>
+        <p:nvSpPr>
+          <p:cNvPr id="5" name="Footer Placeholder 4"/>
+          <p:cNvSpPr>
+            <a:spLocks noGrp="1"/>
+          </p:cNvSpPr>
+          <p:nvPr>
+            <p:ph type="ftr" sz="quarter" idx="11"/>
+          </p:nvPr>
+        </p:nvSpPr>
+        <p:spPr/>
+        <p:txBody>
+          <a:bodyPr/>
+          <a:lstStyle/>
+          <a:p>
+            <a:pPr>
+              <a:defRPr/>
+            </a:pPr>
+            <a:r>
+              <a:rPr lang="en-US" altLang="en-US"/>
+              <a:t>Microprocessors I:  Lecture 8</a:t>
+            </a:r>
+          </a:p>
+        </p:txBody>
+      </p:sp>
+      <p:sp>
+        <p:nvSpPr>
+          <p:cNvPr id="6" name="Slide Number Placeholder 5"/>
+          <p:cNvSpPr>
+            <a:spLocks noGrp="1"/>
+          </p:cNvSpPr>
+          <p:nvPr>
+            <p:ph type="sldNum" sz="quarter" idx="12"/>
+          </p:nvPr>
+        </p:nvSpPr>
+        <p:spPr/>
+        <p:txBody>
+          <a:bodyPr/>
+          <a:lstStyle>
+            <a:lvl1pPr eaLnBrk="0" hangingPunct="0">
+              <a:defRPr>
+                <a:solidFill>
+                  <a:schemeClr val="tx1"/>
+                </a:solidFill>
+                <a:latin typeface="Arial" charset="0"/>
+                <a:ea typeface="ＭＳ Ｐゴシック" charset="0"/>
+                <a:cs typeface="Arial" charset="0"/>
+              </a:defRPr>
+            </a:lvl1pPr>
+            <a:lvl2pPr marL="742950" indent="-285750" eaLnBrk="0" hangingPunct="0">
+              <a:defRPr>
+                <a:solidFill>
+                  <a:schemeClr val="tx1"/>
+                </a:solidFill>
+                <a:latin typeface="Arial" charset="0"/>
+                <a:ea typeface="Arial" charset="0"/>
+                <a:cs typeface="Arial" charset="0"/>
+              </a:defRPr>
+            </a:lvl2pPr>
+            <a:lvl3pPr marL="1143000" indent="-228600" eaLnBrk="0" hangingPunct="0">
+              <a:defRPr>
+                <a:solidFill>
+                  <a:schemeClr val="tx1"/>
+                </a:solidFill>
+                <a:latin typeface="Arial" charset="0"/>
+                <a:ea typeface="Arial" charset="0"/>
+                <a:cs typeface="Arial" charset="0"/>
+              </a:defRPr>
+            </a:lvl3pPr>
+            <a:lvl4pPr marL="1600200" indent="-228600" eaLnBrk="0" hangingPunct="0">
+              <a:defRPr>
+                <a:solidFill>
+                  <a:schemeClr val="tx1"/>
+                </a:solidFill>
+                <a:latin typeface="Arial" charset="0"/>
+                <a:ea typeface="Arial" charset="0"/>
+                <a:cs typeface="Arial" charset="0"/>
+              </a:defRPr>
+            </a:lvl4pPr>
+            <a:lvl5pPr marL="2057400" indent="-228600" eaLnBrk="0" hangingPunct="0">
+              <a:defRPr>
+                <a:solidFill>
+                  <a:schemeClr val="tx1"/>
+                </a:solidFill>
+                <a:latin typeface="Arial" charset="0"/>
+                <a:ea typeface="Arial" charset="0"/>
+                <a:cs typeface="Arial" charset="0"/>
+              </a:defRPr>
+            </a:lvl5pPr>
+            <a:lvl6pPr marL="2514600" indent="-228600" eaLnBrk="0" fontAlgn="base" hangingPunct="0">
+              <a:spcBef>
+                <a:spcPct val="0"/>
+              </a:spcBef>
+              <a:spcAft>
+                <a:spcPct val="0"/>
+              </a:spcAft>
+              <a:defRPr>
+                <a:solidFill>
+                  <a:schemeClr val="tx1"/>
+                </a:solidFill>
+                <a:latin typeface="Arial" charset="0"/>
+                <a:ea typeface="Arial" charset="0"/>
+                <a:cs typeface="Arial" charset="0"/>
+              </a:defRPr>
+            </a:lvl6pPr>
+            <a:lvl7pPr marL="2971800" indent="-228600" eaLnBrk="0" fontAlgn="base" hangingPunct="0">
+              <a:spcBef>
+                <a:spcPct val="0"/>
+              </a:spcBef>
+              <a:spcAft>
+                <a:spcPct val="0"/>
+              </a:spcAft>
+              <a:defRPr>
+                <a:solidFill>
+                  <a:schemeClr val="tx1"/>
+                </a:solidFill>
+                <a:latin typeface="Arial" charset="0"/>
+                <a:ea typeface="Arial" charset="0"/>
+                <a:cs typeface="Arial" charset="0"/>
+              </a:defRPr>
+            </a:lvl7pPr>
+            <a:lvl8pPr marL="3429000" indent="-228600" eaLnBrk="0" fontAlgn="base" hangingPunct="0">
+              <a:spcBef>
+                <a:spcPct val="0"/>
+              </a:spcBef>
+              <a:spcAft>
+                <a:spcPct val="0"/>
+              </a:spcAft>
+              <a:defRPr>
+                <a:solidFill>
+                  <a:schemeClr val="tx1"/>
+                </a:solidFill>
+                <a:latin typeface="Arial" charset="0"/>
+                <a:ea typeface="Arial" charset="0"/>
+                <a:cs typeface="Arial" charset="0"/>
+              </a:defRPr>
+            </a:lvl8pPr>
+            <a:lvl9pPr marL="3886200" indent="-228600" eaLnBrk="0" fontAlgn="base" hangingPunct="0">
+              <a:spcBef>
+                <a:spcPct val="0"/>
+              </a:spcBef>
+              <a:spcAft>
+                <a:spcPct val="0"/>
+              </a:spcAft>
+              <a:defRPr>
+                <a:solidFill>
+                  <a:schemeClr val="tx1"/>
+                </a:solidFill>
+                <a:latin typeface="Arial" charset="0"/>
+                <a:ea typeface="Arial" charset="0"/>
+                <a:cs typeface="Arial" charset="0"/>
+              </a:defRPr>
+            </a:lvl9pPr>
+          </a:lstStyle>
+          <a:p>
+            <a:pPr eaLnBrk="1" hangingPunct="1"/>
+            <a:fld id="{E9E7D69B-7498-B04C-9FE8-D21C1A6A4930}" type="slidenum">
+              <a:rPr lang="en-US">
+                <a:latin typeface="Garamond" charset="0"/>
+              </a:rPr>
+              <a:pPr eaLnBrk="1" hangingPunct="1"/>
+              <a:t>15</a:t>
+            </a:fld>
+            <a:endParaRPr lang="en-US">
+              <a:latin typeface="Garamond" charset="0"/>
+            </a:endParaRPr>
+          </a:p>
+        </p:txBody>
+      </p:sp>
+    </p:spTree>
+    <p:extLst>
+      <p:ext uri="{BB962C8B-B14F-4D97-AF65-F5344CB8AC3E}">
+        <p14:creationId xmlns:p14="http://schemas.microsoft.com/office/powerpoint/2010/main" val="1961500552"/>
+      </p:ext>
+    </p:extLst>
+  </p:cSld>
+  <p:clrMapOvr>
+    <a:masterClrMapping/>
+  </p:clrMapOvr>
+</p:sld>
+</file>
+
+<file path=ppt/slides/slide16.xml><?xml version="1.0" encoding="utf-8"?>
+<p:sld xmlns:a="http://schemas.openxmlformats.org/drawingml/2006/main" xmlns:r="http://schemas.openxmlformats.org/officeDocument/2006/relationships" xmlns:p="http://schemas.openxmlformats.org/presentationml/2006/main">
+  <p:cSld>
+    <p:spTree>
+      <p:nvGrpSpPr>
+        <p:cNvPr id="1" name=""/>
+        <p:cNvGrpSpPr/>
+        <p:nvPr/>
+      </p:nvGrpSpPr>
+      <p:grpSpPr>
+        <a:xfrm>
+          <a:off x="0" y="0"/>
+          <a:ext cx="0" cy="0"/>
+          <a:chOff x="0" y="0"/>
+          <a:chExt cx="0" cy="0"/>
+        </a:xfrm>
+      </p:grpSpPr>
+      <p:sp>
+        <p:nvSpPr>
+          <p:cNvPr id="11266" name="Title 1"/>
+          <p:cNvSpPr>
+            <a:spLocks noGrp="1"/>
+          </p:cNvSpPr>
+          <p:nvPr>
+            <p:ph type="title"/>
+          </p:nvPr>
+        </p:nvSpPr>
+        <p:spPr/>
+        <p:txBody>
+          <a:bodyPr/>
+          <a:lstStyle/>
+          <a:p>
+            <a:r>
+              <a:rPr lang="en-US">
+                <a:latin typeface="Garamond" charset="0"/>
+              </a:rPr>
+              <a:t>Solution</a:t>
+            </a:r>
+          </a:p>
+        </p:txBody>
+      </p:sp>
+      <p:sp>
+        <p:nvSpPr>
+          <p:cNvPr id="3" name="Content Placeholder 2"/>
+          <p:cNvSpPr>
+            <a:spLocks noGrp="1"/>
+          </p:cNvSpPr>
+          <p:nvPr>
+            <p:ph idx="1"/>
+          </p:nvPr>
+        </p:nvSpPr>
+        <p:spPr/>
+        <p:txBody>
+          <a:bodyPr>
+            <a:normAutofit fontScale="92500" lnSpcReduction="20000"/>
+          </a:bodyPr>
+          <a:lstStyle/>
+          <a:p>
+            <a:pPr>
+              <a:buFont typeface="Wingdings" pitchFamily="2" charset="2"/>
+              <a:buChar char="n"/>
+              <a:defRPr/>
+            </a:pPr>
+            <a:r>
+              <a:rPr lang="en-US" dirty="0">
+                <a:solidFill>
+                  <a:srgbClr val="FF0000"/>
+                </a:solidFill>
+                <a:ea typeface="+mn-ea"/>
+              </a:rPr>
+              <a:t>Consider that BH = 0xFF = 1111 1111</a:t>
+            </a:r>
+            <a:r>
+              <a:rPr lang="en-US" baseline="-25000" dirty="0">
+                <a:solidFill>
+                  <a:srgbClr val="FF0000"/>
+                </a:solidFill>
+                <a:ea typeface="+mn-ea"/>
+              </a:rPr>
+              <a:t>2</a:t>
+            </a:r>
+            <a:endParaRPr lang="en-US" dirty="0">
+              <a:solidFill>
+                <a:srgbClr val="FF0000"/>
+              </a:solidFill>
+              <a:ea typeface="+mn-ea"/>
+            </a:endParaRPr>
+          </a:p>
+          <a:p>
+            <a:pPr lvl="1">
+              <a:buFont typeface="Wingdings" pitchFamily="2" charset="2"/>
+              <a:buChar char="q"/>
+              <a:defRPr/>
+            </a:pPr>
+            <a:r>
+              <a:rPr lang="en-US" dirty="0">
+                <a:solidFill>
+                  <a:srgbClr val="FF0000"/>
+                </a:solidFill>
+              </a:rPr>
+              <a:t>As unsigned value, 0xFF = 255</a:t>
+            </a:r>
+            <a:r>
+              <a:rPr lang="en-US" baseline="-25000" dirty="0">
+                <a:solidFill>
+                  <a:srgbClr val="FF0000"/>
+                </a:solidFill>
+              </a:rPr>
+              <a:t>10</a:t>
+            </a:r>
+            <a:endParaRPr lang="en-US" dirty="0">
+              <a:solidFill>
+                <a:srgbClr val="FF0000"/>
+              </a:solidFill>
+            </a:endParaRPr>
+          </a:p>
+          <a:p>
+            <a:pPr lvl="1">
+              <a:buFont typeface="Wingdings" pitchFamily="2" charset="2"/>
+              <a:buChar char="q"/>
+              <a:defRPr/>
+            </a:pPr>
+            <a:r>
+              <a:rPr lang="en-US" dirty="0">
+                <a:solidFill>
+                  <a:srgbClr val="FF0000"/>
+                </a:solidFill>
+              </a:rPr>
+              <a:t>As signed value, 0xFF = -1</a:t>
+            </a:r>
+            <a:r>
+              <a:rPr lang="en-US" baseline="-25000" dirty="0">
+                <a:solidFill>
+                  <a:srgbClr val="FF0000"/>
+                </a:solidFill>
+              </a:rPr>
+              <a:t>10</a:t>
+            </a:r>
+            <a:endParaRPr lang="en-US" dirty="0">
+              <a:solidFill>
+                <a:srgbClr val="FF0000"/>
+              </a:solidFill>
+            </a:endParaRPr>
+          </a:p>
+          <a:p>
+            <a:pPr>
+              <a:buFont typeface="Wingdings" pitchFamily="2" charset="2"/>
+              <a:buChar char="n"/>
+              <a:defRPr/>
+            </a:pPr>
+            <a:r>
+              <a:rPr lang="en-US" dirty="0">
+                <a:solidFill>
+                  <a:srgbClr val="FF0000"/>
+                </a:solidFill>
+                <a:ea typeface="+mn-ea"/>
+              </a:rPr>
+              <a:t>MUL	BL</a:t>
+            </a:r>
+          </a:p>
+          <a:p>
+            <a:pPr lvl="1">
+              <a:buFont typeface="Wingdings" pitchFamily="2" charset="2"/>
+              <a:buChar char="q"/>
+              <a:defRPr/>
+            </a:pPr>
+            <a:r>
+              <a:rPr lang="en-US" dirty="0">
+                <a:solidFill>
+                  <a:srgbClr val="FF0000"/>
+                </a:solidFill>
+              </a:rPr>
+              <a:t>AX = AL * BL = 0x05 * 0x02 = 5 * 2 = 10</a:t>
+            </a:r>
+            <a:r>
+              <a:rPr lang="en-US" baseline="-25000" dirty="0">
+                <a:solidFill>
+                  <a:srgbClr val="FF0000"/>
+                </a:solidFill>
+              </a:rPr>
+              <a:t>10</a:t>
+            </a:r>
+            <a:r>
+              <a:rPr lang="en-US" dirty="0">
+                <a:solidFill>
+                  <a:srgbClr val="FF0000"/>
+                </a:solidFill>
+              </a:rPr>
+              <a:t> = </a:t>
+            </a:r>
+            <a:r>
+              <a:rPr lang="en-US" b="1" u="sng" dirty="0">
+                <a:solidFill>
+                  <a:srgbClr val="FF0000"/>
+                </a:solidFill>
+              </a:rPr>
+              <a:t>0x000A</a:t>
+            </a:r>
+          </a:p>
+          <a:p>
+            <a:pPr>
+              <a:buFont typeface="Wingdings" pitchFamily="2" charset="2"/>
+              <a:buChar char="n"/>
+              <a:defRPr/>
+            </a:pPr>
+            <a:r>
+              <a:rPr lang="en-US" dirty="0">
+                <a:solidFill>
+                  <a:srgbClr val="FF0000"/>
+                </a:solidFill>
+                <a:ea typeface="+mn-ea"/>
+              </a:rPr>
+              <a:t>MUL	BH</a:t>
+            </a:r>
+          </a:p>
+          <a:p>
+            <a:pPr lvl="1">
+              <a:buFont typeface="Wingdings" pitchFamily="2" charset="2"/>
+              <a:buChar char="q"/>
+              <a:defRPr/>
+            </a:pPr>
+            <a:r>
+              <a:rPr lang="en-US" dirty="0">
+                <a:solidFill>
+                  <a:srgbClr val="FF0000"/>
+                </a:solidFill>
+              </a:rPr>
+              <a:t>Unsigned multiplication</a:t>
+            </a:r>
+          </a:p>
+          <a:p>
+            <a:pPr lvl="1">
+              <a:buFont typeface="Wingdings" pitchFamily="2" charset="2"/>
+              <a:buChar char="q"/>
+              <a:defRPr/>
+            </a:pPr>
+            <a:r>
+              <a:rPr lang="en-US" dirty="0">
+                <a:solidFill>
+                  <a:srgbClr val="FF0000"/>
+                </a:solidFill>
+              </a:rPr>
+              <a:t>AX = AL * BH = 0x05 * 0xFF = 5 * 255 = 1275</a:t>
+            </a:r>
+            <a:r>
+              <a:rPr lang="en-US" baseline="-25000" dirty="0">
+                <a:solidFill>
+                  <a:srgbClr val="FF0000"/>
+                </a:solidFill>
+              </a:rPr>
+              <a:t>10</a:t>
+            </a:r>
+            <a:r>
+              <a:rPr lang="en-US" dirty="0">
+                <a:solidFill>
+                  <a:srgbClr val="FF0000"/>
+                </a:solidFill>
+              </a:rPr>
+              <a:t> </a:t>
+            </a:r>
+          </a:p>
+          <a:p>
+            <a:pPr marL="344487" lvl="1" indent="0">
+              <a:buFont typeface="Wingdings" pitchFamily="2" charset="2"/>
+              <a:buNone/>
+              <a:defRPr/>
+            </a:pPr>
+            <a:r>
+              <a:rPr lang="en-US" dirty="0">
+                <a:solidFill>
+                  <a:srgbClr val="FF0000"/>
+                </a:solidFill>
+              </a:rPr>
+              <a:t>	   = </a:t>
+            </a:r>
+            <a:r>
+              <a:rPr lang="en-US" b="1" u="sng" dirty="0">
+                <a:solidFill>
+                  <a:srgbClr val="FF0000"/>
+                </a:solidFill>
+              </a:rPr>
+              <a:t>0x04FB</a:t>
+            </a:r>
+            <a:r>
+              <a:rPr lang="en-US" dirty="0">
+                <a:solidFill>
+                  <a:srgbClr val="FF0000"/>
+                </a:solidFill>
+              </a:rPr>
+              <a:t> </a:t>
+            </a:r>
+          </a:p>
+          <a:p>
+            <a:pPr>
+              <a:buFont typeface="Wingdings" pitchFamily="2" charset="2"/>
+              <a:buChar char="n"/>
+              <a:defRPr/>
+            </a:pPr>
+            <a:r>
+              <a:rPr lang="en-US" dirty="0">
+                <a:solidFill>
+                  <a:srgbClr val="FF0000"/>
+                </a:solidFill>
+                <a:ea typeface="+mn-ea"/>
+              </a:rPr>
+              <a:t>IMUL	BH</a:t>
+            </a:r>
+          </a:p>
+          <a:p>
+            <a:pPr lvl="1">
+              <a:buFont typeface="Wingdings" pitchFamily="2" charset="2"/>
+              <a:buChar char="q"/>
+              <a:defRPr/>
+            </a:pPr>
+            <a:r>
+              <a:rPr lang="en-US" dirty="0">
+                <a:solidFill>
+                  <a:srgbClr val="FF0000"/>
+                </a:solidFill>
+              </a:rPr>
+              <a:t>Signed multiplication</a:t>
+            </a:r>
+          </a:p>
+          <a:p>
+            <a:pPr lvl="1">
+              <a:buFont typeface="Wingdings" pitchFamily="2" charset="2"/>
+              <a:buChar char="q"/>
+              <a:defRPr/>
+            </a:pPr>
+            <a:r>
+              <a:rPr lang="en-US" dirty="0">
+                <a:solidFill>
+                  <a:srgbClr val="FF0000"/>
+                </a:solidFill>
+              </a:rPr>
+              <a:t>AX = AL * BH = 0x05 * 0xFF = 5 * -1 = -5</a:t>
+            </a:r>
+            <a:r>
+              <a:rPr lang="en-US" baseline="-25000" dirty="0">
+                <a:solidFill>
+                  <a:srgbClr val="FF0000"/>
+                </a:solidFill>
+              </a:rPr>
+              <a:t>10</a:t>
+            </a:r>
+            <a:r>
+              <a:rPr lang="en-US" dirty="0">
+                <a:solidFill>
+                  <a:srgbClr val="FF0000"/>
+                </a:solidFill>
+              </a:rPr>
+              <a:t> = 0x</a:t>
+            </a:r>
+            <a:r>
+              <a:rPr lang="en-US" b="1" u="sng" dirty="0">
+                <a:solidFill>
+                  <a:srgbClr val="FF0000"/>
+                </a:solidFill>
+              </a:rPr>
+              <a:t>FFFB</a:t>
+            </a:r>
+            <a:endParaRPr lang="en-US" dirty="0">
+              <a:solidFill>
+                <a:srgbClr val="FF0000"/>
+              </a:solidFill>
+            </a:endParaRPr>
+          </a:p>
+        </p:txBody>
+      </p:sp>
+      <p:sp>
+        <p:nvSpPr>
+          <p:cNvPr id="4" name="Date Placeholder 3"/>
+          <p:cNvSpPr>
+            <a:spLocks noGrp="1"/>
+          </p:cNvSpPr>
+          <p:nvPr>
+            <p:ph type="dt" sz="quarter" idx="10"/>
+          </p:nvPr>
+        </p:nvSpPr>
+        <p:spPr/>
+        <p:txBody>
+          <a:bodyPr/>
+          <a:lstStyle>
+            <a:lvl1pPr eaLnBrk="0" hangingPunct="0">
+              <a:defRPr>
+                <a:solidFill>
+                  <a:schemeClr val="tx1"/>
+                </a:solidFill>
+                <a:latin typeface="Arial" charset="0"/>
+                <a:ea typeface="ＭＳ Ｐゴシック" charset="0"/>
+                <a:cs typeface="Arial" charset="0"/>
+              </a:defRPr>
+            </a:lvl1pPr>
+            <a:lvl2pPr marL="742950" indent="-285750" eaLnBrk="0" hangingPunct="0">
+              <a:defRPr>
+                <a:solidFill>
+                  <a:schemeClr val="tx1"/>
+                </a:solidFill>
+                <a:latin typeface="Arial" charset="0"/>
+                <a:ea typeface="Arial" charset="0"/>
+                <a:cs typeface="Arial" charset="0"/>
+              </a:defRPr>
+            </a:lvl2pPr>
+            <a:lvl3pPr marL="1143000" indent="-228600" eaLnBrk="0" hangingPunct="0">
+              <a:defRPr>
+                <a:solidFill>
+                  <a:schemeClr val="tx1"/>
+                </a:solidFill>
+                <a:latin typeface="Arial" charset="0"/>
+                <a:ea typeface="Arial" charset="0"/>
+                <a:cs typeface="Arial" charset="0"/>
+              </a:defRPr>
+            </a:lvl3pPr>
+            <a:lvl4pPr marL="1600200" indent="-228600" eaLnBrk="0" hangingPunct="0">
+              <a:defRPr>
+                <a:solidFill>
+                  <a:schemeClr val="tx1"/>
+                </a:solidFill>
+                <a:latin typeface="Arial" charset="0"/>
+                <a:ea typeface="Arial" charset="0"/>
+                <a:cs typeface="Arial" charset="0"/>
+              </a:defRPr>
+            </a:lvl4pPr>
+            <a:lvl5pPr marL="2057400" indent="-228600" eaLnBrk="0" hangingPunct="0">
+              <a:defRPr>
+                <a:solidFill>
+                  <a:schemeClr val="tx1"/>
+                </a:solidFill>
+                <a:latin typeface="Arial" charset="0"/>
+                <a:ea typeface="Arial" charset="0"/>
+                <a:cs typeface="Arial" charset="0"/>
+              </a:defRPr>
+            </a:lvl5pPr>
+            <a:lvl6pPr marL="2514600" indent="-228600" eaLnBrk="0" fontAlgn="base" hangingPunct="0">
+              <a:spcBef>
+                <a:spcPct val="0"/>
+              </a:spcBef>
+              <a:spcAft>
+                <a:spcPct val="0"/>
+              </a:spcAft>
+              <a:defRPr>
+                <a:solidFill>
+                  <a:schemeClr val="tx1"/>
+                </a:solidFill>
+                <a:latin typeface="Arial" charset="0"/>
+                <a:ea typeface="Arial" charset="0"/>
+                <a:cs typeface="Arial" charset="0"/>
+              </a:defRPr>
+            </a:lvl6pPr>
+            <a:lvl7pPr marL="2971800" indent="-228600" eaLnBrk="0" fontAlgn="base" hangingPunct="0">
+              <a:spcBef>
+                <a:spcPct val="0"/>
+              </a:spcBef>
+              <a:spcAft>
+                <a:spcPct val="0"/>
+              </a:spcAft>
+              <a:defRPr>
+                <a:solidFill>
+                  <a:schemeClr val="tx1"/>
+                </a:solidFill>
+                <a:latin typeface="Arial" charset="0"/>
+                <a:ea typeface="Arial" charset="0"/>
+                <a:cs typeface="Arial" charset="0"/>
+              </a:defRPr>
+            </a:lvl7pPr>
+            <a:lvl8pPr marL="3429000" indent="-228600" eaLnBrk="0" fontAlgn="base" hangingPunct="0">
+              <a:spcBef>
+                <a:spcPct val="0"/>
+              </a:spcBef>
+              <a:spcAft>
+                <a:spcPct val="0"/>
+              </a:spcAft>
+              <a:defRPr>
+                <a:solidFill>
+                  <a:schemeClr val="tx1"/>
+                </a:solidFill>
+                <a:latin typeface="Arial" charset="0"/>
+                <a:ea typeface="Arial" charset="0"/>
+                <a:cs typeface="Arial" charset="0"/>
+              </a:defRPr>
+            </a:lvl8pPr>
+            <a:lvl9pPr marL="3886200" indent="-228600" eaLnBrk="0" fontAlgn="base" hangingPunct="0">
+              <a:spcBef>
+                <a:spcPct val="0"/>
+              </a:spcBef>
+              <a:spcAft>
+                <a:spcPct val="0"/>
+              </a:spcAft>
+              <a:defRPr>
+                <a:solidFill>
+                  <a:schemeClr val="tx1"/>
+                </a:solidFill>
+                <a:latin typeface="Arial" charset="0"/>
+                <a:ea typeface="Arial" charset="0"/>
+                <a:cs typeface="Arial" charset="0"/>
+              </a:defRPr>
+            </a:lvl9pPr>
+          </a:lstStyle>
+          <a:p>
+            <a:pPr eaLnBrk="1" hangingPunct="1"/>
+            <a:fld id="{AFBD0FFF-EF86-42FF-A184-4CF6609DA639}" type="datetime1">
+              <a:rPr lang="en-US" smtClean="0">
+                <a:latin typeface="Garamond" charset="0"/>
+              </a:rPr>
+              <a:t>9/25/2019</a:t>
+            </a:fld>
+            <a:endParaRPr lang="en-US">
+              <a:latin typeface="Garamond" charset="0"/>
+            </a:endParaRPr>
+          </a:p>
+        </p:txBody>
+      </p:sp>
+      <p:sp>
+        <p:nvSpPr>
+          <p:cNvPr id="5" name="Footer Placeholder 4"/>
+          <p:cNvSpPr>
+            <a:spLocks noGrp="1"/>
+          </p:cNvSpPr>
+          <p:nvPr>
+            <p:ph type="ftr" sz="quarter" idx="11"/>
+          </p:nvPr>
+        </p:nvSpPr>
+        <p:spPr/>
+        <p:txBody>
+          <a:bodyPr/>
+          <a:lstStyle/>
+          <a:p>
+            <a:pPr>
+              <a:defRPr/>
+            </a:pPr>
+            <a:r>
+              <a:rPr lang="en-US" altLang="en-US"/>
+              <a:t>Microprocessors I:  Lecture 8</a:t>
+            </a:r>
+          </a:p>
+        </p:txBody>
+      </p:sp>
+      <p:sp>
+        <p:nvSpPr>
+          <p:cNvPr id="6" name="Slide Number Placeholder 5"/>
+          <p:cNvSpPr>
+            <a:spLocks noGrp="1"/>
+          </p:cNvSpPr>
+          <p:nvPr>
+            <p:ph type="sldNum" sz="quarter" idx="12"/>
+          </p:nvPr>
+        </p:nvSpPr>
+        <p:spPr/>
+        <p:txBody>
+          <a:bodyPr/>
+          <a:lstStyle>
+            <a:lvl1pPr eaLnBrk="0" hangingPunct="0">
+              <a:defRPr>
+                <a:solidFill>
+                  <a:schemeClr val="tx1"/>
+                </a:solidFill>
+                <a:latin typeface="Arial" charset="0"/>
+                <a:ea typeface="ＭＳ Ｐゴシック" charset="0"/>
+                <a:cs typeface="Arial" charset="0"/>
+              </a:defRPr>
+            </a:lvl1pPr>
+            <a:lvl2pPr marL="742950" indent="-285750" eaLnBrk="0" hangingPunct="0">
+              <a:defRPr>
+                <a:solidFill>
+                  <a:schemeClr val="tx1"/>
+                </a:solidFill>
+                <a:latin typeface="Arial" charset="0"/>
+                <a:ea typeface="Arial" charset="0"/>
+                <a:cs typeface="Arial" charset="0"/>
+              </a:defRPr>
+            </a:lvl2pPr>
+            <a:lvl3pPr marL="1143000" indent="-228600" eaLnBrk="0" hangingPunct="0">
+              <a:defRPr>
+                <a:solidFill>
+                  <a:schemeClr val="tx1"/>
+                </a:solidFill>
+                <a:latin typeface="Arial" charset="0"/>
+                <a:ea typeface="Arial" charset="0"/>
+                <a:cs typeface="Arial" charset="0"/>
+              </a:defRPr>
+            </a:lvl3pPr>
+            <a:lvl4pPr marL="1600200" indent="-228600" eaLnBrk="0" hangingPunct="0">
+              <a:defRPr>
+                <a:solidFill>
+                  <a:schemeClr val="tx1"/>
+                </a:solidFill>
+                <a:latin typeface="Arial" charset="0"/>
+                <a:ea typeface="Arial" charset="0"/>
+                <a:cs typeface="Arial" charset="0"/>
+              </a:defRPr>
+            </a:lvl4pPr>
+            <a:lvl5pPr marL="2057400" indent="-228600" eaLnBrk="0" hangingPunct="0">
+              <a:defRPr>
+                <a:solidFill>
+                  <a:schemeClr val="tx1"/>
+                </a:solidFill>
+                <a:latin typeface="Arial" charset="0"/>
+                <a:ea typeface="Arial" charset="0"/>
+                <a:cs typeface="Arial" charset="0"/>
+              </a:defRPr>
+            </a:lvl5pPr>
+            <a:lvl6pPr marL="2514600" indent="-228600" eaLnBrk="0" fontAlgn="base" hangingPunct="0">
+              <a:spcBef>
+                <a:spcPct val="0"/>
+              </a:spcBef>
+              <a:spcAft>
+                <a:spcPct val="0"/>
+              </a:spcAft>
+              <a:defRPr>
+                <a:solidFill>
+                  <a:schemeClr val="tx1"/>
+                </a:solidFill>
+                <a:latin typeface="Arial" charset="0"/>
+                <a:ea typeface="Arial" charset="0"/>
+                <a:cs typeface="Arial" charset="0"/>
+              </a:defRPr>
+            </a:lvl6pPr>
+            <a:lvl7pPr marL="2971800" indent="-228600" eaLnBrk="0" fontAlgn="base" hangingPunct="0">
+              <a:spcBef>
+                <a:spcPct val="0"/>
+              </a:spcBef>
+              <a:spcAft>
+                <a:spcPct val="0"/>
+              </a:spcAft>
+              <a:defRPr>
+                <a:solidFill>
+                  <a:schemeClr val="tx1"/>
+                </a:solidFill>
+                <a:latin typeface="Arial" charset="0"/>
+                <a:ea typeface="Arial" charset="0"/>
+                <a:cs typeface="Arial" charset="0"/>
+              </a:defRPr>
+            </a:lvl7pPr>
+            <a:lvl8pPr marL="3429000" indent="-228600" eaLnBrk="0" fontAlgn="base" hangingPunct="0">
+              <a:spcBef>
+                <a:spcPct val="0"/>
+              </a:spcBef>
+              <a:spcAft>
+                <a:spcPct val="0"/>
+              </a:spcAft>
+              <a:defRPr>
+                <a:solidFill>
+                  <a:schemeClr val="tx1"/>
+                </a:solidFill>
+                <a:latin typeface="Arial" charset="0"/>
+                <a:ea typeface="Arial" charset="0"/>
+                <a:cs typeface="Arial" charset="0"/>
+              </a:defRPr>
+            </a:lvl8pPr>
+            <a:lvl9pPr marL="3886200" indent="-228600" eaLnBrk="0" fontAlgn="base" hangingPunct="0">
+              <a:spcBef>
+                <a:spcPct val="0"/>
+              </a:spcBef>
+              <a:spcAft>
+                <a:spcPct val="0"/>
+              </a:spcAft>
+              <a:defRPr>
+                <a:solidFill>
+                  <a:schemeClr val="tx1"/>
+                </a:solidFill>
+                <a:latin typeface="Arial" charset="0"/>
+                <a:ea typeface="Arial" charset="0"/>
+                <a:cs typeface="Arial" charset="0"/>
+              </a:defRPr>
+            </a:lvl9pPr>
+          </a:lstStyle>
+          <a:p>
+            <a:pPr eaLnBrk="1" hangingPunct="1"/>
+            <a:fld id="{7B95B21D-3F62-994A-BA51-8550E1920094}" type="slidenum">
+              <a:rPr lang="en-US">
+                <a:latin typeface="Garamond" charset="0"/>
+              </a:rPr>
+              <a:pPr eaLnBrk="1" hangingPunct="1"/>
+              <a:t>16</a:t>
+            </a:fld>
+            <a:endParaRPr lang="en-US">
+              <a:latin typeface="Garamond" charset="0"/>
+            </a:endParaRPr>
+          </a:p>
+        </p:txBody>
+      </p:sp>
+    </p:spTree>
+    <p:extLst>
+      <p:ext uri="{BB962C8B-B14F-4D97-AF65-F5344CB8AC3E}">
+        <p14:creationId xmlns:p14="http://schemas.microsoft.com/office/powerpoint/2010/main" val="2791382778"/>
+      </p:ext>
+    </p:extLst>
+  </p:cSld>
+  <p:clrMapOvr>
+    <a:masterClrMapping/>
+  </p:clrMapOvr>
+</p:sld>
+</file>
+
+<file path=ppt/slides/slide17.xml><?xml version="1.0" encoding="utf-8"?>
+<p:sld xmlns:a="http://schemas.openxmlformats.org/drawingml/2006/main" xmlns:r="http://schemas.openxmlformats.org/officeDocument/2006/relationships" xmlns:p="http://schemas.openxmlformats.org/presentationml/2006/main">
+  <p:cSld>
+    <p:spTree>
+      <p:nvGrpSpPr>
+        <p:cNvPr id="1" name=""/>
+        <p:cNvGrpSpPr/>
+        <p:nvPr/>
+      </p:nvGrpSpPr>
+      <p:grpSpPr>
+        <a:xfrm>
+          <a:off x="0" y="0"/>
+          <a:ext cx="0" cy="0"/>
+          <a:chOff x="0" y="0"/>
+          <a:chExt cx="0" cy="0"/>
+        </a:xfrm>
+      </p:grpSpPr>
+      <p:sp>
+        <p:nvSpPr>
+          <p:cNvPr id="12290" name="Title 1"/>
+          <p:cNvSpPr>
+            <a:spLocks noGrp="1"/>
+          </p:cNvSpPr>
+          <p:nvPr>
+            <p:ph type="title"/>
+          </p:nvPr>
+        </p:nvSpPr>
+        <p:spPr/>
+        <p:txBody>
+          <a:bodyPr/>
+          <a:lstStyle/>
+          <a:p>
+            <a:r>
+              <a:rPr lang="en-US">
+                <a:latin typeface="Garamond" charset="0"/>
+              </a:rPr>
+              <a:t>Solution (continued)</a:t>
+            </a:r>
+          </a:p>
+        </p:txBody>
+      </p:sp>
+      <p:sp>
+        <p:nvSpPr>
+          <p:cNvPr id="3" name="Content Placeholder 2"/>
+          <p:cNvSpPr>
+            <a:spLocks noGrp="1"/>
+          </p:cNvSpPr>
+          <p:nvPr>
+            <p:ph idx="1"/>
+          </p:nvPr>
+        </p:nvSpPr>
+        <p:spPr/>
+        <p:txBody>
+          <a:bodyPr>
+            <a:normAutofit fontScale="85000" lnSpcReduction="20000"/>
+          </a:bodyPr>
+          <a:lstStyle/>
+          <a:p>
+            <a:pPr>
+              <a:buFont typeface="Wingdings" pitchFamily="2" charset="2"/>
+              <a:buChar char="n"/>
+              <a:defRPr/>
+            </a:pPr>
+            <a:r>
+              <a:rPr lang="en-US" dirty="0">
+                <a:solidFill>
+                  <a:srgbClr val="FF0000"/>
+                </a:solidFill>
+                <a:ea typeface="+mn-ea"/>
+              </a:rPr>
+              <a:t>Consider that BH = 0xFF = 1111 1111</a:t>
+            </a:r>
+            <a:r>
+              <a:rPr lang="en-US" baseline="-25000" dirty="0">
+                <a:solidFill>
+                  <a:srgbClr val="FF0000"/>
+                </a:solidFill>
+                <a:ea typeface="+mn-ea"/>
+              </a:rPr>
+              <a:t>2</a:t>
+            </a:r>
+            <a:endParaRPr lang="en-US" dirty="0">
+              <a:solidFill>
+                <a:srgbClr val="FF0000"/>
+              </a:solidFill>
+              <a:ea typeface="+mn-ea"/>
+            </a:endParaRPr>
+          </a:p>
+          <a:p>
+            <a:pPr lvl="1">
+              <a:buFont typeface="Wingdings" pitchFamily="2" charset="2"/>
+              <a:buChar char="q"/>
+              <a:defRPr/>
+            </a:pPr>
+            <a:r>
+              <a:rPr lang="en-US" dirty="0">
+                <a:solidFill>
+                  <a:srgbClr val="FF0000"/>
+                </a:solidFill>
+              </a:rPr>
+              <a:t>As unsigned value, 0xFF = 255</a:t>
+            </a:r>
+            <a:r>
+              <a:rPr lang="en-US" baseline="-25000" dirty="0">
+                <a:solidFill>
+                  <a:srgbClr val="FF0000"/>
+                </a:solidFill>
+              </a:rPr>
+              <a:t>10</a:t>
+            </a:r>
+            <a:endParaRPr lang="en-US" dirty="0">
+              <a:solidFill>
+                <a:srgbClr val="FF0000"/>
+              </a:solidFill>
+            </a:endParaRPr>
+          </a:p>
+          <a:p>
+            <a:pPr lvl="1">
+              <a:buFont typeface="Wingdings" pitchFamily="2" charset="2"/>
+              <a:buChar char="q"/>
+              <a:defRPr/>
+            </a:pPr>
+            <a:r>
+              <a:rPr lang="en-US" dirty="0">
+                <a:solidFill>
+                  <a:srgbClr val="FF0000"/>
+                </a:solidFill>
+              </a:rPr>
+              <a:t>As signed value, 0xFF = -1</a:t>
+            </a:r>
+            <a:r>
+              <a:rPr lang="en-US" baseline="-25000" dirty="0">
+                <a:solidFill>
+                  <a:srgbClr val="FF0000"/>
+                </a:solidFill>
+              </a:rPr>
+              <a:t>10</a:t>
+            </a:r>
+            <a:endParaRPr lang="en-US" dirty="0">
+              <a:solidFill>
+                <a:srgbClr val="FF0000"/>
+              </a:solidFill>
+            </a:endParaRPr>
+          </a:p>
+          <a:p>
+            <a:pPr>
+              <a:buFont typeface="Wingdings" pitchFamily="2" charset="2"/>
+              <a:buChar char="n"/>
+              <a:defRPr/>
+            </a:pPr>
+            <a:r>
+              <a:rPr lang="en-US" dirty="0">
+                <a:solidFill>
+                  <a:srgbClr val="FF0000"/>
+                </a:solidFill>
+                <a:ea typeface="+mn-ea"/>
+              </a:rPr>
+              <a:t>DIV	BL</a:t>
+            </a:r>
+          </a:p>
+          <a:p>
+            <a:pPr lvl="1">
+              <a:buFont typeface="Wingdings" pitchFamily="2" charset="2"/>
+              <a:buChar char="q"/>
+              <a:defRPr/>
+            </a:pPr>
+            <a:r>
+              <a:rPr lang="en-US" dirty="0">
+                <a:solidFill>
+                  <a:srgbClr val="FF0000"/>
+                </a:solidFill>
+              </a:rPr>
+              <a:t>AL = AX / BL = 0x0005 / 0x02 = 5 / 2 = </a:t>
+            </a:r>
+            <a:r>
+              <a:rPr lang="en-US" b="1" u="sng" dirty="0">
+                <a:solidFill>
+                  <a:srgbClr val="FF0000"/>
+                </a:solidFill>
+              </a:rPr>
+              <a:t>0x02</a:t>
+            </a:r>
+            <a:endParaRPr lang="en-US" dirty="0">
+              <a:solidFill>
+                <a:srgbClr val="FF0000"/>
+              </a:solidFill>
+            </a:endParaRPr>
+          </a:p>
+          <a:p>
+            <a:pPr lvl="1">
+              <a:buFont typeface="Wingdings" pitchFamily="2" charset="2"/>
+              <a:buChar char="q"/>
+              <a:defRPr/>
+            </a:pPr>
+            <a:r>
+              <a:rPr lang="en-US" dirty="0">
+                <a:solidFill>
+                  <a:srgbClr val="FF0000"/>
+                </a:solidFill>
+              </a:rPr>
+              <a:t>AH = AX % BL = 0x0005 % 0x02 = 5 % 2 = </a:t>
+            </a:r>
+            <a:r>
+              <a:rPr lang="en-US" b="1" u="sng" dirty="0">
+                <a:solidFill>
+                  <a:srgbClr val="FF0000"/>
+                </a:solidFill>
+              </a:rPr>
+              <a:t>0x01</a:t>
+            </a:r>
+            <a:endParaRPr lang="en-US" dirty="0">
+              <a:solidFill>
+                <a:srgbClr val="FF0000"/>
+              </a:solidFill>
+            </a:endParaRPr>
+          </a:p>
+          <a:p>
+            <a:pPr>
+              <a:buFont typeface="Wingdings" pitchFamily="2" charset="2"/>
+              <a:buChar char="n"/>
+              <a:defRPr/>
+            </a:pPr>
+            <a:r>
+              <a:rPr lang="en-US" dirty="0">
+                <a:solidFill>
+                  <a:srgbClr val="FF0000"/>
+                </a:solidFill>
+                <a:ea typeface="+mn-ea"/>
+              </a:rPr>
+              <a:t>DIV	BH</a:t>
+            </a:r>
+          </a:p>
+          <a:p>
+            <a:pPr lvl="1">
+              <a:buFont typeface="Wingdings" pitchFamily="2" charset="2"/>
+              <a:buChar char="q"/>
+              <a:defRPr/>
+            </a:pPr>
+            <a:r>
+              <a:rPr lang="en-US" dirty="0">
+                <a:solidFill>
+                  <a:srgbClr val="FF0000"/>
+                </a:solidFill>
+              </a:rPr>
+              <a:t>Unsigned division</a:t>
+            </a:r>
+          </a:p>
+          <a:p>
+            <a:pPr lvl="1">
+              <a:buFont typeface="Wingdings" pitchFamily="2" charset="2"/>
+              <a:buChar char="q"/>
+              <a:defRPr/>
+            </a:pPr>
+            <a:r>
+              <a:rPr lang="en-US" dirty="0">
+                <a:solidFill>
+                  <a:srgbClr val="FF0000"/>
+                </a:solidFill>
+              </a:rPr>
+              <a:t>AL = AX / BH = 0x0005 / 0xFF = 5 / 255 = </a:t>
+            </a:r>
+            <a:r>
+              <a:rPr lang="en-US" b="1" u="sng" dirty="0">
+                <a:solidFill>
+                  <a:srgbClr val="FF0000"/>
+                </a:solidFill>
+              </a:rPr>
+              <a:t>0x00</a:t>
+            </a:r>
+          </a:p>
+          <a:p>
+            <a:pPr lvl="1">
+              <a:buFont typeface="Wingdings" pitchFamily="2" charset="2"/>
+              <a:buChar char="q"/>
+              <a:defRPr/>
+            </a:pPr>
+            <a:r>
+              <a:rPr lang="en-US" dirty="0">
+                <a:solidFill>
+                  <a:srgbClr val="FF0000"/>
+                </a:solidFill>
+              </a:rPr>
+              <a:t>AH = AX % BH = 0x0005 / 0xFF = 5 % 255 = </a:t>
+            </a:r>
+            <a:r>
+              <a:rPr lang="en-US" b="1" u="sng" dirty="0">
+                <a:solidFill>
+                  <a:srgbClr val="FF0000"/>
+                </a:solidFill>
+              </a:rPr>
+              <a:t>0x05</a:t>
+            </a:r>
+            <a:endParaRPr lang="en-US" dirty="0">
+              <a:solidFill>
+                <a:srgbClr val="FF0000"/>
+              </a:solidFill>
+            </a:endParaRPr>
+          </a:p>
+          <a:p>
+            <a:pPr>
+              <a:buFont typeface="Wingdings" pitchFamily="2" charset="2"/>
+              <a:buChar char="n"/>
+              <a:defRPr/>
+            </a:pPr>
+            <a:r>
+              <a:rPr lang="en-US" dirty="0">
+                <a:solidFill>
+                  <a:srgbClr val="FF0000"/>
+                </a:solidFill>
+                <a:ea typeface="+mn-ea"/>
+              </a:rPr>
+              <a:t>IDIV	BH</a:t>
+            </a:r>
+          </a:p>
+          <a:p>
+            <a:pPr lvl="1">
+              <a:buFont typeface="Wingdings" pitchFamily="2" charset="2"/>
+              <a:buChar char="q"/>
+              <a:defRPr/>
+            </a:pPr>
+            <a:r>
+              <a:rPr lang="en-US" dirty="0">
+                <a:solidFill>
+                  <a:srgbClr val="FF0000"/>
+                </a:solidFill>
+              </a:rPr>
+              <a:t>Signed division</a:t>
+            </a:r>
+          </a:p>
+          <a:p>
+            <a:pPr lvl="1">
+              <a:buFont typeface="Wingdings" pitchFamily="2" charset="2"/>
+              <a:buChar char="q"/>
+              <a:defRPr/>
+            </a:pPr>
+            <a:r>
+              <a:rPr lang="en-US" dirty="0">
+                <a:solidFill>
+                  <a:srgbClr val="FF0000"/>
+                </a:solidFill>
+              </a:rPr>
+              <a:t>AL = AX / BH = 0x0005 / 0xFF = 5 / -1 = -5 = </a:t>
+            </a:r>
+            <a:r>
+              <a:rPr lang="en-US" b="1" u="sng" dirty="0">
+                <a:solidFill>
+                  <a:srgbClr val="FF0000"/>
+                </a:solidFill>
+              </a:rPr>
+              <a:t>0xFB</a:t>
+            </a:r>
+          </a:p>
+          <a:p>
+            <a:pPr lvl="1">
+              <a:buFont typeface="Wingdings" pitchFamily="2" charset="2"/>
+              <a:buChar char="q"/>
+              <a:defRPr/>
+            </a:pPr>
+            <a:r>
+              <a:rPr lang="en-US" dirty="0">
+                <a:solidFill>
+                  <a:srgbClr val="FF0000"/>
+                </a:solidFill>
+              </a:rPr>
+              <a:t>AH = AX % BH </a:t>
+            </a:r>
+            <a:r>
+              <a:rPr lang="en-US">
+                <a:solidFill>
+                  <a:srgbClr val="FF0000"/>
+                </a:solidFill>
+              </a:rPr>
+              <a:t>= 0x0005 % 0xFF </a:t>
+            </a:r>
+            <a:r>
+              <a:rPr lang="en-US" dirty="0">
+                <a:solidFill>
+                  <a:srgbClr val="FF0000"/>
+                </a:solidFill>
+              </a:rPr>
+              <a:t>= 5 % -1 = </a:t>
+            </a:r>
+            <a:r>
+              <a:rPr lang="en-US" b="1" u="sng" dirty="0">
+                <a:solidFill>
+                  <a:srgbClr val="FF0000"/>
+                </a:solidFill>
+              </a:rPr>
+              <a:t>0x00</a:t>
+            </a:r>
+            <a:endParaRPr lang="en-US" dirty="0">
+              <a:solidFill>
+                <a:srgbClr val="FF0000"/>
+              </a:solidFill>
+            </a:endParaRPr>
+          </a:p>
+        </p:txBody>
+      </p:sp>
+      <p:sp>
+        <p:nvSpPr>
+          <p:cNvPr id="4" name="Date Placeholder 3"/>
+          <p:cNvSpPr>
+            <a:spLocks noGrp="1"/>
+          </p:cNvSpPr>
+          <p:nvPr>
+            <p:ph type="dt" sz="quarter" idx="10"/>
+          </p:nvPr>
+        </p:nvSpPr>
+        <p:spPr/>
+        <p:txBody>
+          <a:bodyPr/>
+          <a:lstStyle>
+            <a:lvl1pPr eaLnBrk="0" hangingPunct="0">
+              <a:defRPr>
+                <a:solidFill>
+                  <a:schemeClr val="tx1"/>
+                </a:solidFill>
+                <a:latin typeface="Arial" charset="0"/>
+                <a:ea typeface="ＭＳ Ｐゴシック" charset="0"/>
+                <a:cs typeface="Arial" charset="0"/>
+              </a:defRPr>
+            </a:lvl1pPr>
+            <a:lvl2pPr marL="742950" indent="-285750" eaLnBrk="0" hangingPunct="0">
+              <a:defRPr>
+                <a:solidFill>
+                  <a:schemeClr val="tx1"/>
+                </a:solidFill>
+                <a:latin typeface="Arial" charset="0"/>
+                <a:ea typeface="Arial" charset="0"/>
+                <a:cs typeface="Arial" charset="0"/>
+              </a:defRPr>
+            </a:lvl2pPr>
+            <a:lvl3pPr marL="1143000" indent="-228600" eaLnBrk="0" hangingPunct="0">
+              <a:defRPr>
+                <a:solidFill>
+                  <a:schemeClr val="tx1"/>
+                </a:solidFill>
+                <a:latin typeface="Arial" charset="0"/>
+                <a:ea typeface="Arial" charset="0"/>
+                <a:cs typeface="Arial" charset="0"/>
+              </a:defRPr>
+            </a:lvl3pPr>
+            <a:lvl4pPr marL="1600200" indent="-228600" eaLnBrk="0" hangingPunct="0">
+              <a:defRPr>
+                <a:solidFill>
+                  <a:schemeClr val="tx1"/>
+                </a:solidFill>
+                <a:latin typeface="Arial" charset="0"/>
+                <a:ea typeface="Arial" charset="0"/>
+                <a:cs typeface="Arial" charset="0"/>
+              </a:defRPr>
+            </a:lvl4pPr>
+            <a:lvl5pPr marL="2057400" indent="-228600" eaLnBrk="0" hangingPunct="0">
+              <a:defRPr>
+                <a:solidFill>
+                  <a:schemeClr val="tx1"/>
+                </a:solidFill>
+                <a:latin typeface="Arial" charset="0"/>
+                <a:ea typeface="Arial" charset="0"/>
+                <a:cs typeface="Arial" charset="0"/>
+              </a:defRPr>
+            </a:lvl5pPr>
+            <a:lvl6pPr marL="2514600" indent="-228600" eaLnBrk="0" fontAlgn="base" hangingPunct="0">
+              <a:spcBef>
+                <a:spcPct val="0"/>
+              </a:spcBef>
+              <a:spcAft>
+                <a:spcPct val="0"/>
+              </a:spcAft>
+              <a:defRPr>
+                <a:solidFill>
+                  <a:schemeClr val="tx1"/>
+                </a:solidFill>
+                <a:latin typeface="Arial" charset="0"/>
+                <a:ea typeface="Arial" charset="0"/>
+                <a:cs typeface="Arial" charset="0"/>
+              </a:defRPr>
+            </a:lvl6pPr>
+            <a:lvl7pPr marL="2971800" indent="-228600" eaLnBrk="0" fontAlgn="base" hangingPunct="0">
+              <a:spcBef>
+                <a:spcPct val="0"/>
+              </a:spcBef>
+              <a:spcAft>
+                <a:spcPct val="0"/>
+              </a:spcAft>
+              <a:defRPr>
+                <a:solidFill>
+                  <a:schemeClr val="tx1"/>
+                </a:solidFill>
+                <a:latin typeface="Arial" charset="0"/>
+                <a:ea typeface="Arial" charset="0"/>
+                <a:cs typeface="Arial" charset="0"/>
+              </a:defRPr>
+            </a:lvl7pPr>
+            <a:lvl8pPr marL="3429000" indent="-228600" eaLnBrk="0" fontAlgn="base" hangingPunct="0">
+              <a:spcBef>
+                <a:spcPct val="0"/>
+              </a:spcBef>
+              <a:spcAft>
+                <a:spcPct val="0"/>
+              </a:spcAft>
+              <a:defRPr>
+                <a:solidFill>
+                  <a:schemeClr val="tx1"/>
+                </a:solidFill>
+                <a:latin typeface="Arial" charset="0"/>
+                <a:ea typeface="Arial" charset="0"/>
+                <a:cs typeface="Arial" charset="0"/>
+              </a:defRPr>
+            </a:lvl8pPr>
+            <a:lvl9pPr marL="3886200" indent="-228600" eaLnBrk="0" fontAlgn="base" hangingPunct="0">
+              <a:spcBef>
+                <a:spcPct val="0"/>
+              </a:spcBef>
+              <a:spcAft>
+                <a:spcPct val="0"/>
+              </a:spcAft>
+              <a:defRPr>
+                <a:solidFill>
+                  <a:schemeClr val="tx1"/>
+                </a:solidFill>
+                <a:latin typeface="Arial" charset="0"/>
+                <a:ea typeface="Arial" charset="0"/>
+                <a:cs typeface="Arial" charset="0"/>
+              </a:defRPr>
+            </a:lvl9pPr>
+          </a:lstStyle>
+          <a:p>
+            <a:pPr eaLnBrk="1" hangingPunct="1"/>
+            <a:fld id="{2943CFF0-1949-4589-A659-F2E56E9DD866}" type="datetime1">
+              <a:rPr lang="en-US" smtClean="0">
+                <a:latin typeface="Garamond" charset="0"/>
+              </a:rPr>
+              <a:t>9/25/2019</a:t>
+            </a:fld>
+            <a:endParaRPr lang="en-US">
+              <a:latin typeface="Garamond" charset="0"/>
+            </a:endParaRPr>
+          </a:p>
+        </p:txBody>
+      </p:sp>
+      <p:sp>
+        <p:nvSpPr>
+          <p:cNvPr id="5" name="Footer Placeholder 4"/>
+          <p:cNvSpPr>
+            <a:spLocks noGrp="1"/>
+          </p:cNvSpPr>
+          <p:nvPr>
+            <p:ph type="ftr" sz="quarter" idx="11"/>
+          </p:nvPr>
+        </p:nvSpPr>
+        <p:spPr/>
+        <p:txBody>
+          <a:bodyPr/>
+          <a:lstStyle/>
+          <a:p>
+            <a:pPr>
+              <a:defRPr/>
+            </a:pPr>
+            <a:r>
+              <a:rPr lang="en-US" altLang="en-US"/>
+              <a:t>Microprocessors I:  Lecture 8</a:t>
+            </a:r>
+          </a:p>
+        </p:txBody>
+      </p:sp>
+      <p:sp>
+        <p:nvSpPr>
+          <p:cNvPr id="6" name="Slide Number Placeholder 5"/>
+          <p:cNvSpPr>
+            <a:spLocks noGrp="1"/>
+          </p:cNvSpPr>
+          <p:nvPr>
+            <p:ph type="sldNum" sz="quarter" idx="12"/>
+          </p:nvPr>
+        </p:nvSpPr>
+        <p:spPr/>
+        <p:txBody>
+          <a:bodyPr/>
+          <a:lstStyle>
+            <a:lvl1pPr eaLnBrk="0" hangingPunct="0">
+              <a:defRPr>
+                <a:solidFill>
+                  <a:schemeClr val="tx1"/>
+                </a:solidFill>
+                <a:latin typeface="Arial" charset="0"/>
+                <a:ea typeface="ＭＳ Ｐゴシック" charset="0"/>
+                <a:cs typeface="Arial" charset="0"/>
+              </a:defRPr>
+            </a:lvl1pPr>
+            <a:lvl2pPr marL="742950" indent="-285750" eaLnBrk="0" hangingPunct="0">
+              <a:defRPr>
+                <a:solidFill>
+                  <a:schemeClr val="tx1"/>
+                </a:solidFill>
+                <a:latin typeface="Arial" charset="0"/>
+                <a:ea typeface="Arial" charset="0"/>
+                <a:cs typeface="Arial" charset="0"/>
+              </a:defRPr>
+            </a:lvl2pPr>
+            <a:lvl3pPr marL="1143000" indent="-228600" eaLnBrk="0" hangingPunct="0">
+              <a:defRPr>
+                <a:solidFill>
+                  <a:schemeClr val="tx1"/>
+                </a:solidFill>
+                <a:latin typeface="Arial" charset="0"/>
+                <a:ea typeface="Arial" charset="0"/>
+                <a:cs typeface="Arial" charset="0"/>
+              </a:defRPr>
+            </a:lvl3pPr>
+            <a:lvl4pPr marL="1600200" indent="-228600" eaLnBrk="0" hangingPunct="0">
+              <a:defRPr>
+                <a:solidFill>
+                  <a:schemeClr val="tx1"/>
+                </a:solidFill>
+                <a:latin typeface="Arial" charset="0"/>
+                <a:ea typeface="Arial" charset="0"/>
+                <a:cs typeface="Arial" charset="0"/>
+              </a:defRPr>
+            </a:lvl4pPr>
+            <a:lvl5pPr marL="2057400" indent="-228600" eaLnBrk="0" hangingPunct="0">
+              <a:defRPr>
+                <a:solidFill>
+                  <a:schemeClr val="tx1"/>
+                </a:solidFill>
+                <a:latin typeface="Arial" charset="0"/>
+                <a:ea typeface="Arial" charset="0"/>
+                <a:cs typeface="Arial" charset="0"/>
+              </a:defRPr>
+            </a:lvl5pPr>
+            <a:lvl6pPr marL="2514600" indent="-228600" eaLnBrk="0" fontAlgn="base" hangingPunct="0">
+              <a:spcBef>
+                <a:spcPct val="0"/>
+              </a:spcBef>
+              <a:spcAft>
+                <a:spcPct val="0"/>
+              </a:spcAft>
+              <a:defRPr>
+                <a:solidFill>
+                  <a:schemeClr val="tx1"/>
+                </a:solidFill>
+                <a:latin typeface="Arial" charset="0"/>
+                <a:ea typeface="Arial" charset="0"/>
+                <a:cs typeface="Arial" charset="0"/>
+              </a:defRPr>
+            </a:lvl6pPr>
+            <a:lvl7pPr marL="2971800" indent="-228600" eaLnBrk="0" fontAlgn="base" hangingPunct="0">
+              <a:spcBef>
+                <a:spcPct val="0"/>
+              </a:spcBef>
+              <a:spcAft>
+                <a:spcPct val="0"/>
+              </a:spcAft>
+              <a:defRPr>
+                <a:solidFill>
+                  <a:schemeClr val="tx1"/>
+                </a:solidFill>
+                <a:latin typeface="Arial" charset="0"/>
+                <a:ea typeface="Arial" charset="0"/>
+                <a:cs typeface="Arial" charset="0"/>
+              </a:defRPr>
+            </a:lvl7pPr>
+            <a:lvl8pPr marL="3429000" indent="-228600" eaLnBrk="0" fontAlgn="base" hangingPunct="0">
+              <a:spcBef>
+                <a:spcPct val="0"/>
+              </a:spcBef>
+              <a:spcAft>
+                <a:spcPct val="0"/>
+              </a:spcAft>
+              <a:defRPr>
+                <a:solidFill>
+                  <a:schemeClr val="tx1"/>
+                </a:solidFill>
+                <a:latin typeface="Arial" charset="0"/>
+                <a:ea typeface="Arial" charset="0"/>
+                <a:cs typeface="Arial" charset="0"/>
+              </a:defRPr>
+            </a:lvl8pPr>
+            <a:lvl9pPr marL="3886200" indent="-228600" eaLnBrk="0" fontAlgn="base" hangingPunct="0">
+              <a:spcBef>
+                <a:spcPct val="0"/>
+              </a:spcBef>
+              <a:spcAft>
+                <a:spcPct val="0"/>
+              </a:spcAft>
+              <a:defRPr>
+                <a:solidFill>
+                  <a:schemeClr val="tx1"/>
+                </a:solidFill>
+                <a:latin typeface="Arial" charset="0"/>
+                <a:ea typeface="Arial" charset="0"/>
+                <a:cs typeface="Arial" charset="0"/>
+              </a:defRPr>
+            </a:lvl9pPr>
+          </a:lstStyle>
+          <a:p>
+            <a:pPr eaLnBrk="1" hangingPunct="1"/>
+            <a:fld id="{A6EAC2ED-D4BA-C149-9F23-1DB07AE2C40A}" type="slidenum">
+              <a:rPr lang="en-US">
+                <a:latin typeface="Garamond" charset="0"/>
+              </a:rPr>
+              <a:pPr eaLnBrk="1" hangingPunct="1"/>
+              <a:t>17</a:t>
+            </a:fld>
+            <a:endParaRPr lang="en-US">
+              <a:latin typeface="Garamond" charset="0"/>
+            </a:endParaRPr>
+          </a:p>
+        </p:txBody>
+      </p:sp>
+    </p:spTree>
+    <p:extLst>
+      <p:ext uri="{BB962C8B-B14F-4D97-AF65-F5344CB8AC3E}">
+        <p14:creationId xmlns:p14="http://schemas.microsoft.com/office/powerpoint/2010/main" val="1912601976"/>
+      </p:ext>
+    </p:extLst>
+  </p:cSld>
+  <p:clrMapOvr>
+    <a:masterClrMapping/>
+  </p:clrMapOvr>
+</p:sld>
+</file>
+
+<file path=ppt/slides/slide18.xml><?xml version="1.0" encoding="utf-8"?>
+<p:sld xmlns:a="http://schemas.openxmlformats.org/drawingml/2006/main" xmlns:r="http://schemas.openxmlformats.org/officeDocument/2006/relationships" xmlns:p="http://schemas.openxmlformats.org/presentationml/2006/main">
+  <p:cSld>
+    <p:spTree>
+      <p:nvGrpSpPr>
+        <p:cNvPr id="1" name=""/>
+        <p:cNvGrpSpPr/>
+        <p:nvPr/>
+      </p:nvGrpSpPr>
+      <p:grpSpPr>
+        <a:xfrm>
+          <a:off x="0" y="0"/>
+          <a:ext cx="0" cy="0"/>
+          <a:chOff x="0" y="0"/>
+          <a:chExt cx="0" cy="0"/>
+        </a:xfrm>
+      </p:grpSpPr>
+      <p:sp>
+        <p:nvSpPr>
+          <p:cNvPr id="7170" name="Title 1"/>
+          <p:cNvSpPr>
+            <a:spLocks noGrp="1"/>
+          </p:cNvSpPr>
+          <p:nvPr>
+            <p:ph type="title"/>
+          </p:nvPr>
+        </p:nvSpPr>
+        <p:spPr/>
+        <p:txBody>
+          <a:bodyPr/>
+          <a:lstStyle/>
+          <a:p>
+            <a:r>
+              <a:rPr lang="en-US">
+                <a:latin typeface="Garamond" charset="0"/>
+              </a:rPr>
+              <a:t>Multiplication/division </a:t>
+            </a:r>
+          </a:p>
+        </p:txBody>
+      </p:sp>
+      <p:sp>
+        <p:nvSpPr>
+          <p:cNvPr id="7171" name="Content Placeholder 2"/>
+          <p:cNvSpPr>
+            <a:spLocks noGrp="1"/>
+          </p:cNvSpPr>
+          <p:nvPr>
+            <p:ph idx="1"/>
+          </p:nvPr>
+        </p:nvSpPr>
+        <p:spPr/>
+        <p:txBody>
+          <a:bodyPr/>
+          <a:lstStyle/>
+          <a:p>
+            <a:r>
+              <a:rPr lang="en-US">
+                <a:latin typeface="Arial" charset="0"/>
+              </a:rPr>
+              <a:t>Both signed and unsigned integer versions</a:t>
+            </a:r>
+          </a:p>
+          <a:p>
+            <a:r>
+              <a:rPr lang="en-US">
+                <a:latin typeface="Arial" charset="0"/>
+              </a:rPr>
+              <a:t>Register A is always one of the sources</a:t>
+            </a:r>
+          </a:p>
+          <a:p>
+            <a:r>
+              <a:rPr lang="en-US">
+                <a:latin typeface="Arial" charset="0"/>
+              </a:rPr>
+              <a:t>Destination always same; size-dependent</a:t>
+            </a:r>
+          </a:p>
+          <a:p>
+            <a:pPr lvl="1"/>
+            <a:r>
+              <a:rPr lang="en-US">
+                <a:latin typeface="Arial" charset="0"/>
+              </a:rPr>
+              <a:t>Exception: signed multiplication does allow for slightly different operation</a:t>
+            </a:r>
+          </a:p>
+          <a:p>
+            <a:r>
+              <a:rPr lang="en-US">
+                <a:latin typeface="Arial" charset="0"/>
+              </a:rPr>
+              <a:t>Easiest way to evaluate instructions: figure out decimal values of operands, do operation in decimal, then figure out binary/hex values of results</a:t>
+            </a:r>
+          </a:p>
+        </p:txBody>
+      </p:sp>
+      <p:sp>
+        <p:nvSpPr>
+          <p:cNvPr id="4" name="Date Placeholder 3"/>
+          <p:cNvSpPr>
+            <a:spLocks noGrp="1"/>
+          </p:cNvSpPr>
+          <p:nvPr>
+            <p:ph type="dt" sz="quarter" idx="10"/>
+          </p:nvPr>
+        </p:nvSpPr>
+        <p:spPr/>
+        <p:txBody>
+          <a:bodyPr/>
+          <a:lstStyle>
+            <a:lvl1pPr eaLnBrk="0" hangingPunct="0">
+              <a:defRPr>
+                <a:solidFill>
+                  <a:schemeClr val="tx1"/>
+                </a:solidFill>
+                <a:latin typeface="Arial" charset="0"/>
+                <a:ea typeface="ＭＳ Ｐゴシック" charset="0"/>
+                <a:cs typeface="Arial" charset="0"/>
+              </a:defRPr>
+            </a:lvl1pPr>
+            <a:lvl2pPr marL="742950" indent="-285750" eaLnBrk="0" hangingPunct="0">
+              <a:defRPr>
+                <a:solidFill>
+                  <a:schemeClr val="tx1"/>
+                </a:solidFill>
+                <a:latin typeface="Arial" charset="0"/>
+                <a:ea typeface="Arial" charset="0"/>
+                <a:cs typeface="Arial" charset="0"/>
+              </a:defRPr>
+            </a:lvl2pPr>
+            <a:lvl3pPr marL="1143000" indent="-228600" eaLnBrk="0" hangingPunct="0">
+              <a:defRPr>
+                <a:solidFill>
+                  <a:schemeClr val="tx1"/>
+                </a:solidFill>
+                <a:latin typeface="Arial" charset="0"/>
+                <a:ea typeface="Arial" charset="0"/>
+                <a:cs typeface="Arial" charset="0"/>
+              </a:defRPr>
+            </a:lvl3pPr>
+            <a:lvl4pPr marL="1600200" indent="-228600" eaLnBrk="0" hangingPunct="0">
+              <a:defRPr>
+                <a:solidFill>
+                  <a:schemeClr val="tx1"/>
+                </a:solidFill>
+                <a:latin typeface="Arial" charset="0"/>
+                <a:ea typeface="Arial" charset="0"/>
+                <a:cs typeface="Arial" charset="0"/>
+              </a:defRPr>
+            </a:lvl4pPr>
+            <a:lvl5pPr marL="2057400" indent="-228600" eaLnBrk="0" hangingPunct="0">
+              <a:defRPr>
+                <a:solidFill>
+                  <a:schemeClr val="tx1"/>
+                </a:solidFill>
+                <a:latin typeface="Arial" charset="0"/>
+                <a:ea typeface="Arial" charset="0"/>
+                <a:cs typeface="Arial" charset="0"/>
+              </a:defRPr>
+            </a:lvl5pPr>
+            <a:lvl6pPr marL="2514600" indent="-228600" eaLnBrk="0" fontAlgn="base" hangingPunct="0">
+              <a:spcBef>
+                <a:spcPct val="0"/>
+              </a:spcBef>
+              <a:spcAft>
+                <a:spcPct val="0"/>
+              </a:spcAft>
+              <a:defRPr>
+                <a:solidFill>
+                  <a:schemeClr val="tx1"/>
+                </a:solidFill>
+                <a:latin typeface="Arial" charset="0"/>
+                <a:ea typeface="Arial" charset="0"/>
+                <a:cs typeface="Arial" charset="0"/>
+              </a:defRPr>
+            </a:lvl6pPr>
+            <a:lvl7pPr marL="2971800" indent="-228600" eaLnBrk="0" fontAlgn="base" hangingPunct="0">
+              <a:spcBef>
+                <a:spcPct val="0"/>
+              </a:spcBef>
+              <a:spcAft>
+                <a:spcPct val="0"/>
+              </a:spcAft>
+              <a:defRPr>
+                <a:solidFill>
+                  <a:schemeClr val="tx1"/>
+                </a:solidFill>
+                <a:latin typeface="Arial" charset="0"/>
+                <a:ea typeface="Arial" charset="0"/>
+                <a:cs typeface="Arial" charset="0"/>
+              </a:defRPr>
+            </a:lvl7pPr>
+            <a:lvl8pPr marL="3429000" indent="-228600" eaLnBrk="0" fontAlgn="base" hangingPunct="0">
+              <a:spcBef>
+                <a:spcPct val="0"/>
+              </a:spcBef>
+              <a:spcAft>
+                <a:spcPct val="0"/>
+              </a:spcAft>
+              <a:defRPr>
+                <a:solidFill>
+                  <a:schemeClr val="tx1"/>
+                </a:solidFill>
+                <a:latin typeface="Arial" charset="0"/>
+                <a:ea typeface="Arial" charset="0"/>
+                <a:cs typeface="Arial" charset="0"/>
+              </a:defRPr>
+            </a:lvl8pPr>
+            <a:lvl9pPr marL="3886200" indent="-228600" eaLnBrk="0" fontAlgn="base" hangingPunct="0">
+              <a:spcBef>
+                <a:spcPct val="0"/>
+              </a:spcBef>
+              <a:spcAft>
+                <a:spcPct val="0"/>
+              </a:spcAft>
+              <a:defRPr>
+                <a:solidFill>
+                  <a:schemeClr val="tx1"/>
+                </a:solidFill>
+                <a:latin typeface="Arial" charset="0"/>
+                <a:ea typeface="Arial" charset="0"/>
+                <a:cs typeface="Arial" charset="0"/>
+              </a:defRPr>
+            </a:lvl9pPr>
+          </a:lstStyle>
+          <a:p>
+            <a:pPr eaLnBrk="1" hangingPunct="1"/>
+            <a:fld id="{BF2B6356-354C-4A96-B006-ECC1932E7ACC}" type="datetime1">
+              <a:rPr lang="en-US" smtClean="0">
+                <a:latin typeface="Garamond" charset="0"/>
+              </a:rPr>
+              <a:t>9/25/2019</a:t>
+            </a:fld>
+            <a:endParaRPr lang="en-US">
+              <a:latin typeface="Garamond" charset="0"/>
+            </a:endParaRPr>
+          </a:p>
+        </p:txBody>
+      </p:sp>
+      <p:sp>
+        <p:nvSpPr>
+          <p:cNvPr id="5" name="Footer Placeholder 4"/>
+          <p:cNvSpPr>
+            <a:spLocks noGrp="1"/>
+          </p:cNvSpPr>
+          <p:nvPr>
+            <p:ph type="ftr" sz="quarter" idx="11"/>
+          </p:nvPr>
+        </p:nvSpPr>
+        <p:spPr/>
+        <p:txBody>
+          <a:bodyPr/>
+          <a:lstStyle/>
+          <a:p>
+            <a:pPr>
+              <a:defRPr/>
+            </a:pPr>
+            <a:r>
+              <a:rPr lang="en-US" altLang="en-US"/>
+              <a:t>Microprocessors I:  Lecture 8</a:t>
+            </a:r>
+          </a:p>
+        </p:txBody>
+      </p:sp>
+      <p:sp>
+        <p:nvSpPr>
+          <p:cNvPr id="6" name="Slide Number Placeholder 5"/>
+          <p:cNvSpPr>
+            <a:spLocks noGrp="1"/>
+          </p:cNvSpPr>
+          <p:nvPr>
+            <p:ph type="sldNum" sz="quarter" idx="12"/>
+          </p:nvPr>
+        </p:nvSpPr>
+        <p:spPr/>
+        <p:txBody>
+          <a:bodyPr/>
+          <a:lstStyle>
+            <a:lvl1pPr eaLnBrk="0" hangingPunct="0">
+              <a:defRPr>
+                <a:solidFill>
+                  <a:schemeClr val="tx1"/>
+                </a:solidFill>
+                <a:latin typeface="Arial" charset="0"/>
+                <a:ea typeface="ＭＳ Ｐゴシック" charset="0"/>
+                <a:cs typeface="Arial" charset="0"/>
+              </a:defRPr>
+            </a:lvl1pPr>
+            <a:lvl2pPr marL="742950" indent="-285750" eaLnBrk="0" hangingPunct="0">
+              <a:defRPr>
+                <a:solidFill>
+                  <a:schemeClr val="tx1"/>
+                </a:solidFill>
+                <a:latin typeface="Arial" charset="0"/>
+                <a:ea typeface="Arial" charset="0"/>
+                <a:cs typeface="Arial" charset="0"/>
+              </a:defRPr>
+            </a:lvl2pPr>
+            <a:lvl3pPr marL="1143000" indent="-228600" eaLnBrk="0" hangingPunct="0">
+              <a:defRPr>
+                <a:solidFill>
+                  <a:schemeClr val="tx1"/>
+                </a:solidFill>
+                <a:latin typeface="Arial" charset="0"/>
+                <a:ea typeface="Arial" charset="0"/>
+                <a:cs typeface="Arial" charset="0"/>
+              </a:defRPr>
+            </a:lvl3pPr>
+            <a:lvl4pPr marL="1600200" indent="-228600" eaLnBrk="0" hangingPunct="0">
+              <a:defRPr>
+                <a:solidFill>
+                  <a:schemeClr val="tx1"/>
+                </a:solidFill>
+                <a:latin typeface="Arial" charset="0"/>
+                <a:ea typeface="Arial" charset="0"/>
+                <a:cs typeface="Arial" charset="0"/>
+              </a:defRPr>
+            </a:lvl4pPr>
+            <a:lvl5pPr marL="2057400" indent="-228600" eaLnBrk="0" hangingPunct="0">
+              <a:defRPr>
+                <a:solidFill>
+                  <a:schemeClr val="tx1"/>
+                </a:solidFill>
+                <a:latin typeface="Arial" charset="0"/>
+                <a:ea typeface="Arial" charset="0"/>
+                <a:cs typeface="Arial" charset="0"/>
+              </a:defRPr>
+            </a:lvl5pPr>
+            <a:lvl6pPr marL="2514600" indent="-228600" eaLnBrk="0" fontAlgn="base" hangingPunct="0">
+              <a:spcBef>
+                <a:spcPct val="0"/>
+              </a:spcBef>
+              <a:spcAft>
+                <a:spcPct val="0"/>
+              </a:spcAft>
+              <a:defRPr>
+                <a:solidFill>
+                  <a:schemeClr val="tx1"/>
+                </a:solidFill>
+                <a:latin typeface="Arial" charset="0"/>
+                <a:ea typeface="Arial" charset="0"/>
+                <a:cs typeface="Arial" charset="0"/>
+              </a:defRPr>
+            </a:lvl6pPr>
+            <a:lvl7pPr marL="2971800" indent="-228600" eaLnBrk="0" fontAlgn="base" hangingPunct="0">
+              <a:spcBef>
+                <a:spcPct val="0"/>
+              </a:spcBef>
+              <a:spcAft>
+                <a:spcPct val="0"/>
+              </a:spcAft>
+              <a:defRPr>
+                <a:solidFill>
+                  <a:schemeClr val="tx1"/>
+                </a:solidFill>
+                <a:latin typeface="Arial" charset="0"/>
+                <a:ea typeface="Arial" charset="0"/>
+                <a:cs typeface="Arial" charset="0"/>
+              </a:defRPr>
+            </a:lvl7pPr>
+            <a:lvl8pPr marL="3429000" indent="-228600" eaLnBrk="0" fontAlgn="base" hangingPunct="0">
+              <a:spcBef>
+                <a:spcPct val="0"/>
+              </a:spcBef>
+              <a:spcAft>
+                <a:spcPct val="0"/>
+              </a:spcAft>
+              <a:defRPr>
+                <a:solidFill>
+                  <a:schemeClr val="tx1"/>
+                </a:solidFill>
+                <a:latin typeface="Arial" charset="0"/>
+                <a:ea typeface="Arial" charset="0"/>
+                <a:cs typeface="Arial" charset="0"/>
+              </a:defRPr>
+            </a:lvl8pPr>
+            <a:lvl9pPr marL="3886200" indent="-228600" eaLnBrk="0" fontAlgn="base" hangingPunct="0">
+              <a:spcBef>
+                <a:spcPct val="0"/>
+              </a:spcBef>
+              <a:spcAft>
+                <a:spcPct val="0"/>
+              </a:spcAft>
+              <a:defRPr>
+                <a:solidFill>
+                  <a:schemeClr val="tx1"/>
+                </a:solidFill>
+                <a:latin typeface="Arial" charset="0"/>
+                <a:ea typeface="Arial" charset="0"/>
+                <a:cs typeface="Arial" charset="0"/>
+              </a:defRPr>
+            </a:lvl9pPr>
+          </a:lstStyle>
+          <a:p>
+            <a:pPr eaLnBrk="1" hangingPunct="1"/>
+            <a:fld id="{79289C23-4F38-E84A-BEEE-DFE9655C9D34}" type="slidenum">
+              <a:rPr lang="en-US">
+                <a:latin typeface="Garamond" charset="0"/>
+              </a:rPr>
+              <a:pPr eaLnBrk="1" hangingPunct="1"/>
+              <a:t>18</a:t>
+            </a:fld>
+            <a:endParaRPr lang="en-US">
+              <a:latin typeface="Garamond" charset="0"/>
+            </a:endParaRPr>
+          </a:p>
+        </p:txBody>
+      </p:sp>
+    </p:spTree>
+    <p:extLst>
+      <p:ext uri="{BB962C8B-B14F-4D97-AF65-F5344CB8AC3E}">
+        <p14:creationId xmlns:p14="http://schemas.microsoft.com/office/powerpoint/2010/main" val="312780359"/>
+      </p:ext>
+    </p:extLst>
+  </p:cSld>
+  <p:clrMapOvr>
+    <a:masterClrMapping/>
+  </p:clrMapOvr>
+</p:sld>
+</file>
+
+<file path=ppt/slides/slide19.xml><?xml version="1.0" encoding="utf-8"?>
+<p:sld xmlns:a="http://schemas.openxmlformats.org/drawingml/2006/main" xmlns:r="http://schemas.openxmlformats.org/officeDocument/2006/relationships" xmlns:p="http://schemas.openxmlformats.org/presentationml/2006/main">
+  <p:cSld>
+    <p:spTree>
+      <p:nvGrpSpPr>
+        <p:cNvPr id="1" name=""/>
+        <p:cNvGrpSpPr/>
+        <p:nvPr/>
+      </p:nvGrpSpPr>
+      <p:grpSpPr>
+        <a:xfrm>
+          <a:off x="0" y="0"/>
+          <a:ext cx="0" cy="0"/>
+          <a:chOff x="0" y="0"/>
+          <a:chExt cx="0" cy="0"/>
+        </a:xfrm>
+      </p:grpSpPr>
+      <p:sp>
+        <p:nvSpPr>
+          <p:cNvPr id="8194" name="Title 1"/>
+          <p:cNvSpPr>
+            <a:spLocks noGrp="1"/>
+          </p:cNvSpPr>
+          <p:nvPr>
+            <p:ph type="title"/>
+          </p:nvPr>
+        </p:nvSpPr>
+        <p:spPr/>
+        <p:txBody>
+          <a:bodyPr/>
+          <a:lstStyle/>
+          <a:p>
+            <a:r>
+              <a:rPr lang="en-US">
+                <a:latin typeface="Garamond" charset="0"/>
+              </a:rPr>
+              <a:t>MUL/IMUL</a:t>
+            </a:r>
+          </a:p>
+        </p:txBody>
+      </p:sp>
+      <p:sp>
+        <p:nvSpPr>
+          <p:cNvPr id="8195" name="Content Placeholder 2"/>
+          <p:cNvSpPr>
+            <a:spLocks noGrp="1"/>
+          </p:cNvSpPr>
+          <p:nvPr>
+            <p:ph idx="1"/>
+          </p:nvPr>
+        </p:nvSpPr>
+        <p:spPr/>
+        <p:txBody>
+          <a:bodyPr/>
+          <a:lstStyle/>
+          <a:p>
+            <a:r>
+              <a:rPr lang="en-US" dirty="0">
+                <a:latin typeface="Arial" charset="0"/>
+              </a:rPr>
+              <a:t>MUL S </a:t>
+            </a:r>
+            <a:r>
+              <a:rPr lang="en-US" dirty="0">
+                <a:latin typeface="Arial" charset="0"/>
+                <a:sym typeface="Wingdings" charset="0"/>
+              </a:rPr>
+              <a:t> unsigned multiplication</a:t>
+            </a:r>
+          </a:p>
+          <a:p>
+            <a:r>
+              <a:rPr lang="en-US" dirty="0">
+                <a:latin typeface="Arial" charset="0"/>
+                <a:sym typeface="Wingdings" charset="0"/>
+              </a:rPr>
+              <a:t>IMUL S  signed multiplication</a:t>
+            </a:r>
+            <a:endParaRPr lang="en-US" dirty="0">
+              <a:latin typeface="Arial" charset="0"/>
+            </a:endParaRPr>
+          </a:p>
+          <a:p>
+            <a:r>
+              <a:rPr lang="en-US" dirty="0">
+                <a:latin typeface="Arial" charset="0"/>
+              </a:rPr>
+              <a:t>Byte: (AX) = (AL) * (S)</a:t>
+            </a:r>
+          </a:p>
+          <a:p>
+            <a:r>
+              <a:rPr lang="en-US" dirty="0">
+                <a:latin typeface="Arial" charset="0"/>
+              </a:rPr>
+              <a:t>Word: (DX,AX) = (AX) * (S)</a:t>
+            </a:r>
+          </a:p>
+          <a:p>
+            <a:r>
+              <a:rPr lang="en-US" dirty="0">
+                <a:latin typeface="Arial" charset="0"/>
+              </a:rPr>
+              <a:t>Double-word: (EDX,EAX) = (EAX) * (S)</a:t>
+            </a:r>
+          </a:p>
+          <a:p>
+            <a:r>
+              <a:rPr lang="en-US" dirty="0">
+                <a:latin typeface="Arial" charset="0"/>
+              </a:rPr>
+              <a:t>Only CF, OF updated</a:t>
+            </a:r>
+          </a:p>
+          <a:p>
+            <a:pPr lvl="1"/>
+            <a:r>
+              <a:rPr lang="en-US" dirty="0">
+                <a:latin typeface="Arial" charset="0"/>
+              </a:rPr>
+              <a:t>If upper half of result = 0, CF &amp; OF = 0</a:t>
+            </a:r>
+          </a:p>
+          <a:p>
+            <a:pPr lvl="1"/>
+            <a:r>
+              <a:rPr lang="en-US" dirty="0">
+                <a:latin typeface="Arial" charset="0"/>
+              </a:rPr>
+              <a:t>Otherwise, CF &amp; OF = 1</a:t>
+            </a:r>
+          </a:p>
+        </p:txBody>
+      </p:sp>
+      <p:sp>
+        <p:nvSpPr>
+          <p:cNvPr id="4" name="Date Placeholder 3"/>
+          <p:cNvSpPr>
+            <a:spLocks noGrp="1"/>
+          </p:cNvSpPr>
+          <p:nvPr>
+            <p:ph type="dt" sz="quarter" idx="10"/>
+          </p:nvPr>
+        </p:nvSpPr>
+        <p:spPr/>
+        <p:txBody>
+          <a:bodyPr/>
+          <a:lstStyle>
+            <a:lvl1pPr eaLnBrk="0" hangingPunct="0">
+              <a:defRPr>
+                <a:solidFill>
+                  <a:schemeClr val="tx1"/>
+                </a:solidFill>
+                <a:latin typeface="Arial" charset="0"/>
+                <a:ea typeface="ＭＳ Ｐゴシック" charset="0"/>
+                <a:cs typeface="Arial" charset="0"/>
+              </a:defRPr>
+            </a:lvl1pPr>
+            <a:lvl2pPr marL="742950" indent="-285750" eaLnBrk="0" hangingPunct="0">
+              <a:defRPr>
+                <a:solidFill>
+                  <a:schemeClr val="tx1"/>
+                </a:solidFill>
+                <a:latin typeface="Arial" charset="0"/>
+                <a:ea typeface="Arial" charset="0"/>
+                <a:cs typeface="Arial" charset="0"/>
+              </a:defRPr>
+            </a:lvl2pPr>
+            <a:lvl3pPr marL="1143000" indent="-228600" eaLnBrk="0" hangingPunct="0">
+              <a:defRPr>
+                <a:solidFill>
+                  <a:schemeClr val="tx1"/>
+                </a:solidFill>
+                <a:latin typeface="Arial" charset="0"/>
+                <a:ea typeface="Arial" charset="0"/>
+                <a:cs typeface="Arial" charset="0"/>
+              </a:defRPr>
+            </a:lvl3pPr>
+            <a:lvl4pPr marL="1600200" indent="-228600" eaLnBrk="0" hangingPunct="0">
+              <a:defRPr>
+                <a:solidFill>
+                  <a:schemeClr val="tx1"/>
+                </a:solidFill>
+                <a:latin typeface="Arial" charset="0"/>
+                <a:ea typeface="Arial" charset="0"/>
+                <a:cs typeface="Arial" charset="0"/>
+              </a:defRPr>
+            </a:lvl4pPr>
+            <a:lvl5pPr marL="2057400" indent="-228600" eaLnBrk="0" hangingPunct="0">
+              <a:defRPr>
+                <a:solidFill>
+                  <a:schemeClr val="tx1"/>
+                </a:solidFill>
+                <a:latin typeface="Arial" charset="0"/>
+                <a:ea typeface="Arial" charset="0"/>
+                <a:cs typeface="Arial" charset="0"/>
+              </a:defRPr>
+            </a:lvl5pPr>
+            <a:lvl6pPr marL="2514600" indent="-228600" eaLnBrk="0" fontAlgn="base" hangingPunct="0">
+              <a:spcBef>
+                <a:spcPct val="0"/>
+              </a:spcBef>
+              <a:spcAft>
+                <a:spcPct val="0"/>
+              </a:spcAft>
+              <a:defRPr>
+                <a:solidFill>
+                  <a:schemeClr val="tx1"/>
+                </a:solidFill>
+                <a:latin typeface="Arial" charset="0"/>
+                <a:ea typeface="Arial" charset="0"/>
+                <a:cs typeface="Arial" charset="0"/>
+              </a:defRPr>
+            </a:lvl6pPr>
+            <a:lvl7pPr marL="2971800" indent="-228600" eaLnBrk="0" fontAlgn="base" hangingPunct="0">
+              <a:spcBef>
+                <a:spcPct val="0"/>
+              </a:spcBef>
+              <a:spcAft>
+                <a:spcPct val="0"/>
+              </a:spcAft>
+              <a:defRPr>
+                <a:solidFill>
+                  <a:schemeClr val="tx1"/>
+                </a:solidFill>
+                <a:latin typeface="Arial" charset="0"/>
+                <a:ea typeface="Arial" charset="0"/>
+                <a:cs typeface="Arial" charset="0"/>
+              </a:defRPr>
+            </a:lvl7pPr>
+            <a:lvl8pPr marL="3429000" indent="-228600" eaLnBrk="0" fontAlgn="base" hangingPunct="0">
+              <a:spcBef>
+                <a:spcPct val="0"/>
+              </a:spcBef>
+              <a:spcAft>
+                <a:spcPct val="0"/>
+              </a:spcAft>
+              <a:defRPr>
+                <a:solidFill>
+                  <a:schemeClr val="tx1"/>
+                </a:solidFill>
+                <a:latin typeface="Arial" charset="0"/>
+                <a:ea typeface="Arial" charset="0"/>
+                <a:cs typeface="Arial" charset="0"/>
+              </a:defRPr>
+            </a:lvl8pPr>
+            <a:lvl9pPr marL="3886200" indent="-228600" eaLnBrk="0" fontAlgn="base" hangingPunct="0">
+              <a:spcBef>
+                <a:spcPct val="0"/>
+              </a:spcBef>
+              <a:spcAft>
+                <a:spcPct val="0"/>
+              </a:spcAft>
+              <a:defRPr>
+                <a:solidFill>
+                  <a:schemeClr val="tx1"/>
+                </a:solidFill>
+                <a:latin typeface="Arial" charset="0"/>
+                <a:ea typeface="Arial" charset="0"/>
+                <a:cs typeface="Arial" charset="0"/>
+              </a:defRPr>
+            </a:lvl9pPr>
+          </a:lstStyle>
+          <a:p>
+            <a:pPr eaLnBrk="1" hangingPunct="1"/>
+            <a:fld id="{69014CE2-928F-4ABF-9FAD-F3583A56662F}" type="datetime1">
+              <a:rPr lang="en-US" smtClean="0">
+                <a:latin typeface="Garamond" charset="0"/>
+              </a:rPr>
+              <a:t>9/25/2019</a:t>
+            </a:fld>
+            <a:endParaRPr lang="en-US">
+              <a:latin typeface="Garamond" charset="0"/>
+            </a:endParaRPr>
+          </a:p>
+        </p:txBody>
+      </p:sp>
+      <p:sp>
+        <p:nvSpPr>
+          <p:cNvPr id="5" name="Footer Placeholder 4"/>
+          <p:cNvSpPr>
+            <a:spLocks noGrp="1"/>
+          </p:cNvSpPr>
+          <p:nvPr>
+            <p:ph type="ftr" sz="quarter" idx="11"/>
+          </p:nvPr>
+        </p:nvSpPr>
+        <p:spPr/>
+        <p:txBody>
+          <a:bodyPr/>
+          <a:lstStyle/>
+          <a:p>
+            <a:pPr>
+              <a:defRPr/>
+            </a:pPr>
+            <a:r>
+              <a:rPr lang="en-US" altLang="en-US"/>
+              <a:t>Microprocessors I:  Lecture 8</a:t>
+            </a:r>
+          </a:p>
+        </p:txBody>
+      </p:sp>
+      <p:sp>
+        <p:nvSpPr>
+          <p:cNvPr id="6" name="Slide Number Placeholder 5"/>
+          <p:cNvSpPr>
+            <a:spLocks noGrp="1"/>
+          </p:cNvSpPr>
+          <p:nvPr>
+            <p:ph type="sldNum" sz="quarter" idx="12"/>
+          </p:nvPr>
+        </p:nvSpPr>
+        <p:spPr/>
+        <p:txBody>
+          <a:bodyPr/>
+          <a:lstStyle>
+            <a:lvl1pPr eaLnBrk="0" hangingPunct="0">
+              <a:defRPr>
+                <a:solidFill>
+                  <a:schemeClr val="tx1"/>
+                </a:solidFill>
+                <a:latin typeface="Arial" charset="0"/>
+                <a:ea typeface="ＭＳ Ｐゴシック" charset="0"/>
+                <a:cs typeface="Arial" charset="0"/>
+              </a:defRPr>
+            </a:lvl1pPr>
+            <a:lvl2pPr marL="742950" indent="-285750" eaLnBrk="0" hangingPunct="0">
+              <a:defRPr>
+                <a:solidFill>
+                  <a:schemeClr val="tx1"/>
+                </a:solidFill>
+                <a:latin typeface="Arial" charset="0"/>
+                <a:ea typeface="Arial" charset="0"/>
+                <a:cs typeface="Arial" charset="0"/>
+              </a:defRPr>
+            </a:lvl2pPr>
+            <a:lvl3pPr marL="1143000" indent="-228600" eaLnBrk="0" hangingPunct="0">
+              <a:defRPr>
+                <a:solidFill>
+                  <a:schemeClr val="tx1"/>
+                </a:solidFill>
+                <a:latin typeface="Arial" charset="0"/>
+                <a:ea typeface="Arial" charset="0"/>
+                <a:cs typeface="Arial" charset="0"/>
+              </a:defRPr>
+            </a:lvl3pPr>
+            <a:lvl4pPr marL="1600200" indent="-228600" eaLnBrk="0" hangingPunct="0">
+              <a:defRPr>
+                <a:solidFill>
+                  <a:schemeClr val="tx1"/>
+                </a:solidFill>
+                <a:latin typeface="Arial" charset="0"/>
+                <a:ea typeface="Arial" charset="0"/>
+                <a:cs typeface="Arial" charset="0"/>
+              </a:defRPr>
+            </a:lvl4pPr>
+            <a:lvl5pPr marL="2057400" indent="-228600" eaLnBrk="0" hangingPunct="0">
+              <a:defRPr>
+                <a:solidFill>
+                  <a:schemeClr val="tx1"/>
+                </a:solidFill>
+                <a:latin typeface="Arial" charset="0"/>
+                <a:ea typeface="Arial" charset="0"/>
+                <a:cs typeface="Arial" charset="0"/>
+              </a:defRPr>
+            </a:lvl5pPr>
+            <a:lvl6pPr marL="2514600" indent="-228600" eaLnBrk="0" fontAlgn="base" hangingPunct="0">
+              <a:spcBef>
+                <a:spcPct val="0"/>
+              </a:spcBef>
+              <a:spcAft>
+                <a:spcPct val="0"/>
+              </a:spcAft>
+              <a:defRPr>
+                <a:solidFill>
+                  <a:schemeClr val="tx1"/>
+                </a:solidFill>
+                <a:latin typeface="Arial" charset="0"/>
+                <a:ea typeface="Arial" charset="0"/>
+                <a:cs typeface="Arial" charset="0"/>
+              </a:defRPr>
+            </a:lvl6pPr>
+            <a:lvl7pPr marL="2971800" indent="-228600" eaLnBrk="0" fontAlgn="base" hangingPunct="0">
+              <a:spcBef>
+                <a:spcPct val="0"/>
+              </a:spcBef>
+              <a:spcAft>
+                <a:spcPct val="0"/>
+              </a:spcAft>
+              <a:defRPr>
+                <a:solidFill>
+                  <a:schemeClr val="tx1"/>
+                </a:solidFill>
+                <a:latin typeface="Arial" charset="0"/>
+                <a:ea typeface="Arial" charset="0"/>
+                <a:cs typeface="Arial" charset="0"/>
+              </a:defRPr>
+            </a:lvl7pPr>
+            <a:lvl8pPr marL="3429000" indent="-228600" eaLnBrk="0" fontAlgn="base" hangingPunct="0">
+              <a:spcBef>
+                <a:spcPct val="0"/>
+              </a:spcBef>
+              <a:spcAft>
+                <a:spcPct val="0"/>
+              </a:spcAft>
+              <a:defRPr>
+                <a:solidFill>
+                  <a:schemeClr val="tx1"/>
+                </a:solidFill>
+                <a:latin typeface="Arial" charset="0"/>
+                <a:ea typeface="Arial" charset="0"/>
+                <a:cs typeface="Arial" charset="0"/>
+              </a:defRPr>
+            </a:lvl8pPr>
+            <a:lvl9pPr marL="3886200" indent="-228600" eaLnBrk="0" fontAlgn="base" hangingPunct="0">
+              <a:spcBef>
+                <a:spcPct val="0"/>
+              </a:spcBef>
+              <a:spcAft>
+                <a:spcPct val="0"/>
+              </a:spcAft>
+              <a:defRPr>
+                <a:solidFill>
+                  <a:schemeClr val="tx1"/>
+                </a:solidFill>
+                <a:latin typeface="Arial" charset="0"/>
+                <a:ea typeface="Arial" charset="0"/>
+                <a:cs typeface="Arial" charset="0"/>
+              </a:defRPr>
+            </a:lvl9pPr>
+          </a:lstStyle>
+          <a:p>
+            <a:pPr eaLnBrk="1" hangingPunct="1"/>
+            <a:fld id="{7D17A237-DC05-BC44-9260-0103FC72B570}" type="slidenum">
+              <a:rPr lang="en-US">
+                <a:latin typeface="Garamond" charset="0"/>
+              </a:rPr>
+              <a:pPr eaLnBrk="1" hangingPunct="1"/>
+              <a:t>19</a:t>
+            </a:fld>
+            <a:endParaRPr lang="en-US">
+              <a:latin typeface="Garamond" charset="0"/>
+            </a:endParaRPr>
+          </a:p>
+        </p:txBody>
+      </p:sp>
+    </p:spTree>
+    <p:extLst>
+      <p:ext uri="{BB962C8B-B14F-4D97-AF65-F5344CB8AC3E}">
+        <p14:creationId xmlns:p14="http://schemas.microsoft.com/office/powerpoint/2010/main" val="1488050816"/>
+      </p:ext>
+    </p:extLst>
   </p:cSld>
   <p:clrMapOvr>
     <a:masterClrMapping/>
@@ -8563,7 +12481,7 @@
           </a:lstStyle>
           <a:p>
             <a:pPr eaLnBrk="1" hangingPunct="1"/>
-            <a:fld id="{70B7FFAD-D093-3F47-B94B-DFD98DA2405B}" type="datetime1">
+            <a:fld id="{D460FFC6-5B18-439F-96A6-E87B55123781}" type="datetime1">
               <a:rPr lang="en-US" smtClean="0">
                 <a:latin typeface="Garamond" charset="0"/>
               </a:rPr>
@@ -8595,7 +12513,7 @@
             </a:pPr>
             <a:r>
               <a:rPr lang="en-US" altLang="en-US"/>
-              <a:t>Microprocessors I:  Lecture 7</a:t>
+              <a:t>Microprocessors I:  Lecture 8</a:t>
             </a:r>
             <a:endParaRPr lang="en-US" altLang="en-US" dirty="0"/>
           </a:p>
@@ -8738,6 +12656,3012 @@
               </a:rPr>
               <a:pPr eaLnBrk="1" hangingPunct="1"/>
               <a:t>2</a:t>
+            </a:fld>
+            <a:endParaRPr lang="en-US">
+              <a:latin typeface="Garamond" charset="0"/>
+            </a:endParaRPr>
+          </a:p>
+        </p:txBody>
+      </p:sp>
+    </p:spTree>
+  </p:cSld>
+  <p:clrMapOvr>
+    <a:masterClrMapping/>
+  </p:clrMapOvr>
+</p:sld>
+</file>
+
+<file path=ppt/slides/slide20.xml><?xml version="1.0" encoding="utf-8"?>
+<p:sld xmlns:a="http://schemas.openxmlformats.org/drawingml/2006/main" xmlns:r="http://schemas.openxmlformats.org/officeDocument/2006/relationships" xmlns:p="http://schemas.openxmlformats.org/presentationml/2006/main">
+  <p:cSld>
+    <p:spTree>
+      <p:nvGrpSpPr>
+        <p:cNvPr id="1" name=""/>
+        <p:cNvGrpSpPr/>
+        <p:nvPr/>
+      </p:nvGrpSpPr>
+      <p:grpSpPr>
+        <a:xfrm>
+          <a:off x="0" y="0"/>
+          <a:ext cx="0" cy="0"/>
+          <a:chOff x="0" y="0"/>
+          <a:chExt cx="0" cy="0"/>
+        </a:xfrm>
+      </p:grpSpPr>
+      <p:sp>
+        <p:nvSpPr>
+          <p:cNvPr id="9218" name="Title 1"/>
+          <p:cNvSpPr>
+            <a:spLocks noGrp="1"/>
+          </p:cNvSpPr>
+          <p:nvPr>
+            <p:ph type="title"/>
+          </p:nvPr>
+        </p:nvSpPr>
+        <p:spPr/>
+        <p:txBody>
+          <a:bodyPr/>
+          <a:lstStyle/>
+          <a:p>
+            <a:r>
+              <a:rPr lang="en-US">
+                <a:latin typeface="Garamond" charset="0"/>
+              </a:rPr>
+              <a:t>DIV/IDIV</a:t>
+            </a:r>
+          </a:p>
+        </p:txBody>
+      </p:sp>
+      <p:sp>
+        <p:nvSpPr>
+          <p:cNvPr id="3" name="Content Placeholder 2"/>
+          <p:cNvSpPr>
+            <a:spLocks noGrp="1"/>
+          </p:cNvSpPr>
+          <p:nvPr>
+            <p:ph idx="1"/>
+          </p:nvPr>
+        </p:nvSpPr>
+        <p:spPr/>
+        <p:txBody>
+          <a:bodyPr>
+            <a:normAutofit lnSpcReduction="10000"/>
+          </a:bodyPr>
+          <a:lstStyle/>
+          <a:p>
+            <a:pPr>
+              <a:lnSpc>
+                <a:spcPct val="80000"/>
+              </a:lnSpc>
+            </a:pPr>
+            <a:r>
+              <a:rPr lang="en-US" sz="2800" dirty="0">
+                <a:latin typeface="Arial" charset="0"/>
+              </a:rPr>
+              <a:t>DIV S </a:t>
+            </a:r>
+            <a:r>
+              <a:rPr lang="en-US" sz="2800" dirty="0">
+                <a:latin typeface="Arial" charset="0"/>
+                <a:sym typeface="Wingdings" charset="0"/>
+              </a:rPr>
+              <a:t> unsigned division</a:t>
+            </a:r>
+          </a:p>
+          <a:p>
+            <a:pPr>
+              <a:lnSpc>
+                <a:spcPct val="80000"/>
+              </a:lnSpc>
+            </a:pPr>
+            <a:r>
+              <a:rPr lang="en-US" sz="2800" dirty="0">
+                <a:latin typeface="Arial" charset="0"/>
+                <a:sym typeface="Wingdings" charset="0"/>
+              </a:rPr>
+              <a:t>IDIV S  signed division</a:t>
+            </a:r>
+          </a:p>
+          <a:p>
+            <a:pPr>
+              <a:lnSpc>
+                <a:spcPct val="80000"/>
+              </a:lnSpc>
+            </a:pPr>
+            <a:r>
+              <a:rPr lang="en-US" sz="2800" dirty="0">
+                <a:latin typeface="Arial" charset="0"/>
+                <a:sym typeface="Wingdings" charset="0"/>
+              </a:rPr>
+              <a:t>Result split into quotient, remainder</a:t>
+            </a:r>
+          </a:p>
+          <a:p>
+            <a:pPr>
+              <a:lnSpc>
+                <a:spcPct val="80000"/>
+              </a:lnSpc>
+            </a:pPr>
+            <a:r>
+              <a:rPr lang="en-US" sz="2800" dirty="0">
+                <a:latin typeface="Arial" charset="0"/>
+                <a:sym typeface="Wingdings" charset="0"/>
+              </a:rPr>
+              <a:t>Byte: 	(AL) = (AX) / (S)</a:t>
+            </a:r>
+          </a:p>
+          <a:p>
+            <a:pPr>
+              <a:lnSpc>
+                <a:spcPct val="80000"/>
+              </a:lnSpc>
+              <a:buFont typeface="Wingdings" charset="0"/>
+              <a:buNone/>
+            </a:pPr>
+            <a:r>
+              <a:rPr lang="en-US" sz="2800" dirty="0">
+                <a:latin typeface="Arial" charset="0"/>
+                <a:sym typeface="Wingdings" charset="0"/>
+              </a:rPr>
+              <a:t>			(AH) = (AX) % (S)</a:t>
+            </a:r>
+          </a:p>
+          <a:p>
+            <a:pPr>
+              <a:lnSpc>
+                <a:spcPct val="80000"/>
+              </a:lnSpc>
+            </a:pPr>
+            <a:r>
+              <a:rPr lang="en-US" sz="2800" dirty="0">
+                <a:latin typeface="Arial" charset="0"/>
+              </a:rPr>
+              <a:t>Word:	(AX) = (DX,AX) / (S)</a:t>
+            </a:r>
+          </a:p>
+          <a:p>
+            <a:pPr>
+              <a:lnSpc>
+                <a:spcPct val="80000"/>
+              </a:lnSpc>
+              <a:buFont typeface="Wingdings" charset="0"/>
+              <a:buNone/>
+            </a:pPr>
+            <a:r>
+              <a:rPr lang="en-US" sz="2800" dirty="0">
+                <a:latin typeface="Arial" charset="0"/>
+              </a:rPr>
+              <a:t>			(DX) = (DX,AX) % (S)</a:t>
+            </a:r>
+          </a:p>
+          <a:p>
+            <a:pPr>
+              <a:lnSpc>
+                <a:spcPct val="80000"/>
+              </a:lnSpc>
+            </a:pPr>
+            <a:r>
+              <a:rPr lang="en-US" sz="2800" dirty="0" err="1">
+                <a:latin typeface="Arial" charset="0"/>
+              </a:rPr>
+              <a:t>Dword</a:t>
+            </a:r>
+            <a:r>
+              <a:rPr lang="en-US" sz="2800" dirty="0">
+                <a:latin typeface="Arial" charset="0"/>
+              </a:rPr>
+              <a:t>:	(EAX) = (EDX,EAX) / (S)</a:t>
+            </a:r>
+          </a:p>
+          <a:p>
+            <a:pPr>
+              <a:lnSpc>
+                <a:spcPct val="80000"/>
+              </a:lnSpc>
+              <a:buFont typeface="Wingdings" charset="0"/>
+              <a:buNone/>
+            </a:pPr>
+            <a:r>
+              <a:rPr lang="en-US" sz="2800" dirty="0">
+                <a:latin typeface="Arial" charset="0"/>
+              </a:rPr>
+              <a:t>			(EDX) = (EDX,EAX) % (S)</a:t>
+            </a:r>
+          </a:p>
+          <a:p>
+            <a:pPr>
+              <a:lnSpc>
+                <a:spcPct val="80000"/>
+              </a:lnSpc>
+            </a:pPr>
+            <a:r>
+              <a:rPr lang="en-US" sz="2800" dirty="0">
+                <a:latin typeface="Arial" charset="0"/>
+                <a:sym typeface="Wingdings" charset="0"/>
+              </a:rPr>
+              <a:t>Special </a:t>
+            </a:r>
+            <a:r>
+              <a:rPr lang="ja-JP" altLang="en-US" sz="2800" dirty="0">
+                <a:latin typeface="Arial" charset="0"/>
+                <a:sym typeface="Wingdings" charset="0"/>
+              </a:rPr>
+              <a:t>“</a:t>
+            </a:r>
+            <a:r>
+              <a:rPr lang="en-US" sz="2800" dirty="0">
+                <a:latin typeface="Arial" charset="0"/>
+                <a:sym typeface="Wingdings" charset="0"/>
+              </a:rPr>
+              <a:t>convert</a:t>
+            </a:r>
+            <a:r>
+              <a:rPr lang="ja-JP" altLang="en-US" sz="2800" dirty="0">
+                <a:latin typeface="Arial" charset="0"/>
+                <a:sym typeface="Wingdings" charset="0"/>
+              </a:rPr>
+              <a:t>”</a:t>
+            </a:r>
+            <a:r>
+              <a:rPr lang="en-US" sz="2800" dirty="0">
+                <a:latin typeface="Arial" charset="0"/>
+                <a:sym typeface="Wingdings" charset="0"/>
+              </a:rPr>
+              <a:t> instructions used to sign-extend value in register A before division</a:t>
+            </a:r>
+          </a:p>
+          <a:p>
+            <a:pPr>
+              <a:lnSpc>
+                <a:spcPct val="80000"/>
+              </a:lnSpc>
+            </a:pPr>
+            <a:r>
+              <a:rPr lang="en-US" sz="2800" dirty="0">
+                <a:latin typeface="Arial" charset="0"/>
+                <a:sym typeface="Wingdings" charset="0"/>
+              </a:rPr>
+              <a:t>Flags undefined</a:t>
+            </a:r>
+          </a:p>
+          <a:p>
+            <a:pPr lvl="1">
+              <a:lnSpc>
+                <a:spcPct val="80000"/>
+              </a:lnSpc>
+            </a:pPr>
+            <a:r>
+              <a:rPr lang="en-US" sz="2400" dirty="0">
+                <a:latin typeface="Arial" charset="0"/>
+                <a:sym typeface="Wingdings" charset="0"/>
+              </a:rPr>
+              <a:t>Overflow </a:t>
+            </a:r>
+            <a:r>
+              <a:rPr lang="en-US" sz="2400">
+                <a:latin typeface="Arial" charset="0"/>
+                <a:sym typeface="Wingdings" charset="0"/>
+              </a:rPr>
+              <a:t>causes exception</a:t>
+            </a:r>
+            <a:endParaRPr lang="en-US" sz="2400" dirty="0">
+              <a:latin typeface="Arial" charset="0"/>
+              <a:sym typeface="Wingdings" charset="0"/>
+            </a:endParaRPr>
+          </a:p>
+          <a:p>
+            <a:pPr>
+              <a:lnSpc>
+                <a:spcPct val="80000"/>
+              </a:lnSpc>
+              <a:buFont typeface="Wingdings" charset="0"/>
+              <a:buNone/>
+            </a:pPr>
+            <a:endParaRPr lang="en-US" sz="2800" dirty="0">
+              <a:latin typeface="Arial" charset="0"/>
+            </a:endParaRPr>
+          </a:p>
+        </p:txBody>
+      </p:sp>
+      <p:sp>
+        <p:nvSpPr>
+          <p:cNvPr id="4" name="Date Placeholder 3"/>
+          <p:cNvSpPr>
+            <a:spLocks noGrp="1"/>
+          </p:cNvSpPr>
+          <p:nvPr>
+            <p:ph type="dt" sz="quarter" idx="10"/>
+          </p:nvPr>
+        </p:nvSpPr>
+        <p:spPr/>
+        <p:txBody>
+          <a:bodyPr/>
+          <a:lstStyle>
+            <a:lvl1pPr eaLnBrk="0" hangingPunct="0">
+              <a:defRPr>
+                <a:solidFill>
+                  <a:schemeClr val="tx1"/>
+                </a:solidFill>
+                <a:latin typeface="Arial" charset="0"/>
+                <a:ea typeface="ＭＳ Ｐゴシック" charset="0"/>
+                <a:cs typeface="Arial" charset="0"/>
+              </a:defRPr>
+            </a:lvl1pPr>
+            <a:lvl2pPr marL="742950" indent="-285750" eaLnBrk="0" hangingPunct="0">
+              <a:defRPr>
+                <a:solidFill>
+                  <a:schemeClr val="tx1"/>
+                </a:solidFill>
+                <a:latin typeface="Arial" charset="0"/>
+                <a:ea typeface="Arial" charset="0"/>
+                <a:cs typeface="Arial" charset="0"/>
+              </a:defRPr>
+            </a:lvl2pPr>
+            <a:lvl3pPr marL="1143000" indent="-228600" eaLnBrk="0" hangingPunct="0">
+              <a:defRPr>
+                <a:solidFill>
+                  <a:schemeClr val="tx1"/>
+                </a:solidFill>
+                <a:latin typeface="Arial" charset="0"/>
+                <a:ea typeface="Arial" charset="0"/>
+                <a:cs typeface="Arial" charset="0"/>
+              </a:defRPr>
+            </a:lvl3pPr>
+            <a:lvl4pPr marL="1600200" indent="-228600" eaLnBrk="0" hangingPunct="0">
+              <a:defRPr>
+                <a:solidFill>
+                  <a:schemeClr val="tx1"/>
+                </a:solidFill>
+                <a:latin typeface="Arial" charset="0"/>
+                <a:ea typeface="Arial" charset="0"/>
+                <a:cs typeface="Arial" charset="0"/>
+              </a:defRPr>
+            </a:lvl4pPr>
+            <a:lvl5pPr marL="2057400" indent="-228600" eaLnBrk="0" hangingPunct="0">
+              <a:defRPr>
+                <a:solidFill>
+                  <a:schemeClr val="tx1"/>
+                </a:solidFill>
+                <a:latin typeface="Arial" charset="0"/>
+                <a:ea typeface="Arial" charset="0"/>
+                <a:cs typeface="Arial" charset="0"/>
+              </a:defRPr>
+            </a:lvl5pPr>
+            <a:lvl6pPr marL="2514600" indent="-228600" eaLnBrk="0" fontAlgn="base" hangingPunct="0">
+              <a:spcBef>
+                <a:spcPct val="0"/>
+              </a:spcBef>
+              <a:spcAft>
+                <a:spcPct val="0"/>
+              </a:spcAft>
+              <a:defRPr>
+                <a:solidFill>
+                  <a:schemeClr val="tx1"/>
+                </a:solidFill>
+                <a:latin typeface="Arial" charset="0"/>
+                <a:ea typeface="Arial" charset="0"/>
+                <a:cs typeface="Arial" charset="0"/>
+              </a:defRPr>
+            </a:lvl6pPr>
+            <a:lvl7pPr marL="2971800" indent="-228600" eaLnBrk="0" fontAlgn="base" hangingPunct="0">
+              <a:spcBef>
+                <a:spcPct val="0"/>
+              </a:spcBef>
+              <a:spcAft>
+                <a:spcPct val="0"/>
+              </a:spcAft>
+              <a:defRPr>
+                <a:solidFill>
+                  <a:schemeClr val="tx1"/>
+                </a:solidFill>
+                <a:latin typeface="Arial" charset="0"/>
+                <a:ea typeface="Arial" charset="0"/>
+                <a:cs typeface="Arial" charset="0"/>
+              </a:defRPr>
+            </a:lvl7pPr>
+            <a:lvl8pPr marL="3429000" indent="-228600" eaLnBrk="0" fontAlgn="base" hangingPunct="0">
+              <a:spcBef>
+                <a:spcPct val="0"/>
+              </a:spcBef>
+              <a:spcAft>
+                <a:spcPct val="0"/>
+              </a:spcAft>
+              <a:defRPr>
+                <a:solidFill>
+                  <a:schemeClr val="tx1"/>
+                </a:solidFill>
+                <a:latin typeface="Arial" charset="0"/>
+                <a:ea typeface="Arial" charset="0"/>
+                <a:cs typeface="Arial" charset="0"/>
+              </a:defRPr>
+            </a:lvl8pPr>
+            <a:lvl9pPr marL="3886200" indent="-228600" eaLnBrk="0" fontAlgn="base" hangingPunct="0">
+              <a:spcBef>
+                <a:spcPct val="0"/>
+              </a:spcBef>
+              <a:spcAft>
+                <a:spcPct val="0"/>
+              </a:spcAft>
+              <a:defRPr>
+                <a:solidFill>
+                  <a:schemeClr val="tx1"/>
+                </a:solidFill>
+                <a:latin typeface="Arial" charset="0"/>
+                <a:ea typeface="Arial" charset="0"/>
+                <a:cs typeface="Arial" charset="0"/>
+              </a:defRPr>
+            </a:lvl9pPr>
+          </a:lstStyle>
+          <a:p>
+            <a:pPr eaLnBrk="1" hangingPunct="1"/>
+            <a:fld id="{5A92D71F-64D1-458C-A210-90F979D2D949}" type="datetime1">
+              <a:rPr lang="en-US" smtClean="0">
+                <a:latin typeface="Garamond" charset="0"/>
+              </a:rPr>
+              <a:t>9/25/2019</a:t>
+            </a:fld>
+            <a:endParaRPr lang="en-US">
+              <a:latin typeface="Garamond" charset="0"/>
+            </a:endParaRPr>
+          </a:p>
+        </p:txBody>
+      </p:sp>
+      <p:sp>
+        <p:nvSpPr>
+          <p:cNvPr id="5" name="Footer Placeholder 4"/>
+          <p:cNvSpPr>
+            <a:spLocks noGrp="1"/>
+          </p:cNvSpPr>
+          <p:nvPr>
+            <p:ph type="ftr" sz="quarter" idx="11"/>
+          </p:nvPr>
+        </p:nvSpPr>
+        <p:spPr/>
+        <p:txBody>
+          <a:bodyPr/>
+          <a:lstStyle/>
+          <a:p>
+            <a:pPr>
+              <a:defRPr/>
+            </a:pPr>
+            <a:r>
+              <a:rPr lang="en-US" altLang="en-US"/>
+              <a:t>Microprocessors I:  Lecture 8</a:t>
+            </a:r>
+          </a:p>
+        </p:txBody>
+      </p:sp>
+      <p:sp>
+        <p:nvSpPr>
+          <p:cNvPr id="6" name="Slide Number Placeholder 5"/>
+          <p:cNvSpPr>
+            <a:spLocks noGrp="1"/>
+          </p:cNvSpPr>
+          <p:nvPr>
+            <p:ph type="sldNum" sz="quarter" idx="12"/>
+          </p:nvPr>
+        </p:nvSpPr>
+        <p:spPr/>
+        <p:txBody>
+          <a:bodyPr/>
+          <a:lstStyle>
+            <a:lvl1pPr eaLnBrk="0" hangingPunct="0">
+              <a:defRPr>
+                <a:solidFill>
+                  <a:schemeClr val="tx1"/>
+                </a:solidFill>
+                <a:latin typeface="Arial" charset="0"/>
+                <a:ea typeface="ＭＳ Ｐゴシック" charset="0"/>
+                <a:cs typeface="Arial" charset="0"/>
+              </a:defRPr>
+            </a:lvl1pPr>
+            <a:lvl2pPr marL="742950" indent="-285750" eaLnBrk="0" hangingPunct="0">
+              <a:defRPr>
+                <a:solidFill>
+                  <a:schemeClr val="tx1"/>
+                </a:solidFill>
+                <a:latin typeface="Arial" charset="0"/>
+                <a:ea typeface="Arial" charset="0"/>
+                <a:cs typeface="Arial" charset="0"/>
+              </a:defRPr>
+            </a:lvl2pPr>
+            <a:lvl3pPr marL="1143000" indent="-228600" eaLnBrk="0" hangingPunct="0">
+              <a:defRPr>
+                <a:solidFill>
+                  <a:schemeClr val="tx1"/>
+                </a:solidFill>
+                <a:latin typeface="Arial" charset="0"/>
+                <a:ea typeface="Arial" charset="0"/>
+                <a:cs typeface="Arial" charset="0"/>
+              </a:defRPr>
+            </a:lvl3pPr>
+            <a:lvl4pPr marL="1600200" indent="-228600" eaLnBrk="0" hangingPunct="0">
+              <a:defRPr>
+                <a:solidFill>
+                  <a:schemeClr val="tx1"/>
+                </a:solidFill>
+                <a:latin typeface="Arial" charset="0"/>
+                <a:ea typeface="Arial" charset="0"/>
+                <a:cs typeface="Arial" charset="0"/>
+              </a:defRPr>
+            </a:lvl4pPr>
+            <a:lvl5pPr marL="2057400" indent="-228600" eaLnBrk="0" hangingPunct="0">
+              <a:defRPr>
+                <a:solidFill>
+                  <a:schemeClr val="tx1"/>
+                </a:solidFill>
+                <a:latin typeface="Arial" charset="0"/>
+                <a:ea typeface="Arial" charset="0"/>
+                <a:cs typeface="Arial" charset="0"/>
+              </a:defRPr>
+            </a:lvl5pPr>
+            <a:lvl6pPr marL="2514600" indent="-228600" eaLnBrk="0" fontAlgn="base" hangingPunct="0">
+              <a:spcBef>
+                <a:spcPct val="0"/>
+              </a:spcBef>
+              <a:spcAft>
+                <a:spcPct val="0"/>
+              </a:spcAft>
+              <a:defRPr>
+                <a:solidFill>
+                  <a:schemeClr val="tx1"/>
+                </a:solidFill>
+                <a:latin typeface="Arial" charset="0"/>
+                <a:ea typeface="Arial" charset="0"/>
+                <a:cs typeface="Arial" charset="0"/>
+              </a:defRPr>
+            </a:lvl6pPr>
+            <a:lvl7pPr marL="2971800" indent="-228600" eaLnBrk="0" fontAlgn="base" hangingPunct="0">
+              <a:spcBef>
+                <a:spcPct val="0"/>
+              </a:spcBef>
+              <a:spcAft>
+                <a:spcPct val="0"/>
+              </a:spcAft>
+              <a:defRPr>
+                <a:solidFill>
+                  <a:schemeClr val="tx1"/>
+                </a:solidFill>
+                <a:latin typeface="Arial" charset="0"/>
+                <a:ea typeface="Arial" charset="0"/>
+                <a:cs typeface="Arial" charset="0"/>
+              </a:defRPr>
+            </a:lvl7pPr>
+            <a:lvl8pPr marL="3429000" indent="-228600" eaLnBrk="0" fontAlgn="base" hangingPunct="0">
+              <a:spcBef>
+                <a:spcPct val="0"/>
+              </a:spcBef>
+              <a:spcAft>
+                <a:spcPct val="0"/>
+              </a:spcAft>
+              <a:defRPr>
+                <a:solidFill>
+                  <a:schemeClr val="tx1"/>
+                </a:solidFill>
+                <a:latin typeface="Arial" charset="0"/>
+                <a:ea typeface="Arial" charset="0"/>
+                <a:cs typeface="Arial" charset="0"/>
+              </a:defRPr>
+            </a:lvl8pPr>
+            <a:lvl9pPr marL="3886200" indent="-228600" eaLnBrk="0" fontAlgn="base" hangingPunct="0">
+              <a:spcBef>
+                <a:spcPct val="0"/>
+              </a:spcBef>
+              <a:spcAft>
+                <a:spcPct val="0"/>
+              </a:spcAft>
+              <a:defRPr>
+                <a:solidFill>
+                  <a:schemeClr val="tx1"/>
+                </a:solidFill>
+                <a:latin typeface="Arial" charset="0"/>
+                <a:ea typeface="Arial" charset="0"/>
+                <a:cs typeface="Arial" charset="0"/>
+              </a:defRPr>
+            </a:lvl9pPr>
+          </a:lstStyle>
+          <a:p>
+            <a:pPr eaLnBrk="1" hangingPunct="1"/>
+            <a:fld id="{8DC39F85-2198-7449-83D8-8ADFE0232C2D}" type="slidenum">
+              <a:rPr lang="en-US">
+                <a:latin typeface="Garamond" charset="0"/>
+              </a:rPr>
+              <a:pPr eaLnBrk="1" hangingPunct="1"/>
+              <a:t>20</a:t>
+            </a:fld>
+            <a:endParaRPr lang="en-US">
+              <a:latin typeface="Garamond" charset="0"/>
+            </a:endParaRPr>
+          </a:p>
+        </p:txBody>
+      </p:sp>
+    </p:spTree>
+    <p:extLst>
+      <p:ext uri="{BB962C8B-B14F-4D97-AF65-F5344CB8AC3E}">
+        <p14:creationId xmlns:p14="http://schemas.microsoft.com/office/powerpoint/2010/main" val="1070734570"/>
+      </p:ext>
+    </p:extLst>
+  </p:cSld>
+  <p:clrMapOvr>
+    <a:masterClrMapping/>
+  </p:clrMapOvr>
+</p:sld>
+</file>
+
+<file path=ppt/slides/slide21.xml><?xml version="1.0" encoding="utf-8"?>
+<p:sld xmlns:a="http://schemas.openxmlformats.org/drawingml/2006/main" xmlns:r="http://schemas.openxmlformats.org/officeDocument/2006/relationships" xmlns:p="http://schemas.openxmlformats.org/presentationml/2006/main">
+  <p:cSld>
+    <p:spTree>
+      <p:nvGrpSpPr>
+        <p:cNvPr id="1" name=""/>
+        <p:cNvGrpSpPr/>
+        <p:nvPr/>
+      </p:nvGrpSpPr>
+      <p:grpSpPr>
+        <a:xfrm>
+          <a:off x="0" y="0"/>
+          <a:ext cx="0" cy="0"/>
+          <a:chOff x="0" y="0"/>
+          <a:chExt cx="0" cy="0"/>
+        </a:xfrm>
+      </p:grpSpPr>
+      <p:sp>
+        <p:nvSpPr>
+          <p:cNvPr id="10242" name="Title 1"/>
+          <p:cNvSpPr>
+            <a:spLocks noGrp="1"/>
+          </p:cNvSpPr>
+          <p:nvPr>
+            <p:ph type="title"/>
+          </p:nvPr>
+        </p:nvSpPr>
+        <p:spPr/>
+        <p:txBody>
+          <a:bodyPr/>
+          <a:lstStyle/>
+          <a:p>
+            <a:r>
+              <a:rPr lang="en-US">
+                <a:latin typeface="Garamond" charset="0"/>
+              </a:rPr>
+              <a:t>Example</a:t>
+            </a:r>
+          </a:p>
+        </p:txBody>
+      </p:sp>
+      <p:sp>
+        <p:nvSpPr>
+          <p:cNvPr id="3" name="Content Placeholder 2"/>
+          <p:cNvSpPr>
+            <a:spLocks noGrp="1"/>
+          </p:cNvSpPr>
+          <p:nvPr>
+            <p:ph idx="1"/>
+          </p:nvPr>
+        </p:nvSpPr>
+        <p:spPr/>
+        <p:txBody>
+          <a:bodyPr>
+            <a:normAutofit fontScale="92500" lnSpcReduction="10000"/>
+          </a:bodyPr>
+          <a:lstStyle/>
+          <a:p>
+            <a:pPr>
+              <a:buFont typeface="Wingdings" pitchFamily="2" charset="2"/>
+              <a:buChar char="n"/>
+              <a:defRPr/>
+            </a:pPr>
+            <a:r>
+              <a:rPr lang="en-US" dirty="0">
+                <a:ea typeface="+mn-ea"/>
+              </a:rPr>
+              <a:t>Given</a:t>
+            </a:r>
+          </a:p>
+          <a:p>
+            <a:pPr lvl="1">
+              <a:buFont typeface="Wingdings" pitchFamily="2" charset="2"/>
+              <a:buChar char="q"/>
+              <a:defRPr/>
+            </a:pPr>
+            <a:r>
+              <a:rPr lang="en-US" dirty="0"/>
+              <a:t>EAX = 0x00000005</a:t>
+            </a:r>
+          </a:p>
+          <a:p>
+            <a:pPr lvl="1">
+              <a:buFont typeface="Wingdings" pitchFamily="2" charset="2"/>
+              <a:buChar char="q"/>
+              <a:defRPr/>
+            </a:pPr>
+            <a:r>
+              <a:rPr lang="en-US" dirty="0"/>
+              <a:t>EBX = 0x0000FF02</a:t>
+            </a:r>
+          </a:p>
+          <a:p>
+            <a:pPr>
+              <a:buFont typeface="Wingdings" pitchFamily="2" charset="2"/>
+              <a:buChar char="n"/>
+              <a:defRPr/>
+            </a:pPr>
+            <a:r>
+              <a:rPr lang="en-US" dirty="0">
+                <a:ea typeface="+mn-ea"/>
+              </a:rPr>
+              <a:t>What are the results of the following instructions? (Assume all instructions start with same values in registers above)</a:t>
+            </a:r>
+          </a:p>
+          <a:p>
+            <a:pPr lvl="1">
+              <a:buFont typeface="Wingdings" pitchFamily="2" charset="2"/>
+              <a:buChar char="q"/>
+              <a:defRPr/>
+            </a:pPr>
+            <a:r>
+              <a:rPr lang="en-US" dirty="0"/>
+              <a:t>MUL	BL</a:t>
+            </a:r>
+          </a:p>
+          <a:p>
+            <a:pPr lvl="1">
+              <a:buFont typeface="Wingdings" pitchFamily="2" charset="2"/>
+              <a:buChar char="q"/>
+              <a:defRPr/>
+            </a:pPr>
+            <a:r>
+              <a:rPr lang="en-US" dirty="0"/>
+              <a:t>MUL	BH</a:t>
+            </a:r>
+          </a:p>
+          <a:p>
+            <a:pPr lvl="1">
+              <a:buFont typeface="Wingdings" pitchFamily="2" charset="2"/>
+              <a:buChar char="q"/>
+              <a:defRPr/>
+            </a:pPr>
+            <a:r>
+              <a:rPr lang="en-US" dirty="0"/>
+              <a:t>IMUL	BH</a:t>
+            </a:r>
+          </a:p>
+          <a:p>
+            <a:pPr lvl="1">
+              <a:buFont typeface="Wingdings" pitchFamily="2" charset="2"/>
+              <a:buChar char="q"/>
+              <a:defRPr/>
+            </a:pPr>
+            <a:r>
+              <a:rPr lang="en-US" dirty="0"/>
+              <a:t>DIV	BL</a:t>
+            </a:r>
+          </a:p>
+          <a:p>
+            <a:pPr lvl="1">
+              <a:buFont typeface="Wingdings" pitchFamily="2" charset="2"/>
+              <a:buChar char="q"/>
+              <a:defRPr/>
+            </a:pPr>
+            <a:r>
+              <a:rPr lang="en-US" dirty="0"/>
+              <a:t>DIV	BH</a:t>
+            </a:r>
+          </a:p>
+          <a:p>
+            <a:pPr lvl="1">
+              <a:buFont typeface="Wingdings" pitchFamily="2" charset="2"/>
+              <a:buChar char="q"/>
+              <a:defRPr/>
+            </a:pPr>
+            <a:r>
+              <a:rPr lang="en-US" dirty="0"/>
+              <a:t>IDIV	BH</a:t>
+            </a:r>
+          </a:p>
+        </p:txBody>
+      </p:sp>
+      <p:sp>
+        <p:nvSpPr>
+          <p:cNvPr id="4" name="Date Placeholder 3"/>
+          <p:cNvSpPr>
+            <a:spLocks noGrp="1"/>
+          </p:cNvSpPr>
+          <p:nvPr>
+            <p:ph type="dt" sz="quarter" idx="10"/>
+          </p:nvPr>
+        </p:nvSpPr>
+        <p:spPr/>
+        <p:txBody>
+          <a:bodyPr/>
+          <a:lstStyle>
+            <a:lvl1pPr eaLnBrk="0" hangingPunct="0">
+              <a:defRPr>
+                <a:solidFill>
+                  <a:schemeClr val="tx1"/>
+                </a:solidFill>
+                <a:latin typeface="Arial" charset="0"/>
+                <a:ea typeface="ＭＳ Ｐゴシック" charset="0"/>
+                <a:cs typeface="Arial" charset="0"/>
+              </a:defRPr>
+            </a:lvl1pPr>
+            <a:lvl2pPr marL="742950" indent="-285750" eaLnBrk="0" hangingPunct="0">
+              <a:defRPr>
+                <a:solidFill>
+                  <a:schemeClr val="tx1"/>
+                </a:solidFill>
+                <a:latin typeface="Arial" charset="0"/>
+                <a:ea typeface="Arial" charset="0"/>
+                <a:cs typeface="Arial" charset="0"/>
+              </a:defRPr>
+            </a:lvl2pPr>
+            <a:lvl3pPr marL="1143000" indent="-228600" eaLnBrk="0" hangingPunct="0">
+              <a:defRPr>
+                <a:solidFill>
+                  <a:schemeClr val="tx1"/>
+                </a:solidFill>
+                <a:latin typeface="Arial" charset="0"/>
+                <a:ea typeface="Arial" charset="0"/>
+                <a:cs typeface="Arial" charset="0"/>
+              </a:defRPr>
+            </a:lvl3pPr>
+            <a:lvl4pPr marL="1600200" indent="-228600" eaLnBrk="0" hangingPunct="0">
+              <a:defRPr>
+                <a:solidFill>
+                  <a:schemeClr val="tx1"/>
+                </a:solidFill>
+                <a:latin typeface="Arial" charset="0"/>
+                <a:ea typeface="Arial" charset="0"/>
+                <a:cs typeface="Arial" charset="0"/>
+              </a:defRPr>
+            </a:lvl4pPr>
+            <a:lvl5pPr marL="2057400" indent="-228600" eaLnBrk="0" hangingPunct="0">
+              <a:defRPr>
+                <a:solidFill>
+                  <a:schemeClr val="tx1"/>
+                </a:solidFill>
+                <a:latin typeface="Arial" charset="0"/>
+                <a:ea typeface="Arial" charset="0"/>
+                <a:cs typeface="Arial" charset="0"/>
+              </a:defRPr>
+            </a:lvl5pPr>
+            <a:lvl6pPr marL="2514600" indent="-228600" eaLnBrk="0" fontAlgn="base" hangingPunct="0">
+              <a:spcBef>
+                <a:spcPct val="0"/>
+              </a:spcBef>
+              <a:spcAft>
+                <a:spcPct val="0"/>
+              </a:spcAft>
+              <a:defRPr>
+                <a:solidFill>
+                  <a:schemeClr val="tx1"/>
+                </a:solidFill>
+                <a:latin typeface="Arial" charset="0"/>
+                <a:ea typeface="Arial" charset="0"/>
+                <a:cs typeface="Arial" charset="0"/>
+              </a:defRPr>
+            </a:lvl6pPr>
+            <a:lvl7pPr marL="2971800" indent="-228600" eaLnBrk="0" fontAlgn="base" hangingPunct="0">
+              <a:spcBef>
+                <a:spcPct val="0"/>
+              </a:spcBef>
+              <a:spcAft>
+                <a:spcPct val="0"/>
+              </a:spcAft>
+              <a:defRPr>
+                <a:solidFill>
+                  <a:schemeClr val="tx1"/>
+                </a:solidFill>
+                <a:latin typeface="Arial" charset="0"/>
+                <a:ea typeface="Arial" charset="0"/>
+                <a:cs typeface="Arial" charset="0"/>
+              </a:defRPr>
+            </a:lvl7pPr>
+            <a:lvl8pPr marL="3429000" indent="-228600" eaLnBrk="0" fontAlgn="base" hangingPunct="0">
+              <a:spcBef>
+                <a:spcPct val="0"/>
+              </a:spcBef>
+              <a:spcAft>
+                <a:spcPct val="0"/>
+              </a:spcAft>
+              <a:defRPr>
+                <a:solidFill>
+                  <a:schemeClr val="tx1"/>
+                </a:solidFill>
+                <a:latin typeface="Arial" charset="0"/>
+                <a:ea typeface="Arial" charset="0"/>
+                <a:cs typeface="Arial" charset="0"/>
+              </a:defRPr>
+            </a:lvl8pPr>
+            <a:lvl9pPr marL="3886200" indent="-228600" eaLnBrk="0" fontAlgn="base" hangingPunct="0">
+              <a:spcBef>
+                <a:spcPct val="0"/>
+              </a:spcBef>
+              <a:spcAft>
+                <a:spcPct val="0"/>
+              </a:spcAft>
+              <a:defRPr>
+                <a:solidFill>
+                  <a:schemeClr val="tx1"/>
+                </a:solidFill>
+                <a:latin typeface="Arial" charset="0"/>
+                <a:ea typeface="Arial" charset="0"/>
+                <a:cs typeface="Arial" charset="0"/>
+              </a:defRPr>
+            </a:lvl9pPr>
+          </a:lstStyle>
+          <a:p>
+            <a:pPr eaLnBrk="1" hangingPunct="1"/>
+            <a:fld id="{56C5E92A-A528-4447-9BD0-198E8B36895D}" type="datetime1">
+              <a:rPr lang="en-US" smtClean="0">
+                <a:latin typeface="Garamond" charset="0"/>
+              </a:rPr>
+              <a:t>9/25/2019</a:t>
+            </a:fld>
+            <a:endParaRPr lang="en-US">
+              <a:latin typeface="Garamond" charset="0"/>
+            </a:endParaRPr>
+          </a:p>
+        </p:txBody>
+      </p:sp>
+      <p:sp>
+        <p:nvSpPr>
+          <p:cNvPr id="5" name="Footer Placeholder 4"/>
+          <p:cNvSpPr>
+            <a:spLocks noGrp="1"/>
+          </p:cNvSpPr>
+          <p:nvPr>
+            <p:ph type="ftr" sz="quarter" idx="11"/>
+          </p:nvPr>
+        </p:nvSpPr>
+        <p:spPr/>
+        <p:txBody>
+          <a:bodyPr/>
+          <a:lstStyle/>
+          <a:p>
+            <a:pPr>
+              <a:defRPr/>
+            </a:pPr>
+            <a:r>
+              <a:rPr lang="en-US" altLang="en-US"/>
+              <a:t>Microprocessors I:  Lecture 8</a:t>
+            </a:r>
+          </a:p>
+        </p:txBody>
+      </p:sp>
+      <p:sp>
+        <p:nvSpPr>
+          <p:cNvPr id="6" name="Slide Number Placeholder 5"/>
+          <p:cNvSpPr>
+            <a:spLocks noGrp="1"/>
+          </p:cNvSpPr>
+          <p:nvPr>
+            <p:ph type="sldNum" sz="quarter" idx="12"/>
+          </p:nvPr>
+        </p:nvSpPr>
+        <p:spPr/>
+        <p:txBody>
+          <a:bodyPr/>
+          <a:lstStyle>
+            <a:lvl1pPr eaLnBrk="0" hangingPunct="0">
+              <a:defRPr>
+                <a:solidFill>
+                  <a:schemeClr val="tx1"/>
+                </a:solidFill>
+                <a:latin typeface="Arial" charset="0"/>
+                <a:ea typeface="ＭＳ Ｐゴシック" charset="0"/>
+                <a:cs typeface="Arial" charset="0"/>
+              </a:defRPr>
+            </a:lvl1pPr>
+            <a:lvl2pPr marL="742950" indent="-285750" eaLnBrk="0" hangingPunct="0">
+              <a:defRPr>
+                <a:solidFill>
+                  <a:schemeClr val="tx1"/>
+                </a:solidFill>
+                <a:latin typeface="Arial" charset="0"/>
+                <a:ea typeface="Arial" charset="0"/>
+                <a:cs typeface="Arial" charset="0"/>
+              </a:defRPr>
+            </a:lvl2pPr>
+            <a:lvl3pPr marL="1143000" indent="-228600" eaLnBrk="0" hangingPunct="0">
+              <a:defRPr>
+                <a:solidFill>
+                  <a:schemeClr val="tx1"/>
+                </a:solidFill>
+                <a:latin typeface="Arial" charset="0"/>
+                <a:ea typeface="Arial" charset="0"/>
+                <a:cs typeface="Arial" charset="0"/>
+              </a:defRPr>
+            </a:lvl3pPr>
+            <a:lvl4pPr marL="1600200" indent="-228600" eaLnBrk="0" hangingPunct="0">
+              <a:defRPr>
+                <a:solidFill>
+                  <a:schemeClr val="tx1"/>
+                </a:solidFill>
+                <a:latin typeface="Arial" charset="0"/>
+                <a:ea typeface="Arial" charset="0"/>
+                <a:cs typeface="Arial" charset="0"/>
+              </a:defRPr>
+            </a:lvl4pPr>
+            <a:lvl5pPr marL="2057400" indent="-228600" eaLnBrk="0" hangingPunct="0">
+              <a:defRPr>
+                <a:solidFill>
+                  <a:schemeClr val="tx1"/>
+                </a:solidFill>
+                <a:latin typeface="Arial" charset="0"/>
+                <a:ea typeface="Arial" charset="0"/>
+                <a:cs typeface="Arial" charset="0"/>
+              </a:defRPr>
+            </a:lvl5pPr>
+            <a:lvl6pPr marL="2514600" indent="-228600" eaLnBrk="0" fontAlgn="base" hangingPunct="0">
+              <a:spcBef>
+                <a:spcPct val="0"/>
+              </a:spcBef>
+              <a:spcAft>
+                <a:spcPct val="0"/>
+              </a:spcAft>
+              <a:defRPr>
+                <a:solidFill>
+                  <a:schemeClr val="tx1"/>
+                </a:solidFill>
+                <a:latin typeface="Arial" charset="0"/>
+                <a:ea typeface="Arial" charset="0"/>
+                <a:cs typeface="Arial" charset="0"/>
+              </a:defRPr>
+            </a:lvl6pPr>
+            <a:lvl7pPr marL="2971800" indent="-228600" eaLnBrk="0" fontAlgn="base" hangingPunct="0">
+              <a:spcBef>
+                <a:spcPct val="0"/>
+              </a:spcBef>
+              <a:spcAft>
+                <a:spcPct val="0"/>
+              </a:spcAft>
+              <a:defRPr>
+                <a:solidFill>
+                  <a:schemeClr val="tx1"/>
+                </a:solidFill>
+                <a:latin typeface="Arial" charset="0"/>
+                <a:ea typeface="Arial" charset="0"/>
+                <a:cs typeface="Arial" charset="0"/>
+              </a:defRPr>
+            </a:lvl7pPr>
+            <a:lvl8pPr marL="3429000" indent="-228600" eaLnBrk="0" fontAlgn="base" hangingPunct="0">
+              <a:spcBef>
+                <a:spcPct val="0"/>
+              </a:spcBef>
+              <a:spcAft>
+                <a:spcPct val="0"/>
+              </a:spcAft>
+              <a:defRPr>
+                <a:solidFill>
+                  <a:schemeClr val="tx1"/>
+                </a:solidFill>
+                <a:latin typeface="Arial" charset="0"/>
+                <a:ea typeface="Arial" charset="0"/>
+                <a:cs typeface="Arial" charset="0"/>
+              </a:defRPr>
+            </a:lvl8pPr>
+            <a:lvl9pPr marL="3886200" indent="-228600" eaLnBrk="0" fontAlgn="base" hangingPunct="0">
+              <a:spcBef>
+                <a:spcPct val="0"/>
+              </a:spcBef>
+              <a:spcAft>
+                <a:spcPct val="0"/>
+              </a:spcAft>
+              <a:defRPr>
+                <a:solidFill>
+                  <a:schemeClr val="tx1"/>
+                </a:solidFill>
+                <a:latin typeface="Arial" charset="0"/>
+                <a:ea typeface="Arial" charset="0"/>
+                <a:cs typeface="Arial" charset="0"/>
+              </a:defRPr>
+            </a:lvl9pPr>
+          </a:lstStyle>
+          <a:p>
+            <a:pPr eaLnBrk="1" hangingPunct="1"/>
+            <a:fld id="{E9E7D69B-7498-B04C-9FE8-D21C1A6A4930}" type="slidenum">
+              <a:rPr lang="en-US">
+                <a:latin typeface="Garamond" charset="0"/>
+              </a:rPr>
+              <a:pPr eaLnBrk="1" hangingPunct="1"/>
+              <a:t>21</a:t>
+            </a:fld>
+            <a:endParaRPr lang="en-US">
+              <a:latin typeface="Garamond" charset="0"/>
+            </a:endParaRPr>
+          </a:p>
+        </p:txBody>
+      </p:sp>
+    </p:spTree>
+    <p:extLst>
+      <p:ext uri="{BB962C8B-B14F-4D97-AF65-F5344CB8AC3E}">
+        <p14:creationId xmlns:p14="http://schemas.microsoft.com/office/powerpoint/2010/main" val="2852139503"/>
+      </p:ext>
+    </p:extLst>
+  </p:cSld>
+  <p:clrMapOvr>
+    <a:masterClrMapping/>
+  </p:clrMapOvr>
+</p:sld>
+</file>
+
+<file path=ppt/slides/slide22.xml><?xml version="1.0" encoding="utf-8"?>
+<p:sld xmlns:a="http://schemas.openxmlformats.org/drawingml/2006/main" xmlns:r="http://schemas.openxmlformats.org/officeDocument/2006/relationships" xmlns:p="http://schemas.openxmlformats.org/presentationml/2006/main">
+  <p:cSld>
+    <p:spTree>
+      <p:nvGrpSpPr>
+        <p:cNvPr id="1" name=""/>
+        <p:cNvGrpSpPr/>
+        <p:nvPr/>
+      </p:nvGrpSpPr>
+      <p:grpSpPr>
+        <a:xfrm>
+          <a:off x="0" y="0"/>
+          <a:ext cx="0" cy="0"/>
+          <a:chOff x="0" y="0"/>
+          <a:chExt cx="0" cy="0"/>
+        </a:xfrm>
+      </p:grpSpPr>
+      <p:sp>
+        <p:nvSpPr>
+          <p:cNvPr id="11266" name="Title 1"/>
+          <p:cNvSpPr>
+            <a:spLocks noGrp="1"/>
+          </p:cNvSpPr>
+          <p:nvPr>
+            <p:ph type="title"/>
+          </p:nvPr>
+        </p:nvSpPr>
+        <p:spPr/>
+        <p:txBody>
+          <a:bodyPr/>
+          <a:lstStyle/>
+          <a:p>
+            <a:r>
+              <a:rPr lang="en-US">
+                <a:latin typeface="Garamond" charset="0"/>
+              </a:rPr>
+              <a:t>Solution</a:t>
+            </a:r>
+          </a:p>
+        </p:txBody>
+      </p:sp>
+      <p:sp>
+        <p:nvSpPr>
+          <p:cNvPr id="3" name="Content Placeholder 2"/>
+          <p:cNvSpPr>
+            <a:spLocks noGrp="1"/>
+          </p:cNvSpPr>
+          <p:nvPr>
+            <p:ph idx="1"/>
+          </p:nvPr>
+        </p:nvSpPr>
+        <p:spPr/>
+        <p:txBody>
+          <a:bodyPr>
+            <a:normAutofit fontScale="92500" lnSpcReduction="20000"/>
+          </a:bodyPr>
+          <a:lstStyle/>
+          <a:p>
+            <a:pPr>
+              <a:buFont typeface="Wingdings" pitchFamily="2" charset="2"/>
+              <a:buChar char="n"/>
+              <a:defRPr/>
+            </a:pPr>
+            <a:r>
+              <a:rPr lang="en-US" dirty="0">
+                <a:solidFill>
+                  <a:srgbClr val="FF0000"/>
+                </a:solidFill>
+                <a:ea typeface="+mn-ea"/>
+              </a:rPr>
+              <a:t>Consider that BH = 0xFF = 1111 1111</a:t>
+            </a:r>
+            <a:r>
+              <a:rPr lang="en-US" baseline="-25000" dirty="0">
+                <a:solidFill>
+                  <a:srgbClr val="FF0000"/>
+                </a:solidFill>
+                <a:ea typeface="+mn-ea"/>
+              </a:rPr>
+              <a:t>2</a:t>
+            </a:r>
+            <a:endParaRPr lang="en-US" dirty="0">
+              <a:solidFill>
+                <a:srgbClr val="FF0000"/>
+              </a:solidFill>
+              <a:ea typeface="+mn-ea"/>
+            </a:endParaRPr>
+          </a:p>
+          <a:p>
+            <a:pPr lvl="1">
+              <a:buFont typeface="Wingdings" pitchFamily="2" charset="2"/>
+              <a:buChar char="q"/>
+              <a:defRPr/>
+            </a:pPr>
+            <a:r>
+              <a:rPr lang="en-US" dirty="0">
+                <a:solidFill>
+                  <a:srgbClr val="FF0000"/>
+                </a:solidFill>
+              </a:rPr>
+              <a:t>As unsigned value, 0xFF = 255</a:t>
+            </a:r>
+            <a:r>
+              <a:rPr lang="en-US" baseline="-25000" dirty="0">
+                <a:solidFill>
+                  <a:srgbClr val="FF0000"/>
+                </a:solidFill>
+              </a:rPr>
+              <a:t>10</a:t>
+            </a:r>
+            <a:endParaRPr lang="en-US" dirty="0">
+              <a:solidFill>
+                <a:srgbClr val="FF0000"/>
+              </a:solidFill>
+            </a:endParaRPr>
+          </a:p>
+          <a:p>
+            <a:pPr lvl="1">
+              <a:buFont typeface="Wingdings" pitchFamily="2" charset="2"/>
+              <a:buChar char="q"/>
+              <a:defRPr/>
+            </a:pPr>
+            <a:r>
+              <a:rPr lang="en-US" dirty="0">
+                <a:solidFill>
+                  <a:srgbClr val="FF0000"/>
+                </a:solidFill>
+              </a:rPr>
+              <a:t>As signed value, 0xFF = -1</a:t>
+            </a:r>
+            <a:r>
+              <a:rPr lang="en-US" baseline="-25000" dirty="0">
+                <a:solidFill>
+                  <a:srgbClr val="FF0000"/>
+                </a:solidFill>
+              </a:rPr>
+              <a:t>10</a:t>
+            </a:r>
+            <a:endParaRPr lang="en-US" dirty="0">
+              <a:solidFill>
+                <a:srgbClr val="FF0000"/>
+              </a:solidFill>
+            </a:endParaRPr>
+          </a:p>
+          <a:p>
+            <a:pPr>
+              <a:buFont typeface="Wingdings" pitchFamily="2" charset="2"/>
+              <a:buChar char="n"/>
+              <a:defRPr/>
+            </a:pPr>
+            <a:r>
+              <a:rPr lang="en-US" dirty="0">
+                <a:solidFill>
+                  <a:srgbClr val="FF0000"/>
+                </a:solidFill>
+                <a:ea typeface="+mn-ea"/>
+              </a:rPr>
+              <a:t>MUL	BL</a:t>
+            </a:r>
+          </a:p>
+          <a:p>
+            <a:pPr lvl="1">
+              <a:buFont typeface="Wingdings" pitchFamily="2" charset="2"/>
+              <a:buChar char="q"/>
+              <a:defRPr/>
+            </a:pPr>
+            <a:r>
+              <a:rPr lang="en-US" dirty="0">
+                <a:solidFill>
+                  <a:srgbClr val="FF0000"/>
+                </a:solidFill>
+              </a:rPr>
+              <a:t>AX = AL * BL = 0x05 * 0x02 = 5 * 2 = 10</a:t>
+            </a:r>
+            <a:r>
+              <a:rPr lang="en-US" baseline="-25000" dirty="0">
+                <a:solidFill>
+                  <a:srgbClr val="FF0000"/>
+                </a:solidFill>
+              </a:rPr>
+              <a:t>10</a:t>
+            </a:r>
+            <a:r>
+              <a:rPr lang="en-US" dirty="0">
+                <a:solidFill>
+                  <a:srgbClr val="FF0000"/>
+                </a:solidFill>
+              </a:rPr>
+              <a:t> = </a:t>
+            </a:r>
+            <a:r>
+              <a:rPr lang="en-US" b="1" u="sng" dirty="0">
+                <a:solidFill>
+                  <a:srgbClr val="FF0000"/>
+                </a:solidFill>
+              </a:rPr>
+              <a:t>0x000A</a:t>
+            </a:r>
+          </a:p>
+          <a:p>
+            <a:pPr>
+              <a:buFont typeface="Wingdings" pitchFamily="2" charset="2"/>
+              <a:buChar char="n"/>
+              <a:defRPr/>
+            </a:pPr>
+            <a:r>
+              <a:rPr lang="en-US" dirty="0">
+                <a:solidFill>
+                  <a:srgbClr val="FF0000"/>
+                </a:solidFill>
+                <a:ea typeface="+mn-ea"/>
+              </a:rPr>
+              <a:t>MUL	BH</a:t>
+            </a:r>
+          </a:p>
+          <a:p>
+            <a:pPr lvl="1">
+              <a:buFont typeface="Wingdings" pitchFamily="2" charset="2"/>
+              <a:buChar char="q"/>
+              <a:defRPr/>
+            </a:pPr>
+            <a:r>
+              <a:rPr lang="en-US" dirty="0">
+                <a:solidFill>
+                  <a:srgbClr val="FF0000"/>
+                </a:solidFill>
+              </a:rPr>
+              <a:t>Unsigned multiplication</a:t>
+            </a:r>
+          </a:p>
+          <a:p>
+            <a:pPr lvl="1">
+              <a:buFont typeface="Wingdings" pitchFamily="2" charset="2"/>
+              <a:buChar char="q"/>
+              <a:defRPr/>
+            </a:pPr>
+            <a:r>
+              <a:rPr lang="en-US" dirty="0">
+                <a:solidFill>
+                  <a:srgbClr val="FF0000"/>
+                </a:solidFill>
+              </a:rPr>
+              <a:t>AX = AL * BH = 0x05 * 0xFF = 5 * 255 = 1275</a:t>
+            </a:r>
+            <a:r>
+              <a:rPr lang="en-US" baseline="-25000" dirty="0">
+                <a:solidFill>
+                  <a:srgbClr val="FF0000"/>
+                </a:solidFill>
+              </a:rPr>
+              <a:t>10</a:t>
+            </a:r>
+            <a:r>
+              <a:rPr lang="en-US" dirty="0">
+                <a:solidFill>
+                  <a:srgbClr val="FF0000"/>
+                </a:solidFill>
+              </a:rPr>
+              <a:t> </a:t>
+            </a:r>
+          </a:p>
+          <a:p>
+            <a:pPr marL="344487" lvl="1" indent="0">
+              <a:buFont typeface="Wingdings" pitchFamily="2" charset="2"/>
+              <a:buNone/>
+              <a:defRPr/>
+            </a:pPr>
+            <a:r>
+              <a:rPr lang="en-US" dirty="0">
+                <a:solidFill>
+                  <a:srgbClr val="FF0000"/>
+                </a:solidFill>
+              </a:rPr>
+              <a:t>	   = </a:t>
+            </a:r>
+            <a:r>
+              <a:rPr lang="en-US" b="1" u="sng" dirty="0">
+                <a:solidFill>
+                  <a:srgbClr val="FF0000"/>
+                </a:solidFill>
+              </a:rPr>
+              <a:t>0x04FB</a:t>
+            </a:r>
+            <a:r>
+              <a:rPr lang="en-US" dirty="0">
+                <a:solidFill>
+                  <a:srgbClr val="FF0000"/>
+                </a:solidFill>
+              </a:rPr>
+              <a:t> </a:t>
+            </a:r>
+          </a:p>
+          <a:p>
+            <a:pPr>
+              <a:buFont typeface="Wingdings" pitchFamily="2" charset="2"/>
+              <a:buChar char="n"/>
+              <a:defRPr/>
+            </a:pPr>
+            <a:r>
+              <a:rPr lang="en-US" dirty="0">
+                <a:solidFill>
+                  <a:srgbClr val="FF0000"/>
+                </a:solidFill>
+                <a:ea typeface="+mn-ea"/>
+              </a:rPr>
+              <a:t>IMUL	BH</a:t>
+            </a:r>
+          </a:p>
+          <a:p>
+            <a:pPr lvl="1">
+              <a:buFont typeface="Wingdings" pitchFamily="2" charset="2"/>
+              <a:buChar char="q"/>
+              <a:defRPr/>
+            </a:pPr>
+            <a:r>
+              <a:rPr lang="en-US" dirty="0">
+                <a:solidFill>
+                  <a:srgbClr val="FF0000"/>
+                </a:solidFill>
+              </a:rPr>
+              <a:t>Signed multiplication</a:t>
+            </a:r>
+          </a:p>
+          <a:p>
+            <a:pPr lvl="1">
+              <a:buFont typeface="Wingdings" pitchFamily="2" charset="2"/>
+              <a:buChar char="q"/>
+              <a:defRPr/>
+            </a:pPr>
+            <a:r>
+              <a:rPr lang="en-US" dirty="0">
+                <a:solidFill>
+                  <a:srgbClr val="FF0000"/>
+                </a:solidFill>
+              </a:rPr>
+              <a:t>AX = AL * BH = 0x05 * 0xFF = 5 * -1 = -5</a:t>
+            </a:r>
+            <a:r>
+              <a:rPr lang="en-US" baseline="-25000" dirty="0">
+                <a:solidFill>
+                  <a:srgbClr val="FF0000"/>
+                </a:solidFill>
+              </a:rPr>
+              <a:t>10</a:t>
+            </a:r>
+            <a:r>
+              <a:rPr lang="en-US" dirty="0">
+                <a:solidFill>
+                  <a:srgbClr val="FF0000"/>
+                </a:solidFill>
+              </a:rPr>
+              <a:t> = 0x</a:t>
+            </a:r>
+            <a:r>
+              <a:rPr lang="en-US" b="1" u="sng" dirty="0">
+                <a:solidFill>
+                  <a:srgbClr val="FF0000"/>
+                </a:solidFill>
+              </a:rPr>
+              <a:t>FFFB</a:t>
+            </a:r>
+            <a:endParaRPr lang="en-US" dirty="0">
+              <a:solidFill>
+                <a:srgbClr val="FF0000"/>
+              </a:solidFill>
+            </a:endParaRPr>
+          </a:p>
+        </p:txBody>
+      </p:sp>
+      <p:sp>
+        <p:nvSpPr>
+          <p:cNvPr id="4" name="Date Placeholder 3"/>
+          <p:cNvSpPr>
+            <a:spLocks noGrp="1"/>
+          </p:cNvSpPr>
+          <p:nvPr>
+            <p:ph type="dt" sz="quarter" idx="10"/>
+          </p:nvPr>
+        </p:nvSpPr>
+        <p:spPr/>
+        <p:txBody>
+          <a:bodyPr/>
+          <a:lstStyle>
+            <a:lvl1pPr eaLnBrk="0" hangingPunct="0">
+              <a:defRPr>
+                <a:solidFill>
+                  <a:schemeClr val="tx1"/>
+                </a:solidFill>
+                <a:latin typeface="Arial" charset="0"/>
+                <a:ea typeface="ＭＳ Ｐゴシック" charset="0"/>
+                <a:cs typeface="Arial" charset="0"/>
+              </a:defRPr>
+            </a:lvl1pPr>
+            <a:lvl2pPr marL="742950" indent="-285750" eaLnBrk="0" hangingPunct="0">
+              <a:defRPr>
+                <a:solidFill>
+                  <a:schemeClr val="tx1"/>
+                </a:solidFill>
+                <a:latin typeface="Arial" charset="0"/>
+                <a:ea typeface="Arial" charset="0"/>
+                <a:cs typeface="Arial" charset="0"/>
+              </a:defRPr>
+            </a:lvl2pPr>
+            <a:lvl3pPr marL="1143000" indent="-228600" eaLnBrk="0" hangingPunct="0">
+              <a:defRPr>
+                <a:solidFill>
+                  <a:schemeClr val="tx1"/>
+                </a:solidFill>
+                <a:latin typeface="Arial" charset="0"/>
+                <a:ea typeface="Arial" charset="0"/>
+                <a:cs typeface="Arial" charset="0"/>
+              </a:defRPr>
+            </a:lvl3pPr>
+            <a:lvl4pPr marL="1600200" indent="-228600" eaLnBrk="0" hangingPunct="0">
+              <a:defRPr>
+                <a:solidFill>
+                  <a:schemeClr val="tx1"/>
+                </a:solidFill>
+                <a:latin typeface="Arial" charset="0"/>
+                <a:ea typeface="Arial" charset="0"/>
+                <a:cs typeface="Arial" charset="0"/>
+              </a:defRPr>
+            </a:lvl4pPr>
+            <a:lvl5pPr marL="2057400" indent="-228600" eaLnBrk="0" hangingPunct="0">
+              <a:defRPr>
+                <a:solidFill>
+                  <a:schemeClr val="tx1"/>
+                </a:solidFill>
+                <a:latin typeface="Arial" charset="0"/>
+                <a:ea typeface="Arial" charset="0"/>
+                <a:cs typeface="Arial" charset="0"/>
+              </a:defRPr>
+            </a:lvl5pPr>
+            <a:lvl6pPr marL="2514600" indent="-228600" eaLnBrk="0" fontAlgn="base" hangingPunct="0">
+              <a:spcBef>
+                <a:spcPct val="0"/>
+              </a:spcBef>
+              <a:spcAft>
+                <a:spcPct val="0"/>
+              </a:spcAft>
+              <a:defRPr>
+                <a:solidFill>
+                  <a:schemeClr val="tx1"/>
+                </a:solidFill>
+                <a:latin typeface="Arial" charset="0"/>
+                <a:ea typeface="Arial" charset="0"/>
+                <a:cs typeface="Arial" charset="0"/>
+              </a:defRPr>
+            </a:lvl6pPr>
+            <a:lvl7pPr marL="2971800" indent="-228600" eaLnBrk="0" fontAlgn="base" hangingPunct="0">
+              <a:spcBef>
+                <a:spcPct val="0"/>
+              </a:spcBef>
+              <a:spcAft>
+                <a:spcPct val="0"/>
+              </a:spcAft>
+              <a:defRPr>
+                <a:solidFill>
+                  <a:schemeClr val="tx1"/>
+                </a:solidFill>
+                <a:latin typeface="Arial" charset="0"/>
+                <a:ea typeface="Arial" charset="0"/>
+                <a:cs typeface="Arial" charset="0"/>
+              </a:defRPr>
+            </a:lvl7pPr>
+            <a:lvl8pPr marL="3429000" indent="-228600" eaLnBrk="0" fontAlgn="base" hangingPunct="0">
+              <a:spcBef>
+                <a:spcPct val="0"/>
+              </a:spcBef>
+              <a:spcAft>
+                <a:spcPct val="0"/>
+              </a:spcAft>
+              <a:defRPr>
+                <a:solidFill>
+                  <a:schemeClr val="tx1"/>
+                </a:solidFill>
+                <a:latin typeface="Arial" charset="0"/>
+                <a:ea typeface="Arial" charset="0"/>
+                <a:cs typeface="Arial" charset="0"/>
+              </a:defRPr>
+            </a:lvl8pPr>
+            <a:lvl9pPr marL="3886200" indent="-228600" eaLnBrk="0" fontAlgn="base" hangingPunct="0">
+              <a:spcBef>
+                <a:spcPct val="0"/>
+              </a:spcBef>
+              <a:spcAft>
+                <a:spcPct val="0"/>
+              </a:spcAft>
+              <a:defRPr>
+                <a:solidFill>
+                  <a:schemeClr val="tx1"/>
+                </a:solidFill>
+                <a:latin typeface="Arial" charset="0"/>
+                <a:ea typeface="Arial" charset="0"/>
+                <a:cs typeface="Arial" charset="0"/>
+              </a:defRPr>
+            </a:lvl9pPr>
+          </a:lstStyle>
+          <a:p>
+            <a:pPr eaLnBrk="1" hangingPunct="1"/>
+            <a:fld id="{34A7EE09-642D-4544-98CF-C944FA112382}" type="datetime1">
+              <a:rPr lang="en-US" smtClean="0">
+                <a:latin typeface="Garamond" charset="0"/>
+              </a:rPr>
+              <a:t>9/25/2019</a:t>
+            </a:fld>
+            <a:endParaRPr lang="en-US">
+              <a:latin typeface="Garamond" charset="0"/>
+            </a:endParaRPr>
+          </a:p>
+        </p:txBody>
+      </p:sp>
+      <p:sp>
+        <p:nvSpPr>
+          <p:cNvPr id="5" name="Footer Placeholder 4"/>
+          <p:cNvSpPr>
+            <a:spLocks noGrp="1"/>
+          </p:cNvSpPr>
+          <p:nvPr>
+            <p:ph type="ftr" sz="quarter" idx="11"/>
+          </p:nvPr>
+        </p:nvSpPr>
+        <p:spPr/>
+        <p:txBody>
+          <a:bodyPr/>
+          <a:lstStyle/>
+          <a:p>
+            <a:pPr>
+              <a:defRPr/>
+            </a:pPr>
+            <a:r>
+              <a:rPr lang="en-US" altLang="en-US"/>
+              <a:t>Microprocessors I:  Lecture 8</a:t>
+            </a:r>
+          </a:p>
+        </p:txBody>
+      </p:sp>
+      <p:sp>
+        <p:nvSpPr>
+          <p:cNvPr id="6" name="Slide Number Placeholder 5"/>
+          <p:cNvSpPr>
+            <a:spLocks noGrp="1"/>
+          </p:cNvSpPr>
+          <p:nvPr>
+            <p:ph type="sldNum" sz="quarter" idx="12"/>
+          </p:nvPr>
+        </p:nvSpPr>
+        <p:spPr/>
+        <p:txBody>
+          <a:bodyPr/>
+          <a:lstStyle>
+            <a:lvl1pPr eaLnBrk="0" hangingPunct="0">
+              <a:defRPr>
+                <a:solidFill>
+                  <a:schemeClr val="tx1"/>
+                </a:solidFill>
+                <a:latin typeface="Arial" charset="0"/>
+                <a:ea typeface="ＭＳ Ｐゴシック" charset="0"/>
+                <a:cs typeface="Arial" charset="0"/>
+              </a:defRPr>
+            </a:lvl1pPr>
+            <a:lvl2pPr marL="742950" indent="-285750" eaLnBrk="0" hangingPunct="0">
+              <a:defRPr>
+                <a:solidFill>
+                  <a:schemeClr val="tx1"/>
+                </a:solidFill>
+                <a:latin typeface="Arial" charset="0"/>
+                <a:ea typeface="Arial" charset="0"/>
+                <a:cs typeface="Arial" charset="0"/>
+              </a:defRPr>
+            </a:lvl2pPr>
+            <a:lvl3pPr marL="1143000" indent="-228600" eaLnBrk="0" hangingPunct="0">
+              <a:defRPr>
+                <a:solidFill>
+                  <a:schemeClr val="tx1"/>
+                </a:solidFill>
+                <a:latin typeface="Arial" charset="0"/>
+                <a:ea typeface="Arial" charset="0"/>
+                <a:cs typeface="Arial" charset="0"/>
+              </a:defRPr>
+            </a:lvl3pPr>
+            <a:lvl4pPr marL="1600200" indent="-228600" eaLnBrk="0" hangingPunct="0">
+              <a:defRPr>
+                <a:solidFill>
+                  <a:schemeClr val="tx1"/>
+                </a:solidFill>
+                <a:latin typeface="Arial" charset="0"/>
+                <a:ea typeface="Arial" charset="0"/>
+                <a:cs typeface="Arial" charset="0"/>
+              </a:defRPr>
+            </a:lvl4pPr>
+            <a:lvl5pPr marL="2057400" indent="-228600" eaLnBrk="0" hangingPunct="0">
+              <a:defRPr>
+                <a:solidFill>
+                  <a:schemeClr val="tx1"/>
+                </a:solidFill>
+                <a:latin typeface="Arial" charset="0"/>
+                <a:ea typeface="Arial" charset="0"/>
+                <a:cs typeface="Arial" charset="0"/>
+              </a:defRPr>
+            </a:lvl5pPr>
+            <a:lvl6pPr marL="2514600" indent="-228600" eaLnBrk="0" fontAlgn="base" hangingPunct="0">
+              <a:spcBef>
+                <a:spcPct val="0"/>
+              </a:spcBef>
+              <a:spcAft>
+                <a:spcPct val="0"/>
+              </a:spcAft>
+              <a:defRPr>
+                <a:solidFill>
+                  <a:schemeClr val="tx1"/>
+                </a:solidFill>
+                <a:latin typeface="Arial" charset="0"/>
+                <a:ea typeface="Arial" charset="0"/>
+                <a:cs typeface="Arial" charset="0"/>
+              </a:defRPr>
+            </a:lvl6pPr>
+            <a:lvl7pPr marL="2971800" indent="-228600" eaLnBrk="0" fontAlgn="base" hangingPunct="0">
+              <a:spcBef>
+                <a:spcPct val="0"/>
+              </a:spcBef>
+              <a:spcAft>
+                <a:spcPct val="0"/>
+              </a:spcAft>
+              <a:defRPr>
+                <a:solidFill>
+                  <a:schemeClr val="tx1"/>
+                </a:solidFill>
+                <a:latin typeface="Arial" charset="0"/>
+                <a:ea typeface="Arial" charset="0"/>
+                <a:cs typeface="Arial" charset="0"/>
+              </a:defRPr>
+            </a:lvl7pPr>
+            <a:lvl8pPr marL="3429000" indent="-228600" eaLnBrk="0" fontAlgn="base" hangingPunct="0">
+              <a:spcBef>
+                <a:spcPct val="0"/>
+              </a:spcBef>
+              <a:spcAft>
+                <a:spcPct val="0"/>
+              </a:spcAft>
+              <a:defRPr>
+                <a:solidFill>
+                  <a:schemeClr val="tx1"/>
+                </a:solidFill>
+                <a:latin typeface="Arial" charset="0"/>
+                <a:ea typeface="Arial" charset="0"/>
+                <a:cs typeface="Arial" charset="0"/>
+              </a:defRPr>
+            </a:lvl8pPr>
+            <a:lvl9pPr marL="3886200" indent="-228600" eaLnBrk="0" fontAlgn="base" hangingPunct="0">
+              <a:spcBef>
+                <a:spcPct val="0"/>
+              </a:spcBef>
+              <a:spcAft>
+                <a:spcPct val="0"/>
+              </a:spcAft>
+              <a:defRPr>
+                <a:solidFill>
+                  <a:schemeClr val="tx1"/>
+                </a:solidFill>
+                <a:latin typeface="Arial" charset="0"/>
+                <a:ea typeface="Arial" charset="0"/>
+                <a:cs typeface="Arial" charset="0"/>
+              </a:defRPr>
+            </a:lvl9pPr>
+          </a:lstStyle>
+          <a:p>
+            <a:pPr eaLnBrk="1" hangingPunct="1"/>
+            <a:fld id="{7B95B21D-3F62-994A-BA51-8550E1920094}" type="slidenum">
+              <a:rPr lang="en-US">
+                <a:latin typeface="Garamond" charset="0"/>
+              </a:rPr>
+              <a:pPr eaLnBrk="1" hangingPunct="1"/>
+              <a:t>22</a:t>
+            </a:fld>
+            <a:endParaRPr lang="en-US">
+              <a:latin typeface="Garamond" charset="0"/>
+            </a:endParaRPr>
+          </a:p>
+        </p:txBody>
+      </p:sp>
+    </p:spTree>
+    <p:extLst>
+      <p:ext uri="{BB962C8B-B14F-4D97-AF65-F5344CB8AC3E}">
+        <p14:creationId xmlns:p14="http://schemas.microsoft.com/office/powerpoint/2010/main" val="795207599"/>
+      </p:ext>
+    </p:extLst>
+  </p:cSld>
+  <p:clrMapOvr>
+    <a:masterClrMapping/>
+  </p:clrMapOvr>
+</p:sld>
+</file>
+
+<file path=ppt/slides/slide23.xml><?xml version="1.0" encoding="utf-8"?>
+<p:sld xmlns:a="http://schemas.openxmlformats.org/drawingml/2006/main" xmlns:r="http://schemas.openxmlformats.org/officeDocument/2006/relationships" xmlns:p="http://schemas.openxmlformats.org/presentationml/2006/main">
+  <p:cSld>
+    <p:spTree>
+      <p:nvGrpSpPr>
+        <p:cNvPr id="1" name=""/>
+        <p:cNvGrpSpPr/>
+        <p:nvPr/>
+      </p:nvGrpSpPr>
+      <p:grpSpPr>
+        <a:xfrm>
+          <a:off x="0" y="0"/>
+          <a:ext cx="0" cy="0"/>
+          <a:chOff x="0" y="0"/>
+          <a:chExt cx="0" cy="0"/>
+        </a:xfrm>
+      </p:grpSpPr>
+      <p:sp>
+        <p:nvSpPr>
+          <p:cNvPr id="12290" name="Title 1"/>
+          <p:cNvSpPr>
+            <a:spLocks noGrp="1"/>
+          </p:cNvSpPr>
+          <p:nvPr>
+            <p:ph type="title"/>
+          </p:nvPr>
+        </p:nvSpPr>
+        <p:spPr/>
+        <p:txBody>
+          <a:bodyPr/>
+          <a:lstStyle/>
+          <a:p>
+            <a:r>
+              <a:rPr lang="en-US">
+                <a:latin typeface="Garamond" charset="0"/>
+              </a:rPr>
+              <a:t>Solution (continued)</a:t>
+            </a:r>
+          </a:p>
+        </p:txBody>
+      </p:sp>
+      <p:sp>
+        <p:nvSpPr>
+          <p:cNvPr id="3" name="Content Placeholder 2"/>
+          <p:cNvSpPr>
+            <a:spLocks noGrp="1"/>
+          </p:cNvSpPr>
+          <p:nvPr>
+            <p:ph idx="1"/>
+          </p:nvPr>
+        </p:nvSpPr>
+        <p:spPr/>
+        <p:txBody>
+          <a:bodyPr>
+            <a:normAutofit fontScale="85000" lnSpcReduction="20000"/>
+          </a:bodyPr>
+          <a:lstStyle/>
+          <a:p>
+            <a:pPr>
+              <a:buFont typeface="Wingdings" pitchFamily="2" charset="2"/>
+              <a:buChar char="n"/>
+              <a:defRPr/>
+            </a:pPr>
+            <a:r>
+              <a:rPr lang="en-US" dirty="0">
+                <a:solidFill>
+                  <a:srgbClr val="FF0000"/>
+                </a:solidFill>
+                <a:ea typeface="+mn-ea"/>
+              </a:rPr>
+              <a:t>Consider that BH = 0xFF = 1111 1111</a:t>
+            </a:r>
+            <a:r>
+              <a:rPr lang="en-US" baseline="-25000" dirty="0">
+                <a:solidFill>
+                  <a:srgbClr val="FF0000"/>
+                </a:solidFill>
+                <a:ea typeface="+mn-ea"/>
+              </a:rPr>
+              <a:t>2</a:t>
+            </a:r>
+            <a:endParaRPr lang="en-US" dirty="0">
+              <a:solidFill>
+                <a:srgbClr val="FF0000"/>
+              </a:solidFill>
+              <a:ea typeface="+mn-ea"/>
+            </a:endParaRPr>
+          </a:p>
+          <a:p>
+            <a:pPr lvl="1">
+              <a:buFont typeface="Wingdings" pitchFamily="2" charset="2"/>
+              <a:buChar char="q"/>
+              <a:defRPr/>
+            </a:pPr>
+            <a:r>
+              <a:rPr lang="en-US" dirty="0">
+                <a:solidFill>
+                  <a:srgbClr val="FF0000"/>
+                </a:solidFill>
+              </a:rPr>
+              <a:t>As unsigned value, 0xFF = 255</a:t>
+            </a:r>
+            <a:r>
+              <a:rPr lang="en-US" baseline="-25000" dirty="0">
+                <a:solidFill>
+                  <a:srgbClr val="FF0000"/>
+                </a:solidFill>
+              </a:rPr>
+              <a:t>10</a:t>
+            </a:r>
+            <a:endParaRPr lang="en-US" dirty="0">
+              <a:solidFill>
+                <a:srgbClr val="FF0000"/>
+              </a:solidFill>
+            </a:endParaRPr>
+          </a:p>
+          <a:p>
+            <a:pPr lvl="1">
+              <a:buFont typeface="Wingdings" pitchFamily="2" charset="2"/>
+              <a:buChar char="q"/>
+              <a:defRPr/>
+            </a:pPr>
+            <a:r>
+              <a:rPr lang="en-US" dirty="0">
+                <a:solidFill>
+                  <a:srgbClr val="FF0000"/>
+                </a:solidFill>
+              </a:rPr>
+              <a:t>As signed value, 0xFF = -1</a:t>
+            </a:r>
+            <a:r>
+              <a:rPr lang="en-US" baseline="-25000" dirty="0">
+                <a:solidFill>
+                  <a:srgbClr val="FF0000"/>
+                </a:solidFill>
+              </a:rPr>
+              <a:t>10</a:t>
+            </a:r>
+            <a:endParaRPr lang="en-US" dirty="0">
+              <a:solidFill>
+                <a:srgbClr val="FF0000"/>
+              </a:solidFill>
+            </a:endParaRPr>
+          </a:p>
+          <a:p>
+            <a:pPr>
+              <a:buFont typeface="Wingdings" pitchFamily="2" charset="2"/>
+              <a:buChar char="n"/>
+              <a:defRPr/>
+            </a:pPr>
+            <a:r>
+              <a:rPr lang="en-US" dirty="0">
+                <a:solidFill>
+                  <a:srgbClr val="FF0000"/>
+                </a:solidFill>
+                <a:ea typeface="+mn-ea"/>
+              </a:rPr>
+              <a:t>DIV	BL</a:t>
+            </a:r>
+          </a:p>
+          <a:p>
+            <a:pPr lvl="1">
+              <a:buFont typeface="Wingdings" pitchFamily="2" charset="2"/>
+              <a:buChar char="q"/>
+              <a:defRPr/>
+            </a:pPr>
+            <a:r>
+              <a:rPr lang="en-US" dirty="0">
+                <a:solidFill>
+                  <a:srgbClr val="FF0000"/>
+                </a:solidFill>
+              </a:rPr>
+              <a:t>AL = AX / BL = 0x0005 / 0x02 = 5 / 2 = </a:t>
+            </a:r>
+            <a:r>
+              <a:rPr lang="en-US" b="1" u="sng" dirty="0">
+                <a:solidFill>
+                  <a:srgbClr val="FF0000"/>
+                </a:solidFill>
+              </a:rPr>
+              <a:t>0x02</a:t>
+            </a:r>
+            <a:endParaRPr lang="en-US" dirty="0">
+              <a:solidFill>
+                <a:srgbClr val="FF0000"/>
+              </a:solidFill>
+            </a:endParaRPr>
+          </a:p>
+          <a:p>
+            <a:pPr lvl="1">
+              <a:buFont typeface="Wingdings" pitchFamily="2" charset="2"/>
+              <a:buChar char="q"/>
+              <a:defRPr/>
+            </a:pPr>
+            <a:r>
+              <a:rPr lang="en-US" dirty="0">
+                <a:solidFill>
+                  <a:srgbClr val="FF0000"/>
+                </a:solidFill>
+              </a:rPr>
+              <a:t>AH = AX % BL = 0x0005 % 0x02 = 5 % 2 = </a:t>
+            </a:r>
+            <a:r>
+              <a:rPr lang="en-US" b="1" u="sng" dirty="0">
+                <a:solidFill>
+                  <a:srgbClr val="FF0000"/>
+                </a:solidFill>
+              </a:rPr>
+              <a:t>0x01</a:t>
+            </a:r>
+            <a:endParaRPr lang="en-US" dirty="0">
+              <a:solidFill>
+                <a:srgbClr val="FF0000"/>
+              </a:solidFill>
+            </a:endParaRPr>
+          </a:p>
+          <a:p>
+            <a:pPr>
+              <a:buFont typeface="Wingdings" pitchFamily="2" charset="2"/>
+              <a:buChar char="n"/>
+              <a:defRPr/>
+            </a:pPr>
+            <a:r>
+              <a:rPr lang="en-US" dirty="0">
+                <a:solidFill>
+                  <a:srgbClr val="FF0000"/>
+                </a:solidFill>
+                <a:ea typeface="+mn-ea"/>
+              </a:rPr>
+              <a:t>DIV	BH</a:t>
+            </a:r>
+          </a:p>
+          <a:p>
+            <a:pPr lvl="1">
+              <a:buFont typeface="Wingdings" pitchFamily="2" charset="2"/>
+              <a:buChar char="q"/>
+              <a:defRPr/>
+            </a:pPr>
+            <a:r>
+              <a:rPr lang="en-US" dirty="0">
+                <a:solidFill>
+                  <a:srgbClr val="FF0000"/>
+                </a:solidFill>
+              </a:rPr>
+              <a:t>Unsigned division</a:t>
+            </a:r>
+          </a:p>
+          <a:p>
+            <a:pPr lvl="1">
+              <a:buFont typeface="Wingdings" pitchFamily="2" charset="2"/>
+              <a:buChar char="q"/>
+              <a:defRPr/>
+            </a:pPr>
+            <a:r>
+              <a:rPr lang="en-US" dirty="0">
+                <a:solidFill>
+                  <a:srgbClr val="FF0000"/>
+                </a:solidFill>
+              </a:rPr>
+              <a:t>AL = AX / BH = 0x0005 / 0xFF = 5 / 255 = </a:t>
+            </a:r>
+            <a:r>
+              <a:rPr lang="en-US" b="1" u="sng" dirty="0">
+                <a:solidFill>
+                  <a:srgbClr val="FF0000"/>
+                </a:solidFill>
+              </a:rPr>
+              <a:t>0x00</a:t>
+            </a:r>
+          </a:p>
+          <a:p>
+            <a:pPr lvl="1">
+              <a:buFont typeface="Wingdings" pitchFamily="2" charset="2"/>
+              <a:buChar char="q"/>
+              <a:defRPr/>
+            </a:pPr>
+            <a:r>
+              <a:rPr lang="en-US" dirty="0">
+                <a:solidFill>
+                  <a:srgbClr val="FF0000"/>
+                </a:solidFill>
+              </a:rPr>
+              <a:t>AH = AX % BH = 0x0005 / 0xFF = 5 % 255 = </a:t>
+            </a:r>
+            <a:r>
+              <a:rPr lang="en-US" b="1" u="sng" dirty="0">
+                <a:solidFill>
+                  <a:srgbClr val="FF0000"/>
+                </a:solidFill>
+              </a:rPr>
+              <a:t>0x05</a:t>
+            </a:r>
+            <a:endParaRPr lang="en-US" dirty="0">
+              <a:solidFill>
+                <a:srgbClr val="FF0000"/>
+              </a:solidFill>
+            </a:endParaRPr>
+          </a:p>
+          <a:p>
+            <a:pPr>
+              <a:buFont typeface="Wingdings" pitchFamily="2" charset="2"/>
+              <a:buChar char="n"/>
+              <a:defRPr/>
+            </a:pPr>
+            <a:r>
+              <a:rPr lang="en-US" dirty="0">
+                <a:solidFill>
+                  <a:srgbClr val="FF0000"/>
+                </a:solidFill>
+                <a:ea typeface="+mn-ea"/>
+              </a:rPr>
+              <a:t>IDIV	BH</a:t>
+            </a:r>
+          </a:p>
+          <a:p>
+            <a:pPr lvl="1">
+              <a:buFont typeface="Wingdings" pitchFamily="2" charset="2"/>
+              <a:buChar char="q"/>
+              <a:defRPr/>
+            </a:pPr>
+            <a:r>
+              <a:rPr lang="en-US" dirty="0">
+                <a:solidFill>
+                  <a:srgbClr val="FF0000"/>
+                </a:solidFill>
+              </a:rPr>
+              <a:t>Signed division</a:t>
+            </a:r>
+          </a:p>
+          <a:p>
+            <a:pPr lvl="1">
+              <a:buFont typeface="Wingdings" pitchFamily="2" charset="2"/>
+              <a:buChar char="q"/>
+              <a:defRPr/>
+            </a:pPr>
+            <a:r>
+              <a:rPr lang="en-US" dirty="0">
+                <a:solidFill>
+                  <a:srgbClr val="FF0000"/>
+                </a:solidFill>
+              </a:rPr>
+              <a:t>AL = AX / BH = 0x0005 / 0xFF = 5 / -1 = -5 = </a:t>
+            </a:r>
+            <a:r>
+              <a:rPr lang="en-US" b="1" u="sng" dirty="0">
+                <a:solidFill>
+                  <a:srgbClr val="FF0000"/>
+                </a:solidFill>
+              </a:rPr>
+              <a:t>0xFB</a:t>
+            </a:r>
+          </a:p>
+          <a:p>
+            <a:pPr lvl="1">
+              <a:buFont typeface="Wingdings" pitchFamily="2" charset="2"/>
+              <a:buChar char="q"/>
+              <a:defRPr/>
+            </a:pPr>
+            <a:r>
+              <a:rPr lang="en-US" dirty="0">
+                <a:solidFill>
+                  <a:srgbClr val="FF0000"/>
+                </a:solidFill>
+              </a:rPr>
+              <a:t>AH = AX % BH </a:t>
+            </a:r>
+            <a:r>
+              <a:rPr lang="en-US">
+                <a:solidFill>
+                  <a:srgbClr val="FF0000"/>
+                </a:solidFill>
+              </a:rPr>
+              <a:t>= 0x0005 % 0xFF </a:t>
+            </a:r>
+            <a:r>
+              <a:rPr lang="en-US" dirty="0">
+                <a:solidFill>
+                  <a:srgbClr val="FF0000"/>
+                </a:solidFill>
+              </a:rPr>
+              <a:t>= 5 % -1 = </a:t>
+            </a:r>
+            <a:r>
+              <a:rPr lang="en-US" b="1" u="sng" dirty="0">
+                <a:solidFill>
+                  <a:srgbClr val="FF0000"/>
+                </a:solidFill>
+              </a:rPr>
+              <a:t>0x00</a:t>
+            </a:r>
+            <a:endParaRPr lang="en-US" dirty="0">
+              <a:solidFill>
+                <a:srgbClr val="FF0000"/>
+              </a:solidFill>
+            </a:endParaRPr>
+          </a:p>
+        </p:txBody>
+      </p:sp>
+      <p:sp>
+        <p:nvSpPr>
+          <p:cNvPr id="4" name="Date Placeholder 3"/>
+          <p:cNvSpPr>
+            <a:spLocks noGrp="1"/>
+          </p:cNvSpPr>
+          <p:nvPr>
+            <p:ph type="dt" sz="quarter" idx="10"/>
+          </p:nvPr>
+        </p:nvSpPr>
+        <p:spPr/>
+        <p:txBody>
+          <a:bodyPr/>
+          <a:lstStyle>
+            <a:lvl1pPr eaLnBrk="0" hangingPunct="0">
+              <a:defRPr>
+                <a:solidFill>
+                  <a:schemeClr val="tx1"/>
+                </a:solidFill>
+                <a:latin typeface="Arial" charset="0"/>
+                <a:ea typeface="ＭＳ Ｐゴシック" charset="0"/>
+                <a:cs typeface="Arial" charset="0"/>
+              </a:defRPr>
+            </a:lvl1pPr>
+            <a:lvl2pPr marL="742950" indent="-285750" eaLnBrk="0" hangingPunct="0">
+              <a:defRPr>
+                <a:solidFill>
+                  <a:schemeClr val="tx1"/>
+                </a:solidFill>
+                <a:latin typeface="Arial" charset="0"/>
+                <a:ea typeface="Arial" charset="0"/>
+                <a:cs typeface="Arial" charset="0"/>
+              </a:defRPr>
+            </a:lvl2pPr>
+            <a:lvl3pPr marL="1143000" indent="-228600" eaLnBrk="0" hangingPunct="0">
+              <a:defRPr>
+                <a:solidFill>
+                  <a:schemeClr val="tx1"/>
+                </a:solidFill>
+                <a:latin typeface="Arial" charset="0"/>
+                <a:ea typeface="Arial" charset="0"/>
+                <a:cs typeface="Arial" charset="0"/>
+              </a:defRPr>
+            </a:lvl3pPr>
+            <a:lvl4pPr marL="1600200" indent="-228600" eaLnBrk="0" hangingPunct="0">
+              <a:defRPr>
+                <a:solidFill>
+                  <a:schemeClr val="tx1"/>
+                </a:solidFill>
+                <a:latin typeface="Arial" charset="0"/>
+                <a:ea typeface="Arial" charset="0"/>
+                <a:cs typeface="Arial" charset="0"/>
+              </a:defRPr>
+            </a:lvl4pPr>
+            <a:lvl5pPr marL="2057400" indent="-228600" eaLnBrk="0" hangingPunct="0">
+              <a:defRPr>
+                <a:solidFill>
+                  <a:schemeClr val="tx1"/>
+                </a:solidFill>
+                <a:latin typeface="Arial" charset="0"/>
+                <a:ea typeface="Arial" charset="0"/>
+                <a:cs typeface="Arial" charset="0"/>
+              </a:defRPr>
+            </a:lvl5pPr>
+            <a:lvl6pPr marL="2514600" indent="-228600" eaLnBrk="0" fontAlgn="base" hangingPunct="0">
+              <a:spcBef>
+                <a:spcPct val="0"/>
+              </a:spcBef>
+              <a:spcAft>
+                <a:spcPct val="0"/>
+              </a:spcAft>
+              <a:defRPr>
+                <a:solidFill>
+                  <a:schemeClr val="tx1"/>
+                </a:solidFill>
+                <a:latin typeface="Arial" charset="0"/>
+                <a:ea typeface="Arial" charset="0"/>
+                <a:cs typeface="Arial" charset="0"/>
+              </a:defRPr>
+            </a:lvl6pPr>
+            <a:lvl7pPr marL="2971800" indent="-228600" eaLnBrk="0" fontAlgn="base" hangingPunct="0">
+              <a:spcBef>
+                <a:spcPct val="0"/>
+              </a:spcBef>
+              <a:spcAft>
+                <a:spcPct val="0"/>
+              </a:spcAft>
+              <a:defRPr>
+                <a:solidFill>
+                  <a:schemeClr val="tx1"/>
+                </a:solidFill>
+                <a:latin typeface="Arial" charset="0"/>
+                <a:ea typeface="Arial" charset="0"/>
+                <a:cs typeface="Arial" charset="0"/>
+              </a:defRPr>
+            </a:lvl7pPr>
+            <a:lvl8pPr marL="3429000" indent="-228600" eaLnBrk="0" fontAlgn="base" hangingPunct="0">
+              <a:spcBef>
+                <a:spcPct val="0"/>
+              </a:spcBef>
+              <a:spcAft>
+                <a:spcPct val="0"/>
+              </a:spcAft>
+              <a:defRPr>
+                <a:solidFill>
+                  <a:schemeClr val="tx1"/>
+                </a:solidFill>
+                <a:latin typeface="Arial" charset="0"/>
+                <a:ea typeface="Arial" charset="0"/>
+                <a:cs typeface="Arial" charset="0"/>
+              </a:defRPr>
+            </a:lvl8pPr>
+            <a:lvl9pPr marL="3886200" indent="-228600" eaLnBrk="0" fontAlgn="base" hangingPunct="0">
+              <a:spcBef>
+                <a:spcPct val="0"/>
+              </a:spcBef>
+              <a:spcAft>
+                <a:spcPct val="0"/>
+              </a:spcAft>
+              <a:defRPr>
+                <a:solidFill>
+                  <a:schemeClr val="tx1"/>
+                </a:solidFill>
+                <a:latin typeface="Arial" charset="0"/>
+                <a:ea typeface="Arial" charset="0"/>
+                <a:cs typeface="Arial" charset="0"/>
+              </a:defRPr>
+            </a:lvl9pPr>
+          </a:lstStyle>
+          <a:p>
+            <a:pPr eaLnBrk="1" hangingPunct="1"/>
+            <a:fld id="{6FC42F61-B33C-48AD-9BB5-5C9948C92EFD}" type="datetime1">
+              <a:rPr lang="en-US" smtClean="0">
+                <a:latin typeface="Garamond" charset="0"/>
+              </a:rPr>
+              <a:t>9/25/2019</a:t>
+            </a:fld>
+            <a:endParaRPr lang="en-US">
+              <a:latin typeface="Garamond" charset="0"/>
+            </a:endParaRPr>
+          </a:p>
+        </p:txBody>
+      </p:sp>
+      <p:sp>
+        <p:nvSpPr>
+          <p:cNvPr id="5" name="Footer Placeholder 4"/>
+          <p:cNvSpPr>
+            <a:spLocks noGrp="1"/>
+          </p:cNvSpPr>
+          <p:nvPr>
+            <p:ph type="ftr" sz="quarter" idx="11"/>
+          </p:nvPr>
+        </p:nvSpPr>
+        <p:spPr/>
+        <p:txBody>
+          <a:bodyPr/>
+          <a:lstStyle/>
+          <a:p>
+            <a:pPr>
+              <a:defRPr/>
+            </a:pPr>
+            <a:r>
+              <a:rPr lang="en-US" altLang="en-US"/>
+              <a:t>Microprocessors I:  Lecture 8</a:t>
+            </a:r>
+          </a:p>
+        </p:txBody>
+      </p:sp>
+      <p:sp>
+        <p:nvSpPr>
+          <p:cNvPr id="6" name="Slide Number Placeholder 5"/>
+          <p:cNvSpPr>
+            <a:spLocks noGrp="1"/>
+          </p:cNvSpPr>
+          <p:nvPr>
+            <p:ph type="sldNum" sz="quarter" idx="12"/>
+          </p:nvPr>
+        </p:nvSpPr>
+        <p:spPr/>
+        <p:txBody>
+          <a:bodyPr/>
+          <a:lstStyle>
+            <a:lvl1pPr eaLnBrk="0" hangingPunct="0">
+              <a:defRPr>
+                <a:solidFill>
+                  <a:schemeClr val="tx1"/>
+                </a:solidFill>
+                <a:latin typeface="Arial" charset="0"/>
+                <a:ea typeface="ＭＳ Ｐゴシック" charset="0"/>
+                <a:cs typeface="Arial" charset="0"/>
+              </a:defRPr>
+            </a:lvl1pPr>
+            <a:lvl2pPr marL="742950" indent="-285750" eaLnBrk="0" hangingPunct="0">
+              <a:defRPr>
+                <a:solidFill>
+                  <a:schemeClr val="tx1"/>
+                </a:solidFill>
+                <a:latin typeface="Arial" charset="0"/>
+                <a:ea typeface="Arial" charset="0"/>
+                <a:cs typeface="Arial" charset="0"/>
+              </a:defRPr>
+            </a:lvl2pPr>
+            <a:lvl3pPr marL="1143000" indent="-228600" eaLnBrk="0" hangingPunct="0">
+              <a:defRPr>
+                <a:solidFill>
+                  <a:schemeClr val="tx1"/>
+                </a:solidFill>
+                <a:latin typeface="Arial" charset="0"/>
+                <a:ea typeface="Arial" charset="0"/>
+                <a:cs typeface="Arial" charset="0"/>
+              </a:defRPr>
+            </a:lvl3pPr>
+            <a:lvl4pPr marL="1600200" indent="-228600" eaLnBrk="0" hangingPunct="0">
+              <a:defRPr>
+                <a:solidFill>
+                  <a:schemeClr val="tx1"/>
+                </a:solidFill>
+                <a:latin typeface="Arial" charset="0"/>
+                <a:ea typeface="Arial" charset="0"/>
+                <a:cs typeface="Arial" charset="0"/>
+              </a:defRPr>
+            </a:lvl4pPr>
+            <a:lvl5pPr marL="2057400" indent="-228600" eaLnBrk="0" hangingPunct="0">
+              <a:defRPr>
+                <a:solidFill>
+                  <a:schemeClr val="tx1"/>
+                </a:solidFill>
+                <a:latin typeface="Arial" charset="0"/>
+                <a:ea typeface="Arial" charset="0"/>
+                <a:cs typeface="Arial" charset="0"/>
+              </a:defRPr>
+            </a:lvl5pPr>
+            <a:lvl6pPr marL="2514600" indent="-228600" eaLnBrk="0" fontAlgn="base" hangingPunct="0">
+              <a:spcBef>
+                <a:spcPct val="0"/>
+              </a:spcBef>
+              <a:spcAft>
+                <a:spcPct val="0"/>
+              </a:spcAft>
+              <a:defRPr>
+                <a:solidFill>
+                  <a:schemeClr val="tx1"/>
+                </a:solidFill>
+                <a:latin typeface="Arial" charset="0"/>
+                <a:ea typeface="Arial" charset="0"/>
+                <a:cs typeface="Arial" charset="0"/>
+              </a:defRPr>
+            </a:lvl6pPr>
+            <a:lvl7pPr marL="2971800" indent="-228600" eaLnBrk="0" fontAlgn="base" hangingPunct="0">
+              <a:spcBef>
+                <a:spcPct val="0"/>
+              </a:spcBef>
+              <a:spcAft>
+                <a:spcPct val="0"/>
+              </a:spcAft>
+              <a:defRPr>
+                <a:solidFill>
+                  <a:schemeClr val="tx1"/>
+                </a:solidFill>
+                <a:latin typeface="Arial" charset="0"/>
+                <a:ea typeface="Arial" charset="0"/>
+                <a:cs typeface="Arial" charset="0"/>
+              </a:defRPr>
+            </a:lvl7pPr>
+            <a:lvl8pPr marL="3429000" indent="-228600" eaLnBrk="0" fontAlgn="base" hangingPunct="0">
+              <a:spcBef>
+                <a:spcPct val="0"/>
+              </a:spcBef>
+              <a:spcAft>
+                <a:spcPct val="0"/>
+              </a:spcAft>
+              <a:defRPr>
+                <a:solidFill>
+                  <a:schemeClr val="tx1"/>
+                </a:solidFill>
+                <a:latin typeface="Arial" charset="0"/>
+                <a:ea typeface="Arial" charset="0"/>
+                <a:cs typeface="Arial" charset="0"/>
+              </a:defRPr>
+            </a:lvl8pPr>
+            <a:lvl9pPr marL="3886200" indent="-228600" eaLnBrk="0" fontAlgn="base" hangingPunct="0">
+              <a:spcBef>
+                <a:spcPct val="0"/>
+              </a:spcBef>
+              <a:spcAft>
+                <a:spcPct val="0"/>
+              </a:spcAft>
+              <a:defRPr>
+                <a:solidFill>
+                  <a:schemeClr val="tx1"/>
+                </a:solidFill>
+                <a:latin typeface="Arial" charset="0"/>
+                <a:ea typeface="Arial" charset="0"/>
+                <a:cs typeface="Arial" charset="0"/>
+              </a:defRPr>
+            </a:lvl9pPr>
+          </a:lstStyle>
+          <a:p>
+            <a:pPr eaLnBrk="1" hangingPunct="1"/>
+            <a:fld id="{A6EAC2ED-D4BA-C149-9F23-1DB07AE2C40A}" type="slidenum">
+              <a:rPr lang="en-US">
+                <a:latin typeface="Garamond" charset="0"/>
+              </a:rPr>
+              <a:pPr eaLnBrk="1" hangingPunct="1"/>
+              <a:t>23</a:t>
+            </a:fld>
+            <a:endParaRPr lang="en-US">
+              <a:latin typeface="Garamond" charset="0"/>
+            </a:endParaRPr>
+          </a:p>
+        </p:txBody>
+      </p:sp>
+    </p:spTree>
+    <p:extLst>
+      <p:ext uri="{BB962C8B-B14F-4D97-AF65-F5344CB8AC3E}">
+        <p14:creationId xmlns:p14="http://schemas.microsoft.com/office/powerpoint/2010/main" val="182764011"/>
+      </p:ext>
+    </p:extLst>
+  </p:cSld>
+  <p:clrMapOvr>
+    <a:masterClrMapping/>
+  </p:clrMapOvr>
+</p:sld>
+</file>
+
+<file path=ppt/slides/slide24.xml><?xml version="1.0" encoding="utf-8"?>
+<p:sld xmlns:a="http://schemas.openxmlformats.org/drawingml/2006/main" xmlns:r="http://schemas.openxmlformats.org/officeDocument/2006/relationships" xmlns:p="http://schemas.openxmlformats.org/presentationml/2006/main">
+  <p:cSld>
+    <p:spTree>
+      <p:nvGrpSpPr>
+        <p:cNvPr id="1" name=""/>
+        <p:cNvGrpSpPr/>
+        <p:nvPr/>
+      </p:nvGrpSpPr>
+      <p:grpSpPr>
+        <a:xfrm>
+          <a:off x="0" y="0"/>
+          <a:ext cx="0" cy="0"/>
+          <a:chOff x="0" y="0"/>
+          <a:chExt cx="0" cy="0"/>
+        </a:xfrm>
+      </p:grpSpPr>
+      <p:sp>
+        <p:nvSpPr>
+          <p:cNvPr id="19458" name="Title 1"/>
+          <p:cNvSpPr>
+            <a:spLocks noGrp="1"/>
+          </p:cNvSpPr>
+          <p:nvPr>
+            <p:ph type="title"/>
+          </p:nvPr>
+        </p:nvSpPr>
+        <p:spPr/>
+        <p:txBody>
+          <a:bodyPr/>
+          <a:lstStyle/>
+          <a:p>
+            <a:r>
+              <a:rPr lang="en-US">
+                <a:latin typeface="Garamond" charset="0"/>
+              </a:rPr>
+              <a:t>Final notes</a:t>
+            </a:r>
+          </a:p>
+        </p:txBody>
+      </p:sp>
+      <p:sp>
+        <p:nvSpPr>
+          <p:cNvPr id="19459" name="Content Placeholder 2"/>
+          <p:cNvSpPr>
+            <a:spLocks noGrp="1"/>
+          </p:cNvSpPr>
+          <p:nvPr>
+            <p:ph idx="1"/>
+          </p:nvPr>
+        </p:nvSpPr>
+        <p:spPr/>
+        <p:txBody>
+          <a:bodyPr/>
+          <a:lstStyle/>
+          <a:p>
+            <a:r>
+              <a:rPr lang="en-US" dirty="0">
+                <a:latin typeface="Arial" charset="0"/>
+              </a:rPr>
+              <a:t>Next time:</a:t>
+            </a:r>
+          </a:p>
+          <a:p>
+            <a:pPr lvl="1"/>
+            <a:r>
+              <a:rPr lang="en-US" dirty="0">
+                <a:latin typeface="Arial" charset="0"/>
+              </a:rPr>
+              <a:t>Exam 1 Preview </a:t>
+            </a:r>
+            <a:r>
+              <a:rPr lang="en-US">
+                <a:latin typeface="Arial" charset="0"/>
+              </a:rPr>
+              <a:t>(Friday, 9/27)</a:t>
+            </a:r>
+            <a:endParaRPr lang="en-US" dirty="0">
+              <a:latin typeface="Arial" charset="0"/>
+            </a:endParaRPr>
+          </a:p>
+          <a:p>
+            <a:r>
+              <a:rPr lang="en-US" dirty="0">
+                <a:latin typeface="Arial" charset="0"/>
+              </a:rPr>
+              <a:t>Reminders:</a:t>
+            </a:r>
+          </a:p>
+          <a:p>
+            <a:pPr lvl="1"/>
+            <a:r>
+              <a:rPr lang="en-US" dirty="0">
+                <a:latin typeface="Arial" charset="0"/>
+              </a:rPr>
+              <a:t>HW 2 due on Wednesday (9/25)</a:t>
+            </a:r>
+          </a:p>
+          <a:p>
+            <a:pPr lvl="1"/>
+            <a:r>
+              <a:rPr lang="en-US" dirty="0">
+                <a:latin typeface="Arial" charset="0"/>
+              </a:rPr>
+              <a:t>Exam 1: Monday, 9/30</a:t>
+            </a:r>
+          </a:p>
+          <a:p>
+            <a:pPr lvl="2"/>
+            <a:r>
+              <a:rPr lang="en-US" dirty="0">
+                <a:latin typeface="Arial" charset="0"/>
+              </a:rPr>
+              <a:t>Will provide list of instructions</a:t>
+            </a:r>
+          </a:p>
+          <a:p>
+            <a:pPr lvl="2"/>
+            <a:r>
+              <a:rPr lang="en-US" dirty="0">
+                <a:latin typeface="Arial" charset="0"/>
+              </a:rPr>
+              <a:t>Will be allowed one, double-sided 8.5” x 11” note sheet</a:t>
+            </a:r>
+          </a:p>
+          <a:p>
+            <a:pPr lvl="2"/>
+            <a:r>
+              <a:rPr lang="en-US" u="sng" dirty="0">
+                <a:latin typeface="Arial" charset="0"/>
+              </a:rPr>
+              <a:t>Will be allowed calculator;</a:t>
+            </a:r>
+            <a:r>
+              <a:rPr lang="en-US" dirty="0">
+                <a:latin typeface="Arial" charset="0"/>
+              </a:rPr>
+              <a:t> no other electronic devices</a:t>
+            </a:r>
+          </a:p>
+          <a:p>
+            <a:pPr lvl="1"/>
+            <a:endParaRPr lang="en-US" dirty="0">
+              <a:latin typeface="Arial" charset="0"/>
+            </a:endParaRPr>
+          </a:p>
+          <a:p>
+            <a:pPr lvl="1"/>
+            <a:endParaRPr lang="en-US" dirty="0">
+              <a:latin typeface="Arial" charset="0"/>
+            </a:endParaRPr>
+          </a:p>
+        </p:txBody>
+      </p:sp>
+      <p:sp>
+        <p:nvSpPr>
+          <p:cNvPr id="4" name="Date Placeholder 3"/>
+          <p:cNvSpPr>
+            <a:spLocks noGrp="1"/>
+          </p:cNvSpPr>
+          <p:nvPr>
+            <p:ph type="dt" sz="quarter" idx="10"/>
+          </p:nvPr>
+        </p:nvSpPr>
+        <p:spPr/>
+        <p:txBody>
+          <a:bodyPr/>
+          <a:lstStyle>
+            <a:lvl1pPr eaLnBrk="0" hangingPunct="0">
+              <a:defRPr>
+                <a:solidFill>
+                  <a:schemeClr val="tx1"/>
+                </a:solidFill>
+                <a:latin typeface="Arial" charset="0"/>
+                <a:ea typeface="ＭＳ Ｐゴシック" charset="0"/>
+                <a:cs typeface="Arial" charset="0"/>
+              </a:defRPr>
+            </a:lvl1pPr>
+            <a:lvl2pPr marL="742950" indent="-285750" eaLnBrk="0" hangingPunct="0">
+              <a:defRPr>
+                <a:solidFill>
+                  <a:schemeClr val="tx1"/>
+                </a:solidFill>
+                <a:latin typeface="Arial" charset="0"/>
+                <a:ea typeface="Arial" charset="0"/>
+                <a:cs typeface="Arial" charset="0"/>
+              </a:defRPr>
+            </a:lvl2pPr>
+            <a:lvl3pPr marL="1143000" indent="-228600" eaLnBrk="0" hangingPunct="0">
+              <a:defRPr>
+                <a:solidFill>
+                  <a:schemeClr val="tx1"/>
+                </a:solidFill>
+                <a:latin typeface="Arial" charset="0"/>
+                <a:ea typeface="Arial" charset="0"/>
+                <a:cs typeface="Arial" charset="0"/>
+              </a:defRPr>
+            </a:lvl3pPr>
+            <a:lvl4pPr marL="1600200" indent="-228600" eaLnBrk="0" hangingPunct="0">
+              <a:defRPr>
+                <a:solidFill>
+                  <a:schemeClr val="tx1"/>
+                </a:solidFill>
+                <a:latin typeface="Arial" charset="0"/>
+                <a:ea typeface="Arial" charset="0"/>
+                <a:cs typeface="Arial" charset="0"/>
+              </a:defRPr>
+            </a:lvl4pPr>
+            <a:lvl5pPr marL="2057400" indent="-228600" eaLnBrk="0" hangingPunct="0">
+              <a:defRPr>
+                <a:solidFill>
+                  <a:schemeClr val="tx1"/>
+                </a:solidFill>
+                <a:latin typeface="Arial" charset="0"/>
+                <a:ea typeface="Arial" charset="0"/>
+                <a:cs typeface="Arial" charset="0"/>
+              </a:defRPr>
+            </a:lvl5pPr>
+            <a:lvl6pPr marL="2514600" indent="-228600" eaLnBrk="0" fontAlgn="base" hangingPunct="0">
+              <a:spcBef>
+                <a:spcPct val="0"/>
+              </a:spcBef>
+              <a:spcAft>
+                <a:spcPct val="0"/>
+              </a:spcAft>
+              <a:defRPr>
+                <a:solidFill>
+                  <a:schemeClr val="tx1"/>
+                </a:solidFill>
+                <a:latin typeface="Arial" charset="0"/>
+                <a:ea typeface="Arial" charset="0"/>
+                <a:cs typeface="Arial" charset="0"/>
+              </a:defRPr>
+            </a:lvl6pPr>
+            <a:lvl7pPr marL="2971800" indent="-228600" eaLnBrk="0" fontAlgn="base" hangingPunct="0">
+              <a:spcBef>
+                <a:spcPct val="0"/>
+              </a:spcBef>
+              <a:spcAft>
+                <a:spcPct val="0"/>
+              </a:spcAft>
+              <a:defRPr>
+                <a:solidFill>
+                  <a:schemeClr val="tx1"/>
+                </a:solidFill>
+                <a:latin typeface="Arial" charset="0"/>
+                <a:ea typeface="Arial" charset="0"/>
+                <a:cs typeface="Arial" charset="0"/>
+              </a:defRPr>
+            </a:lvl7pPr>
+            <a:lvl8pPr marL="3429000" indent="-228600" eaLnBrk="0" fontAlgn="base" hangingPunct="0">
+              <a:spcBef>
+                <a:spcPct val="0"/>
+              </a:spcBef>
+              <a:spcAft>
+                <a:spcPct val="0"/>
+              </a:spcAft>
+              <a:defRPr>
+                <a:solidFill>
+                  <a:schemeClr val="tx1"/>
+                </a:solidFill>
+                <a:latin typeface="Arial" charset="0"/>
+                <a:ea typeface="Arial" charset="0"/>
+                <a:cs typeface="Arial" charset="0"/>
+              </a:defRPr>
+            </a:lvl8pPr>
+            <a:lvl9pPr marL="3886200" indent="-228600" eaLnBrk="0" fontAlgn="base" hangingPunct="0">
+              <a:spcBef>
+                <a:spcPct val="0"/>
+              </a:spcBef>
+              <a:spcAft>
+                <a:spcPct val="0"/>
+              </a:spcAft>
+              <a:defRPr>
+                <a:solidFill>
+                  <a:schemeClr val="tx1"/>
+                </a:solidFill>
+                <a:latin typeface="Arial" charset="0"/>
+                <a:ea typeface="Arial" charset="0"/>
+                <a:cs typeface="Arial" charset="0"/>
+              </a:defRPr>
+            </a:lvl9pPr>
+          </a:lstStyle>
+          <a:p>
+            <a:pPr eaLnBrk="1" hangingPunct="1"/>
+            <a:fld id="{F45A8199-811E-41C4-A975-99336B697220}" type="datetime1">
+              <a:rPr lang="en-US" smtClean="0">
+                <a:latin typeface="Garamond" charset="0"/>
+              </a:rPr>
+              <a:t>9/25/2019</a:t>
+            </a:fld>
+            <a:endParaRPr lang="en-US">
+              <a:latin typeface="Garamond" charset="0"/>
+            </a:endParaRPr>
+          </a:p>
+        </p:txBody>
+      </p:sp>
+      <p:sp>
+        <p:nvSpPr>
+          <p:cNvPr id="5" name="Footer Placeholder 4"/>
+          <p:cNvSpPr>
+            <a:spLocks noGrp="1"/>
+          </p:cNvSpPr>
+          <p:nvPr>
+            <p:ph type="ftr" sz="quarter" idx="11"/>
+          </p:nvPr>
+        </p:nvSpPr>
+        <p:spPr/>
+        <p:txBody>
+          <a:bodyPr/>
+          <a:lstStyle/>
+          <a:p>
+            <a:pPr>
+              <a:defRPr/>
+            </a:pPr>
+            <a:r>
+              <a:rPr lang="en-US" altLang="en-US"/>
+              <a:t>Microprocessors I:  Lecture 8</a:t>
+            </a:r>
+          </a:p>
+        </p:txBody>
+      </p:sp>
+      <p:sp>
+        <p:nvSpPr>
+          <p:cNvPr id="6" name="Slide Number Placeholder 5"/>
+          <p:cNvSpPr>
+            <a:spLocks noGrp="1"/>
+          </p:cNvSpPr>
+          <p:nvPr>
+            <p:ph type="sldNum" sz="quarter" idx="12"/>
+          </p:nvPr>
+        </p:nvSpPr>
+        <p:spPr/>
+        <p:txBody>
+          <a:bodyPr/>
+          <a:lstStyle>
+            <a:lvl1pPr eaLnBrk="0" hangingPunct="0">
+              <a:defRPr>
+                <a:solidFill>
+                  <a:schemeClr val="tx1"/>
+                </a:solidFill>
+                <a:latin typeface="Arial" charset="0"/>
+                <a:ea typeface="ＭＳ Ｐゴシック" charset="0"/>
+                <a:cs typeface="Arial" charset="0"/>
+              </a:defRPr>
+            </a:lvl1pPr>
+            <a:lvl2pPr marL="742950" indent="-285750" eaLnBrk="0" hangingPunct="0">
+              <a:defRPr>
+                <a:solidFill>
+                  <a:schemeClr val="tx1"/>
+                </a:solidFill>
+                <a:latin typeface="Arial" charset="0"/>
+                <a:ea typeface="Arial" charset="0"/>
+                <a:cs typeface="Arial" charset="0"/>
+              </a:defRPr>
+            </a:lvl2pPr>
+            <a:lvl3pPr marL="1143000" indent="-228600" eaLnBrk="0" hangingPunct="0">
+              <a:defRPr>
+                <a:solidFill>
+                  <a:schemeClr val="tx1"/>
+                </a:solidFill>
+                <a:latin typeface="Arial" charset="0"/>
+                <a:ea typeface="Arial" charset="0"/>
+                <a:cs typeface="Arial" charset="0"/>
+              </a:defRPr>
+            </a:lvl3pPr>
+            <a:lvl4pPr marL="1600200" indent="-228600" eaLnBrk="0" hangingPunct="0">
+              <a:defRPr>
+                <a:solidFill>
+                  <a:schemeClr val="tx1"/>
+                </a:solidFill>
+                <a:latin typeface="Arial" charset="0"/>
+                <a:ea typeface="Arial" charset="0"/>
+                <a:cs typeface="Arial" charset="0"/>
+              </a:defRPr>
+            </a:lvl4pPr>
+            <a:lvl5pPr marL="2057400" indent="-228600" eaLnBrk="0" hangingPunct="0">
+              <a:defRPr>
+                <a:solidFill>
+                  <a:schemeClr val="tx1"/>
+                </a:solidFill>
+                <a:latin typeface="Arial" charset="0"/>
+                <a:ea typeface="Arial" charset="0"/>
+                <a:cs typeface="Arial" charset="0"/>
+              </a:defRPr>
+            </a:lvl5pPr>
+            <a:lvl6pPr marL="2514600" indent="-228600" eaLnBrk="0" fontAlgn="base" hangingPunct="0">
+              <a:spcBef>
+                <a:spcPct val="0"/>
+              </a:spcBef>
+              <a:spcAft>
+                <a:spcPct val="0"/>
+              </a:spcAft>
+              <a:defRPr>
+                <a:solidFill>
+                  <a:schemeClr val="tx1"/>
+                </a:solidFill>
+                <a:latin typeface="Arial" charset="0"/>
+                <a:ea typeface="Arial" charset="0"/>
+                <a:cs typeface="Arial" charset="0"/>
+              </a:defRPr>
+            </a:lvl6pPr>
+            <a:lvl7pPr marL="2971800" indent="-228600" eaLnBrk="0" fontAlgn="base" hangingPunct="0">
+              <a:spcBef>
+                <a:spcPct val="0"/>
+              </a:spcBef>
+              <a:spcAft>
+                <a:spcPct val="0"/>
+              </a:spcAft>
+              <a:defRPr>
+                <a:solidFill>
+                  <a:schemeClr val="tx1"/>
+                </a:solidFill>
+                <a:latin typeface="Arial" charset="0"/>
+                <a:ea typeface="Arial" charset="0"/>
+                <a:cs typeface="Arial" charset="0"/>
+              </a:defRPr>
+            </a:lvl7pPr>
+            <a:lvl8pPr marL="3429000" indent="-228600" eaLnBrk="0" fontAlgn="base" hangingPunct="0">
+              <a:spcBef>
+                <a:spcPct val="0"/>
+              </a:spcBef>
+              <a:spcAft>
+                <a:spcPct val="0"/>
+              </a:spcAft>
+              <a:defRPr>
+                <a:solidFill>
+                  <a:schemeClr val="tx1"/>
+                </a:solidFill>
+                <a:latin typeface="Arial" charset="0"/>
+                <a:ea typeface="Arial" charset="0"/>
+                <a:cs typeface="Arial" charset="0"/>
+              </a:defRPr>
+            </a:lvl8pPr>
+            <a:lvl9pPr marL="3886200" indent="-228600" eaLnBrk="0" fontAlgn="base" hangingPunct="0">
+              <a:spcBef>
+                <a:spcPct val="0"/>
+              </a:spcBef>
+              <a:spcAft>
+                <a:spcPct val="0"/>
+              </a:spcAft>
+              <a:defRPr>
+                <a:solidFill>
+                  <a:schemeClr val="tx1"/>
+                </a:solidFill>
+                <a:latin typeface="Arial" charset="0"/>
+                <a:ea typeface="Arial" charset="0"/>
+                <a:cs typeface="Arial" charset="0"/>
+              </a:defRPr>
+            </a:lvl9pPr>
+          </a:lstStyle>
+          <a:p>
+            <a:pPr eaLnBrk="1" hangingPunct="1"/>
+            <a:fld id="{7318A6F9-97BD-0640-AE56-DA2FF8060FFA}" type="slidenum">
+              <a:rPr lang="en-US">
+                <a:latin typeface="Garamond" charset="0"/>
+              </a:rPr>
+              <a:pPr eaLnBrk="1" hangingPunct="1"/>
+              <a:t>24</a:t>
             </a:fld>
             <a:endParaRPr lang="en-US">
               <a:latin typeface="Garamond" charset="0"/>
@@ -8903,7 +15827,7 @@
           <a:bodyPr/>
           <a:lstStyle/>
           <a:p>
-            <a:fld id="{F195D34D-1FC5-AB42-8B93-DA2B87763CE2}" type="datetime1">
+            <a:fld id="{8CFFA003-1A60-49A8-A76F-6430898C825D}" type="datetime1">
               <a:rPr lang="en-US" smtClean="0"/>
               <a:t>9/25/2019</a:t>
             </a:fld>
@@ -8931,7 +15855,7 @@
             </a:pPr>
             <a:r>
               <a:rPr lang="en-US" altLang="en-US"/>
-              <a:t>Microprocessors I:  Lecture 7</a:t>
+              <a:t>Microprocessors I:  Lecture 8</a:t>
             </a:r>
           </a:p>
         </p:txBody>
@@ -10077,7 +17001,7 @@
           </a:lstStyle>
           <a:p>
             <a:pPr eaLnBrk="1" hangingPunct="1"/>
-            <a:fld id="{727B2EAD-8CF7-43D5-96C5-2FA8BF55512A}" type="datetime1">
+            <a:fld id="{6497D08C-1729-4825-8A68-9543A99A80E2}" type="datetime1">
               <a:rPr lang="en-US" smtClean="0">
                 <a:latin typeface="Garamond" charset="0"/>
               </a:rPr>
@@ -10109,7 +17033,7 @@
             </a:pPr>
             <a:r>
               <a:rPr lang="en-US" altLang="en-US"/>
-              <a:t>Microprocessors I:  Lecture 6</a:t>
+              <a:t>Microprocessors I:  Lecture 8</a:t>
             </a:r>
           </a:p>
         </p:txBody>
@@ -10662,7 +17586,7 @@
           </a:lstStyle>
           <a:p>
             <a:pPr eaLnBrk="1" hangingPunct="1"/>
-            <a:fld id="{8272E5FB-EB4B-409F-A3B5-4766ABD0AA84}" type="datetime1">
+            <a:fld id="{3990A016-FF1F-4761-914B-7F3DE0CFE21D}" type="datetime1">
               <a:rPr lang="en-US" smtClean="0">
                 <a:latin typeface="Garamond" charset="0"/>
               </a:rPr>
@@ -10694,7 +17618,7 @@
             </a:pPr>
             <a:r>
               <a:rPr lang="en-US" altLang="en-US"/>
-              <a:t>Microprocessors I:  Lecture 6</a:t>
+              <a:t>Microprocessors I:  Lecture 8</a:t>
             </a:r>
           </a:p>
         </p:txBody>
@@ -11122,7 +18046,7 @@
           </a:lstStyle>
           <a:p>
             <a:pPr eaLnBrk="1" hangingPunct="1"/>
-            <a:fld id="{F85F35ED-4364-EB44-9F10-A7BECB54B1E2}" type="datetime1">
+            <a:fld id="{B4A8AB98-936F-441A-8B5C-9D81697E684A}" type="datetime1">
               <a:rPr lang="en-US" smtClean="0">
                 <a:latin typeface="Garamond" charset="0"/>
               </a:rPr>
@@ -11154,7 +18078,7 @@
             </a:pPr>
             <a:r>
               <a:rPr lang="en-US" altLang="en-US"/>
-              <a:t>Microprocessors I:  Lecture 7</a:t>
+              <a:t>Microprocessors I:  Lecture 8</a:t>
             </a:r>
           </a:p>
         </p:txBody>
@@ -11555,7 +18479,7 @@
           </a:lstStyle>
           <a:p>
             <a:pPr eaLnBrk="1" hangingPunct="1"/>
-            <a:fld id="{8BB0FCBC-F4EA-0E4A-B985-2432D56BB8AD}" type="datetime1">
+            <a:fld id="{85C913C5-DEA7-44E2-8D1F-8EC4BEEC1468}" type="datetime1">
               <a:rPr lang="en-US" smtClean="0">
                 <a:latin typeface="Garamond" charset="0"/>
               </a:rPr>
@@ -11587,7 +18511,7 @@
             </a:pPr>
             <a:r>
               <a:rPr lang="en-US" altLang="en-US"/>
-              <a:t>Microprocessors I:  Lecture 7</a:t>
+              <a:t>Microprocessors I:  Lecture 8</a:t>
             </a:r>
           </a:p>
         </p:txBody>
@@ -12014,7 +18938,7 @@
           </a:lstStyle>
           <a:p>
             <a:pPr eaLnBrk="1" hangingPunct="1"/>
-            <a:fld id="{2CBDAE83-2034-9C4B-82D2-72262BA06BAC}" type="datetime1">
+            <a:fld id="{A8EAB285-F3B3-4778-A5CA-D59A43089D65}" type="datetime1">
               <a:rPr lang="en-US" smtClean="0">
                 <a:latin typeface="Garamond" charset="0"/>
               </a:rPr>
@@ -12046,7 +18970,7 @@
             </a:pPr>
             <a:r>
               <a:rPr lang="en-US" altLang="en-US"/>
-              <a:t>Microprocessors I:  Lecture 7</a:t>
+              <a:t>Microprocessors I:  Lecture 8</a:t>
             </a:r>
           </a:p>
         </p:txBody>
@@ -12530,7 +19454,7 @@
           </a:lstStyle>
           <a:p>
             <a:pPr eaLnBrk="1" hangingPunct="1"/>
-            <a:fld id="{4E872D32-4140-A84D-BE78-47AE8843DEC8}" type="datetime1">
+            <a:fld id="{DA70293B-44D7-4CC3-A957-C6E564D24809}" type="datetime1">
               <a:rPr lang="en-US" smtClean="0">
                 <a:latin typeface="Garamond" charset="0"/>
               </a:rPr>
@@ -12562,7 +19486,7 @@
             </a:pPr>
             <a:r>
               <a:rPr lang="en-US"/>
-              <a:t>Microprocessors I:  Lecture 7</a:t>
+              <a:t>Microprocessors I:  Lecture 8</a:t>
             </a:r>
           </a:p>
         </p:txBody>
